--- a/images/diagrams.pptx
+++ b/images/diagrams.pptx
@@ -6,6 +6,7 @@
   </p:sldMasterIdLst>
   <p:sldIdLst>
     <p:sldId id="2147477553" r:id="rId2"/>
+    <p:sldId id="2147477554" r:id="rId3"/>
   </p:sldIdLst>
   <p:sldSz cx="12192000" cy="6858000"/>
   <p:notesSz cx="6858000" cy="9144000"/>
@@ -5942,8 +5943,8 @@
           <a:lstStyle/>
           <a:p>
             <a:r>
-              <a:rPr lang="en-US"/>
-              <a:t>Solution Overview</a:t>
+              <a:rPr lang="en-US" dirty="0"/>
+              <a:t>Documents Profiler</a:t>
             </a:r>
           </a:p>
         </p:txBody>
@@ -6091,7 +6092,7 @@
         </p:nvSpPr>
         <p:spPr>
           <a:xfrm>
-            <a:off x="1895931" y="3354270"/>
+            <a:off x="2033618" y="3365883"/>
             <a:ext cx="765587" cy="211855"/>
           </a:xfrm>
           <a:prstGeom prst="rect">
@@ -6304,47 +6305,6 @@
           </a:prstGeom>
         </p:spPr>
       </p:pic>
-      <p:sp>
-        <p:nvSpPr>
-          <p:cNvPr id="41" name="TextBox 40">
-            <a:extLst>
-              <a:ext uri="{FF2B5EF4-FFF2-40B4-BE49-F238E27FC236}">
-                <a16:creationId xmlns:a16="http://schemas.microsoft.com/office/drawing/2014/main" id="{C1BC9D30-5367-9234-3FFD-E41CB55436B4}"/>
-              </a:ext>
-            </a:extLst>
-          </p:cNvPr>
-          <p:cNvSpPr txBox="1"/>
-          <p:nvPr/>
-        </p:nvSpPr>
-        <p:spPr>
-          <a:xfrm>
-            <a:off x="812800" y="5278628"/>
-            <a:ext cx="738612" cy="230832"/>
-          </a:xfrm>
-          <a:prstGeom prst="rect">
-            <a:avLst/>
-          </a:prstGeom>
-          <a:noFill/>
-        </p:spPr>
-        <p:txBody>
-          <a:bodyPr wrap="square">
-            <a:spAutoFit/>
-          </a:bodyPr>
-          <a:lstStyle/>
-          <a:p>
-            <a:pPr algn="ctr" defTabSz="457200"/>
-            <a:r>
-              <a:rPr lang="en-US" sz="900" dirty="0">
-                <a:solidFill>
-                  <a:prstClr val="black"/>
-                </a:solidFill>
-                <a:latin typeface="Work Sans Medium" pitchFamily="2" charset="77"/>
-              </a:rPr>
-              <a:t>Question</a:t>
-            </a:r>
-          </a:p>
-        </p:txBody>
-      </p:sp>
       <p:grpSp>
         <p:nvGrpSpPr>
           <p:cNvPr id="1083" name="Group 1082">
@@ -10908,6 +10868,5326 @@
     <p:extLst>
       <p:ext uri="{BB962C8B-B14F-4D97-AF65-F5344CB8AC3E}">
         <p14:creationId xmlns:p14="http://schemas.microsoft.com/office/powerpoint/2010/main" val="3000967504"/>
+      </p:ext>
+    </p:extLst>
+  </p:cSld>
+  <p:clrMapOvr>
+    <a:masterClrMapping/>
+  </p:clrMapOvr>
+  <p:transition spd="med"/>
+</p:sld>
+</file>
+
+<file path=ppt/slides/slide2.xml><?xml version="1.0" encoding="utf-8"?>
+<p:sld xmlns:a="http://schemas.openxmlformats.org/drawingml/2006/main" xmlns:r="http://schemas.openxmlformats.org/officeDocument/2006/relationships" xmlns:p="http://schemas.openxmlformats.org/presentationml/2006/main">
+  <p:cSld>
+    <p:spTree>
+      <p:nvGrpSpPr>
+        <p:cNvPr id="1" name="">
+          <a:extLst>
+            <a:ext uri="{FF2B5EF4-FFF2-40B4-BE49-F238E27FC236}">
+              <a16:creationId xmlns:a16="http://schemas.microsoft.com/office/drawing/2014/main" id="{88FCA53E-804C-9BBA-9FA0-71038D1CF906}"/>
+            </a:ext>
+          </a:extLst>
+        </p:cNvPr>
+        <p:cNvGrpSpPr/>
+        <p:nvPr/>
+      </p:nvGrpSpPr>
+      <p:grpSpPr>
+        <a:xfrm>
+          <a:off x="0" y="0"/>
+          <a:ext cx="0" cy="0"/>
+          <a:chOff x="0" y="0"/>
+          <a:chExt cx="0" cy="0"/>
+        </a:xfrm>
+      </p:grpSpPr>
+      <p:sp>
+        <p:nvSpPr>
+          <p:cNvPr id="2" name="Title 1">
+            <a:extLst>
+              <a:ext uri="{FF2B5EF4-FFF2-40B4-BE49-F238E27FC236}">
+                <a16:creationId xmlns:a16="http://schemas.microsoft.com/office/drawing/2014/main" id="{A8C8BE01-72D5-4585-049F-4C6A5DEE3226}"/>
+              </a:ext>
+            </a:extLst>
+          </p:cNvPr>
+          <p:cNvSpPr>
+            <a:spLocks noGrp="1"/>
+          </p:cNvSpPr>
+          <p:nvPr>
+            <p:ph type="title"/>
+          </p:nvPr>
+        </p:nvSpPr>
+        <p:spPr/>
+        <p:txBody>
+          <a:bodyPr/>
+          <a:lstStyle/>
+          <a:p>
+            <a:r>
+              <a:rPr lang="en-US" dirty="0"/>
+              <a:t>Salesforce Intelligence</a:t>
+            </a:r>
+          </a:p>
+        </p:txBody>
+      </p:sp>
+      <p:sp>
+        <p:nvSpPr>
+          <p:cNvPr id="6" name="Arrow: Right 5">
+            <a:extLst>
+              <a:ext uri="{FF2B5EF4-FFF2-40B4-BE49-F238E27FC236}">
+                <a16:creationId xmlns:a16="http://schemas.microsoft.com/office/drawing/2014/main" id="{47EECA4B-A336-4BC5-2E2E-004CA0C16F16}"/>
+              </a:ext>
+            </a:extLst>
+          </p:cNvPr>
+          <p:cNvSpPr/>
+          <p:nvPr/>
+        </p:nvSpPr>
+        <p:spPr>
+          <a:xfrm>
+            <a:off x="1635037" y="2734315"/>
+            <a:ext cx="208107" cy="254689"/>
+          </a:xfrm>
+          <a:prstGeom prst="rightArrow">
+            <a:avLst/>
+          </a:prstGeom>
+          <a:solidFill>
+            <a:schemeClr val="bg1">
+              <a:lumMod val="75000"/>
+            </a:schemeClr>
+          </a:solidFill>
+          <a:ln>
+            <a:noFill/>
+          </a:ln>
+        </p:spPr>
+        <p:style>
+          <a:lnRef idx="2">
+            <a:schemeClr val="accent1">
+              <a:shade val="50000"/>
+            </a:schemeClr>
+          </a:lnRef>
+          <a:fillRef idx="1">
+            <a:schemeClr val="accent1"/>
+          </a:fillRef>
+          <a:effectRef idx="0">
+            <a:schemeClr val="accent1"/>
+          </a:effectRef>
+          <a:fontRef idx="minor">
+            <a:schemeClr val="lt1"/>
+          </a:fontRef>
+        </p:style>
+        <p:txBody>
+          <a:bodyPr rtlCol="0" anchor="ctr"/>
+          <a:lstStyle/>
+          <a:p>
+            <a:pPr algn="ctr" defTabSz="457200">
+              <a:lnSpc>
+                <a:spcPct val="107000"/>
+              </a:lnSpc>
+              <a:spcBef>
+                <a:spcPts val="500"/>
+              </a:spcBef>
+              <a:spcAft>
+                <a:spcPts val="400"/>
+              </a:spcAft>
+            </a:pPr>
+            <a:endParaRPr lang="en-US" sz="475">
+              <a:solidFill>
+                <a:prstClr val="white"/>
+              </a:solidFill>
+              <a:latin typeface="Work Sans Light" pitchFamily="2" charset="77"/>
+            </a:endParaRPr>
+          </a:p>
+        </p:txBody>
+      </p:sp>
+      <p:sp>
+        <p:nvSpPr>
+          <p:cNvPr id="7" name="Rectangle 6">
+            <a:extLst>
+              <a:ext uri="{FF2B5EF4-FFF2-40B4-BE49-F238E27FC236}">
+                <a16:creationId xmlns:a16="http://schemas.microsoft.com/office/drawing/2014/main" id="{102959F6-84CA-CCB7-49BE-3982BA831D9F}"/>
+              </a:ext>
+            </a:extLst>
+          </p:cNvPr>
+          <p:cNvSpPr/>
+          <p:nvPr/>
+        </p:nvSpPr>
+        <p:spPr>
+          <a:xfrm>
+            <a:off x="1997894" y="2326799"/>
+            <a:ext cx="844697" cy="996553"/>
+          </a:xfrm>
+          <a:prstGeom prst="rect">
+            <a:avLst/>
+          </a:prstGeom>
+          <a:noFill/>
+          <a:ln w="15875" cap="flat" cmpd="dbl">
+            <a:solidFill>
+              <a:srgbClr val="FF3A24"/>
+            </a:solidFill>
+            <a:prstDash val="solid"/>
+            <a:round/>
+          </a:ln>
+          <a:effectLst/>
+          <a:sp3d/>
+        </p:spPr>
+        <p:style>
+          <a:lnRef idx="0">
+            <a:scrgbClr r="0" g="0" b="0"/>
+          </a:lnRef>
+          <a:fillRef idx="0">
+            <a:scrgbClr r="0" g="0" b="0"/>
+          </a:fillRef>
+          <a:effectRef idx="0">
+            <a:scrgbClr r="0" g="0" b="0"/>
+          </a:effectRef>
+          <a:fontRef idx="none"/>
+        </p:style>
+        <p:txBody>
+          <a:bodyPr rot="0" spcFirstLastPara="1" vertOverflow="overflow" horzOverflow="overflow" vert="horz" wrap="square" lIns="45718" tIns="45718" rIns="45718" bIns="45718" numCol="1" spcCol="38100" rtlCol="0" anchor="ctr">
+            <a:noAutofit/>
+          </a:bodyPr>
+          <a:lstStyle/>
+          <a:p>
+            <a:pPr hangingPunct="0"/>
+            <a:endParaRPr lang="en-US" sz="1100">
+              <a:solidFill>
+                <a:srgbClr val="000000"/>
+              </a:solidFill>
+              <a:latin typeface="Calibri" panose="020F0502020204030204"/>
+              <a:sym typeface="Arial"/>
+            </a:endParaRPr>
+          </a:p>
+        </p:txBody>
+      </p:sp>
+      <p:sp>
+        <p:nvSpPr>
+          <p:cNvPr id="8" name="TextBox 7">
+            <a:extLst>
+              <a:ext uri="{FF2B5EF4-FFF2-40B4-BE49-F238E27FC236}">
+                <a16:creationId xmlns:a16="http://schemas.microsoft.com/office/drawing/2014/main" id="{1AD22F4B-FEC5-87B4-C521-76B29852601F}"/>
+              </a:ext>
+            </a:extLst>
+          </p:cNvPr>
+          <p:cNvSpPr txBox="1"/>
+          <p:nvPr/>
+        </p:nvSpPr>
+        <p:spPr>
+          <a:xfrm>
+            <a:off x="2033618" y="3365883"/>
+            <a:ext cx="765587" cy="211855"/>
+          </a:xfrm>
+          <a:prstGeom prst="rect">
+            <a:avLst/>
+          </a:prstGeom>
+          <a:noFill/>
+          <a:effectLst/>
+        </p:spPr>
+        <p:txBody>
+          <a:bodyPr wrap="square">
+            <a:noAutofit/>
+          </a:bodyPr>
+          <a:lstStyle/>
+          <a:p>
+            <a:pPr algn="ctr" defTabSz="457200"/>
+            <a:r>
+              <a:rPr lang="en-US" sz="900" dirty="0">
+                <a:solidFill>
+                  <a:prstClr val="black">
+                    <a:lumMod val="85000"/>
+                    <a:lumOff val="15000"/>
+                  </a:prstClr>
+                </a:solidFill>
+                <a:latin typeface="Work Sans Medium" pitchFamily="2" charset="0"/>
+              </a:rPr>
+              <a:t>Chunking</a:t>
+            </a:r>
+          </a:p>
+        </p:txBody>
+      </p:sp>
+      <p:sp>
+        <p:nvSpPr>
+          <p:cNvPr id="15" name="TextBox 14">
+            <a:extLst>
+              <a:ext uri="{FF2B5EF4-FFF2-40B4-BE49-F238E27FC236}">
+                <a16:creationId xmlns:a16="http://schemas.microsoft.com/office/drawing/2014/main" id="{A7F37054-E267-10AB-8D7B-91ABF7FC3F08}"/>
+              </a:ext>
+            </a:extLst>
+          </p:cNvPr>
+          <p:cNvSpPr txBox="1"/>
+          <p:nvPr/>
+        </p:nvSpPr>
+        <p:spPr>
+          <a:xfrm>
+            <a:off x="775950" y="3153517"/>
+            <a:ext cx="933163" cy="369332"/>
+          </a:xfrm>
+          <a:prstGeom prst="rect">
+            <a:avLst/>
+          </a:prstGeom>
+          <a:noFill/>
+        </p:spPr>
+        <p:txBody>
+          <a:bodyPr wrap="square">
+            <a:spAutoFit/>
+          </a:bodyPr>
+          <a:lstStyle/>
+          <a:p>
+            <a:pPr algn="ctr" defTabSz="457200"/>
+            <a:r>
+              <a:rPr lang="en-US" sz="900" dirty="0">
+                <a:solidFill>
+                  <a:prstClr val="black"/>
+                </a:solidFill>
+                <a:latin typeface="Work Sans Medium"/>
+              </a:rPr>
+              <a:t>SFDC data as CSV</a:t>
+            </a:r>
+          </a:p>
+        </p:txBody>
+      </p:sp>
+      <p:sp>
+        <p:nvSpPr>
+          <p:cNvPr id="20" name="Arrow: Right 19">
+            <a:extLst>
+              <a:ext uri="{FF2B5EF4-FFF2-40B4-BE49-F238E27FC236}">
+                <a16:creationId xmlns:a16="http://schemas.microsoft.com/office/drawing/2014/main" id="{8F9595AF-E73E-F4E4-F83D-F8C2065C1A63}"/>
+              </a:ext>
+            </a:extLst>
+          </p:cNvPr>
+          <p:cNvSpPr/>
+          <p:nvPr/>
+        </p:nvSpPr>
+        <p:spPr>
+          <a:xfrm>
+            <a:off x="4883746" y="2732683"/>
+            <a:ext cx="208107" cy="254689"/>
+          </a:xfrm>
+          <a:prstGeom prst="rightArrow">
+            <a:avLst/>
+          </a:prstGeom>
+          <a:solidFill>
+            <a:schemeClr val="bg1">
+              <a:lumMod val="75000"/>
+            </a:schemeClr>
+          </a:solidFill>
+          <a:ln>
+            <a:noFill/>
+          </a:ln>
+        </p:spPr>
+        <p:style>
+          <a:lnRef idx="2">
+            <a:schemeClr val="accent1">
+              <a:shade val="50000"/>
+            </a:schemeClr>
+          </a:lnRef>
+          <a:fillRef idx="1">
+            <a:schemeClr val="accent1"/>
+          </a:fillRef>
+          <a:effectRef idx="0">
+            <a:schemeClr val="accent1"/>
+          </a:effectRef>
+          <a:fontRef idx="minor">
+            <a:schemeClr val="lt1"/>
+          </a:fontRef>
+        </p:style>
+        <p:txBody>
+          <a:bodyPr rtlCol="0" anchor="ctr"/>
+          <a:lstStyle/>
+          <a:p>
+            <a:pPr algn="ctr" defTabSz="457200">
+              <a:lnSpc>
+                <a:spcPct val="107000"/>
+              </a:lnSpc>
+              <a:spcBef>
+                <a:spcPts val="500"/>
+              </a:spcBef>
+              <a:spcAft>
+                <a:spcPts val="400"/>
+              </a:spcAft>
+            </a:pPr>
+            <a:endParaRPr lang="en-US" sz="475">
+              <a:solidFill>
+                <a:prstClr val="white"/>
+              </a:solidFill>
+              <a:latin typeface="Work Sans Light" pitchFamily="2" charset="77"/>
+            </a:endParaRPr>
+          </a:p>
+        </p:txBody>
+      </p:sp>
+      <p:pic>
+        <p:nvPicPr>
+          <p:cNvPr id="37" name="Picture 36" descr="A black background with a black square&#10;&#10;Description automatically generated with medium confidence">
+            <a:extLst>
+              <a:ext uri="{FF2B5EF4-FFF2-40B4-BE49-F238E27FC236}">
+                <a16:creationId xmlns:a16="http://schemas.microsoft.com/office/drawing/2014/main" id="{3E340D2C-E4B0-E3BB-EAF7-FBF499F8315B}"/>
+              </a:ext>
+            </a:extLst>
+          </p:cNvPr>
+          <p:cNvPicPr>
+            <a:picLocks noChangeAspect="1"/>
+          </p:cNvPicPr>
+          <p:nvPr/>
+        </p:nvPicPr>
+        <p:blipFill>
+          <a:blip r:embed="rId2">
+            <a:extLst>
+              <a:ext uri="{28A0092B-C50C-407E-A947-70E740481C1C}">
+                <a14:useLocalDpi xmlns:a14="http://schemas.microsoft.com/office/drawing/2010/main" val="0"/>
+              </a:ext>
+            </a:extLst>
+          </a:blip>
+          <a:stretch>
+            <a:fillRect/>
+          </a:stretch>
+        </p:blipFill>
+        <p:spPr>
+          <a:xfrm>
+            <a:off x="937462" y="4666056"/>
+            <a:ext cx="459844" cy="512323"/>
+          </a:xfrm>
+          <a:prstGeom prst="rect">
+            <a:avLst/>
+          </a:prstGeom>
+        </p:spPr>
+      </p:pic>
+      <p:pic>
+        <p:nvPicPr>
+          <p:cNvPr id="38" name="Picture 37" descr="A black background with a black square&#10;&#10;Description automatically generated with medium confidence">
+            <a:extLst>
+              <a:ext uri="{FF2B5EF4-FFF2-40B4-BE49-F238E27FC236}">
+                <a16:creationId xmlns:a16="http://schemas.microsoft.com/office/drawing/2014/main" id="{15F37A94-FC4D-CD2C-9E7D-91C1B0089389}"/>
+              </a:ext>
+            </a:extLst>
+          </p:cNvPr>
+          <p:cNvPicPr>
+            <a:picLocks noChangeAspect="1"/>
+          </p:cNvPicPr>
+          <p:nvPr/>
+        </p:nvPicPr>
+        <p:blipFill>
+          <a:blip r:embed="rId3">
+            <a:extLst>
+              <a:ext uri="{28A0092B-C50C-407E-A947-70E740481C1C}">
+                <a14:useLocalDpi xmlns:a14="http://schemas.microsoft.com/office/drawing/2010/main" val="0"/>
+              </a:ext>
+            </a:extLst>
+          </a:blip>
+          <a:stretch>
+            <a:fillRect/>
+          </a:stretch>
+        </p:blipFill>
+        <p:spPr>
+          <a:xfrm>
+            <a:off x="5852073" y="4822239"/>
+            <a:ext cx="366329" cy="408135"/>
+          </a:xfrm>
+          <a:prstGeom prst="rect">
+            <a:avLst/>
+          </a:prstGeom>
+        </p:spPr>
+      </p:pic>
+      <p:grpSp>
+        <p:nvGrpSpPr>
+          <p:cNvPr id="1083" name="Group 1082">
+            <a:extLst>
+              <a:ext uri="{FF2B5EF4-FFF2-40B4-BE49-F238E27FC236}">
+                <a16:creationId xmlns:a16="http://schemas.microsoft.com/office/drawing/2014/main" id="{226B9E6E-3816-7664-8235-80964EBB6E96}"/>
+              </a:ext>
+            </a:extLst>
+          </p:cNvPr>
+          <p:cNvGrpSpPr/>
+          <p:nvPr/>
+        </p:nvGrpSpPr>
+        <p:grpSpPr>
+          <a:xfrm>
+            <a:off x="3276108" y="2321725"/>
+            <a:ext cx="1478723" cy="1235700"/>
+            <a:chOff x="3069274" y="2321725"/>
+            <a:chExt cx="1478723" cy="1235700"/>
+          </a:xfrm>
+        </p:grpSpPr>
+        <p:sp>
+          <p:nvSpPr>
+            <p:cNvPr id="17" name="TextBox 16">
+              <a:extLst>
+                <a:ext uri="{FF2B5EF4-FFF2-40B4-BE49-F238E27FC236}">
+                  <a16:creationId xmlns:a16="http://schemas.microsoft.com/office/drawing/2014/main" id="{4AEE65D5-DD9E-4278-4A80-F565BBE5BE85}"/>
+                </a:ext>
+              </a:extLst>
+            </p:cNvPr>
+            <p:cNvSpPr txBox="1"/>
+            <p:nvPr/>
+          </p:nvSpPr>
+          <p:spPr>
+            <a:xfrm>
+              <a:off x="3210176" y="3363957"/>
+              <a:ext cx="1196918" cy="193468"/>
+            </a:xfrm>
+            <a:prstGeom prst="rect">
+              <a:avLst/>
+            </a:prstGeom>
+            <a:noFill/>
+            <a:effectLst/>
+          </p:spPr>
+          <p:txBody>
+            <a:bodyPr wrap="square">
+              <a:noAutofit/>
+            </a:bodyPr>
+            <a:lstStyle/>
+            <a:p>
+              <a:pPr algn="ctr" defTabSz="457200"/>
+              <a:r>
+                <a:rPr lang="en-US" sz="900" dirty="0">
+                  <a:solidFill>
+                    <a:prstClr val="black">
+                      <a:lumMod val="85000"/>
+                      <a:lumOff val="15000"/>
+                    </a:prstClr>
+                  </a:solidFill>
+                  <a:latin typeface="Work Sans Medium" pitchFamily="2" charset="0"/>
+                </a:rPr>
+                <a:t>Embeddings</a:t>
+              </a:r>
+            </a:p>
+          </p:txBody>
+        </p:sp>
+        <p:grpSp>
+          <p:nvGrpSpPr>
+            <p:cNvPr id="247" name="Group 246">
+              <a:extLst>
+                <a:ext uri="{FF2B5EF4-FFF2-40B4-BE49-F238E27FC236}">
+                  <a16:creationId xmlns:a16="http://schemas.microsoft.com/office/drawing/2014/main" id="{FCA7661D-0E56-3357-8E17-5807A28DE8E0}"/>
+                </a:ext>
+              </a:extLst>
+            </p:cNvPr>
+            <p:cNvGrpSpPr/>
+            <p:nvPr/>
+          </p:nvGrpSpPr>
+          <p:grpSpPr>
+            <a:xfrm>
+              <a:off x="3189778" y="2550934"/>
+              <a:ext cx="1282568" cy="536651"/>
+              <a:chOff x="6883603" y="9274415"/>
+              <a:chExt cx="2565135" cy="1073301"/>
+            </a:xfrm>
+          </p:grpSpPr>
+          <p:grpSp>
+            <p:nvGrpSpPr>
+              <p:cNvPr id="72" name="Group 71">
+                <a:extLst>
+                  <a:ext uri="{FF2B5EF4-FFF2-40B4-BE49-F238E27FC236}">
+                    <a16:creationId xmlns:a16="http://schemas.microsoft.com/office/drawing/2014/main" id="{9DC622A8-6CB2-0E3A-D3C1-C117398D0CA3}"/>
+                  </a:ext>
+                </a:extLst>
+              </p:cNvPr>
+              <p:cNvGrpSpPr/>
+              <p:nvPr/>
+            </p:nvGrpSpPr>
+            <p:grpSpPr>
+              <a:xfrm>
+                <a:off x="6883603" y="9274415"/>
+                <a:ext cx="1955535" cy="394131"/>
+                <a:chOff x="11026632" y="6764694"/>
+                <a:chExt cx="1955535" cy="353759"/>
+              </a:xfrm>
+            </p:grpSpPr>
+            <p:sp>
+              <p:nvSpPr>
+                <p:cNvPr id="103" name="Rectangle 102">
+                  <a:extLst>
+                    <a:ext uri="{FF2B5EF4-FFF2-40B4-BE49-F238E27FC236}">
+                      <a16:creationId xmlns:a16="http://schemas.microsoft.com/office/drawing/2014/main" id="{9C8EA16A-A36C-B066-2E6B-A6451E70148C}"/>
+                    </a:ext>
+                  </a:extLst>
+                </p:cNvPr>
+                <p:cNvSpPr/>
+                <p:nvPr/>
+              </p:nvSpPr>
+              <p:spPr>
+                <a:xfrm>
+                  <a:off x="11026632" y="6771152"/>
+                  <a:ext cx="355743" cy="347301"/>
+                </a:xfrm>
+                <a:prstGeom prst="rect">
+                  <a:avLst/>
+                </a:prstGeom>
+                <a:solidFill>
+                  <a:srgbClr val="F7EEED"/>
+                </a:solidFill>
+                <a:ln w="15875" cap="flat" cmpd="dbl">
+                  <a:solidFill>
+                    <a:srgbClr val="FF3A24"/>
+                  </a:solidFill>
+                  <a:prstDash val="solid"/>
+                  <a:round/>
+                </a:ln>
+                <a:effectLst/>
+                <a:sp3d/>
+              </p:spPr>
+              <p:style>
+                <a:lnRef idx="0">
+                  <a:scrgbClr r="0" g="0" b="0"/>
+                </a:lnRef>
+                <a:fillRef idx="0">
+                  <a:scrgbClr r="0" g="0" b="0"/>
+                </a:fillRef>
+                <a:effectRef idx="0">
+                  <a:scrgbClr r="0" g="0" b="0"/>
+                </a:effectRef>
+                <a:fontRef idx="none"/>
+              </p:style>
+              <p:txBody>
+                <a:bodyPr rot="0" spcFirstLastPara="1" vertOverflow="overflow" horzOverflow="overflow" vert="horz" wrap="square" lIns="45718" tIns="45718" rIns="45718" bIns="45718" numCol="1" spcCol="38100" rtlCol="0" anchor="ctr">
+                  <a:noAutofit/>
+                </a:bodyPr>
+                <a:lstStyle/>
+                <a:p>
+                  <a:pPr hangingPunct="0"/>
+                  <a:r>
+                    <a:rPr lang="en-US" sz="525">
+                      <a:solidFill>
+                        <a:srgbClr val="000000"/>
+                      </a:solidFill>
+                      <a:latin typeface="Calibri" panose="020F0502020204030204"/>
+                      <a:sym typeface="Arial"/>
+                    </a:rPr>
+                    <a:t>0.5</a:t>
+                  </a:r>
+                </a:p>
+              </p:txBody>
+            </p:sp>
+            <p:sp>
+              <p:nvSpPr>
+                <p:cNvPr id="104" name="Rectangle 103">
+                  <a:extLst>
+                    <a:ext uri="{FF2B5EF4-FFF2-40B4-BE49-F238E27FC236}">
+                      <a16:creationId xmlns:a16="http://schemas.microsoft.com/office/drawing/2014/main" id="{B5394D0F-E672-70A5-3572-9BEA54A034D1}"/>
+                    </a:ext>
+                  </a:extLst>
+                </p:cNvPr>
+                <p:cNvSpPr/>
+                <p:nvPr/>
+              </p:nvSpPr>
+              <p:spPr>
+                <a:xfrm>
+                  <a:off x="11426580" y="6771152"/>
+                  <a:ext cx="355743" cy="347301"/>
+                </a:xfrm>
+                <a:prstGeom prst="rect">
+                  <a:avLst/>
+                </a:prstGeom>
+                <a:solidFill>
+                  <a:srgbClr val="F7EEED"/>
+                </a:solidFill>
+                <a:ln w="15875" cap="flat" cmpd="dbl">
+                  <a:solidFill>
+                    <a:srgbClr val="FF3A24"/>
+                  </a:solidFill>
+                  <a:prstDash val="solid"/>
+                  <a:round/>
+                </a:ln>
+                <a:effectLst/>
+                <a:sp3d/>
+              </p:spPr>
+              <p:style>
+                <a:lnRef idx="0">
+                  <a:scrgbClr r="0" g="0" b="0"/>
+                </a:lnRef>
+                <a:fillRef idx="0">
+                  <a:scrgbClr r="0" g="0" b="0"/>
+                </a:fillRef>
+                <a:effectRef idx="0">
+                  <a:scrgbClr r="0" g="0" b="0"/>
+                </a:effectRef>
+                <a:fontRef idx="none"/>
+              </p:style>
+              <p:txBody>
+                <a:bodyPr rot="0" spcFirstLastPara="1" vertOverflow="overflow" horzOverflow="overflow" vert="horz" wrap="square" lIns="45718" tIns="45718" rIns="45718" bIns="45718" numCol="1" spcCol="38100" rtlCol="0" anchor="ctr">
+                  <a:noAutofit/>
+                </a:bodyPr>
+                <a:lstStyle/>
+                <a:p>
+                  <a:pPr hangingPunct="0"/>
+                  <a:r>
+                    <a:rPr lang="en-US" sz="525">
+                      <a:solidFill>
+                        <a:srgbClr val="000000"/>
+                      </a:solidFill>
+                      <a:latin typeface="Calibri" panose="020F0502020204030204"/>
+                      <a:sym typeface="Arial"/>
+                    </a:rPr>
+                    <a:t>0.7</a:t>
+                  </a:r>
+                </a:p>
+              </p:txBody>
+            </p:sp>
+            <p:sp>
+              <p:nvSpPr>
+                <p:cNvPr id="105" name="Rectangle 104">
+                  <a:extLst>
+                    <a:ext uri="{FF2B5EF4-FFF2-40B4-BE49-F238E27FC236}">
+                      <a16:creationId xmlns:a16="http://schemas.microsoft.com/office/drawing/2014/main" id="{A904065F-C3BA-4CF3-767E-6380C679A36B}"/>
+                    </a:ext>
+                  </a:extLst>
+                </p:cNvPr>
+                <p:cNvSpPr/>
+                <p:nvPr/>
+              </p:nvSpPr>
+              <p:spPr>
+                <a:xfrm>
+                  <a:off x="11826528" y="6771152"/>
+                  <a:ext cx="355743" cy="347301"/>
+                </a:xfrm>
+                <a:prstGeom prst="rect">
+                  <a:avLst/>
+                </a:prstGeom>
+                <a:solidFill>
+                  <a:srgbClr val="F7EEED"/>
+                </a:solidFill>
+                <a:ln w="15875" cap="flat" cmpd="dbl">
+                  <a:solidFill>
+                    <a:srgbClr val="FF3A24"/>
+                  </a:solidFill>
+                  <a:prstDash val="solid"/>
+                  <a:round/>
+                </a:ln>
+                <a:effectLst/>
+                <a:sp3d/>
+              </p:spPr>
+              <p:style>
+                <a:lnRef idx="0">
+                  <a:scrgbClr r="0" g="0" b="0"/>
+                </a:lnRef>
+                <a:fillRef idx="0">
+                  <a:scrgbClr r="0" g="0" b="0"/>
+                </a:fillRef>
+                <a:effectRef idx="0">
+                  <a:scrgbClr r="0" g="0" b="0"/>
+                </a:effectRef>
+                <a:fontRef idx="none"/>
+              </p:style>
+              <p:txBody>
+                <a:bodyPr rot="0" spcFirstLastPara="1" vertOverflow="overflow" horzOverflow="overflow" vert="horz" wrap="square" lIns="45718" tIns="45718" rIns="45718" bIns="45718" numCol="1" spcCol="38100" rtlCol="0" anchor="ctr">
+                  <a:noAutofit/>
+                </a:bodyPr>
+                <a:lstStyle/>
+                <a:p>
+                  <a:pPr hangingPunct="0"/>
+                  <a:r>
+                    <a:rPr lang="en-US" sz="525">
+                      <a:solidFill>
+                        <a:srgbClr val="000000"/>
+                      </a:solidFill>
+                      <a:latin typeface="Calibri" panose="020F0502020204030204"/>
+                      <a:sym typeface="Arial"/>
+                    </a:rPr>
+                    <a:t>0.8</a:t>
+                  </a:r>
+                </a:p>
+              </p:txBody>
+            </p:sp>
+            <p:sp>
+              <p:nvSpPr>
+                <p:cNvPr id="106" name="Rectangle 105">
+                  <a:extLst>
+                    <a:ext uri="{FF2B5EF4-FFF2-40B4-BE49-F238E27FC236}">
+                      <a16:creationId xmlns:a16="http://schemas.microsoft.com/office/drawing/2014/main" id="{CA8C8EC9-572C-0715-37FC-1AB6D5C41DF1}"/>
+                    </a:ext>
+                  </a:extLst>
+                </p:cNvPr>
+                <p:cNvSpPr/>
+                <p:nvPr/>
+              </p:nvSpPr>
+              <p:spPr>
+                <a:xfrm>
+                  <a:off x="12226476" y="6771152"/>
+                  <a:ext cx="355743" cy="347301"/>
+                </a:xfrm>
+                <a:prstGeom prst="rect">
+                  <a:avLst/>
+                </a:prstGeom>
+                <a:solidFill>
+                  <a:srgbClr val="F7EEED"/>
+                </a:solidFill>
+                <a:ln w="15875" cap="flat" cmpd="dbl">
+                  <a:solidFill>
+                    <a:srgbClr val="FF3A24"/>
+                  </a:solidFill>
+                  <a:prstDash val="solid"/>
+                  <a:round/>
+                </a:ln>
+                <a:effectLst/>
+                <a:sp3d/>
+              </p:spPr>
+              <p:style>
+                <a:lnRef idx="0">
+                  <a:scrgbClr r="0" g="0" b="0"/>
+                </a:lnRef>
+                <a:fillRef idx="0">
+                  <a:scrgbClr r="0" g="0" b="0"/>
+                </a:fillRef>
+                <a:effectRef idx="0">
+                  <a:scrgbClr r="0" g="0" b="0"/>
+                </a:effectRef>
+                <a:fontRef idx="none"/>
+              </p:style>
+              <p:txBody>
+                <a:bodyPr rot="0" spcFirstLastPara="1" vertOverflow="overflow" horzOverflow="overflow" vert="horz" wrap="square" lIns="45718" tIns="45718" rIns="45718" bIns="45718" numCol="1" spcCol="38100" rtlCol="0" anchor="ctr">
+                  <a:noAutofit/>
+                </a:bodyPr>
+                <a:lstStyle/>
+                <a:p>
+                  <a:pPr hangingPunct="0"/>
+                  <a:r>
+                    <a:rPr lang="en-US" sz="525">
+                      <a:solidFill>
+                        <a:srgbClr val="000000"/>
+                      </a:solidFill>
+                      <a:latin typeface="Calibri" panose="020F0502020204030204"/>
+                      <a:sym typeface="Arial"/>
+                    </a:rPr>
+                    <a:t>0.3</a:t>
+                  </a:r>
+                </a:p>
+              </p:txBody>
+            </p:sp>
+            <p:sp>
+              <p:nvSpPr>
+                <p:cNvPr id="107" name="Rectangle 106">
+                  <a:extLst>
+                    <a:ext uri="{FF2B5EF4-FFF2-40B4-BE49-F238E27FC236}">
+                      <a16:creationId xmlns:a16="http://schemas.microsoft.com/office/drawing/2014/main" id="{09550B5F-2345-6B32-7026-F70F0C12DB02}"/>
+                    </a:ext>
+                  </a:extLst>
+                </p:cNvPr>
+                <p:cNvSpPr/>
+                <p:nvPr/>
+              </p:nvSpPr>
+              <p:spPr>
+                <a:xfrm>
+                  <a:off x="12626424" y="6771152"/>
+                  <a:ext cx="355743" cy="347301"/>
+                </a:xfrm>
+                <a:prstGeom prst="rect">
+                  <a:avLst/>
+                </a:prstGeom>
+                <a:solidFill>
+                  <a:srgbClr val="F7EEED"/>
+                </a:solidFill>
+                <a:ln w="15875" cap="flat" cmpd="dbl">
+                  <a:solidFill>
+                    <a:srgbClr val="FF3A24"/>
+                  </a:solidFill>
+                  <a:prstDash val="solid"/>
+                  <a:round/>
+                </a:ln>
+                <a:effectLst/>
+                <a:sp3d/>
+              </p:spPr>
+              <p:style>
+                <a:lnRef idx="0">
+                  <a:scrgbClr r="0" g="0" b="0"/>
+                </a:lnRef>
+                <a:fillRef idx="0">
+                  <a:scrgbClr r="0" g="0" b="0"/>
+                </a:fillRef>
+                <a:effectRef idx="0">
+                  <a:scrgbClr r="0" g="0" b="0"/>
+                </a:effectRef>
+                <a:fontRef idx="none"/>
+              </p:style>
+              <p:txBody>
+                <a:bodyPr rot="0" spcFirstLastPara="1" vertOverflow="overflow" horzOverflow="overflow" vert="horz" wrap="square" lIns="45718" tIns="45718" rIns="45718" bIns="45718" numCol="1" spcCol="38100" rtlCol="0" anchor="ctr">
+                  <a:noAutofit/>
+                </a:bodyPr>
+                <a:lstStyle/>
+                <a:p>
+                  <a:pPr hangingPunct="0"/>
+                  <a:r>
+                    <a:rPr lang="en-US" sz="525">
+                      <a:solidFill>
+                        <a:srgbClr val="000000"/>
+                      </a:solidFill>
+                      <a:latin typeface="Calibri" panose="020F0502020204030204"/>
+                      <a:sym typeface="Arial"/>
+                    </a:rPr>
+                    <a:t>0.9</a:t>
+                  </a:r>
+                </a:p>
+              </p:txBody>
+            </p:sp>
+            <p:sp>
+              <p:nvSpPr>
+                <p:cNvPr id="223" name="Rectangle 222">
+                  <a:extLst>
+                    <a:ext uri="{FF2B5EF4-FFF2-40B4-BE49-F238E27FC236}">
+                      <a16:creationId xmlns:a16="http://schemas.microsoft.com/office/drawing/2014/main" id="{EC7BCFC1-CA6F-2010-D615-B2D246ADA4D8}"/>
+                    </a:ext>
+                  </a:extLst>
+                </p:cNvPr>
+                <p:cNvSpPr/>
+                <p:nvPr/>
+              </p:nvSpPr>
+              <p:spPr>
+                <a:xfrm>
+                  <a:off x="11059238" y="6764694"/>
+                  <a:ext cx="355743" cy="347301"/>
+                </a:xfrm>
+                <a:prstGeom prst="rect">
+                  <a:avLst/>
+                </a:prstGeom>
+                <a:solidFill>
+                  <a:srgbClr val="F7EEED"/>
+                </a:solidFill>
+                <a:ln w="15875" cap="flat" cmpd="dbl">
+                  <a:solidFill>
+                    <a:srgbClr val="FF3A24"/>
+                  </a:solidFill>
+                  <a:prstDash val="solid"/>
+                  <a:round/>
+                </a:ln>
+                <a:effectLst/>
+                <a:sp3d/>
+              </p:spPr>
+              <p:style>
+                <a:lnRef idx="0">
+                  <a:scrgbClr r="0" g="0" b="0"/>
+                </a:lnRef>
+                <a:fillRef idx="0">
+                  <a:scrgbClr r="0" g="0" b="0"/>
+                </a:fillRef>
+                <a:effectRef idx="0">
+                  <a:scrgbClr r="0" g="0" b="0"/>
+                </a:effectRef>
+                <a:fontRef idx="none"/>
+              </p:style>
+              <p:txBody>
+                <a:bodyPr rot="0" spcFirstLastPara="1" vertOverflow="overflow" horzOverflow="overflow" vert="horz" wrap="square" lIns="45718" tIns="45718" rIns="45718" bIns="45718" numCol="1" spcCol="38100" rtlCol="0" anchor="ctr">
+                  <a:noAutofit/>
+                </a:bodyPr>
+                <a:lstStyle/>
+                <a:p>
+                  <a:pPr hangingPunct="0"/>
+                  <a:r>
+                    <a:rPr lang="en-US" sz="525">
+                      <a:solidFill>
+                        <a:srgbClr val="000000"/>
+                      </a:solidFill>
+                      <a:latin typeface="Calibri" panose="020F0502020204030204"/>
+                      <a:sym typeface="Arial"/>
+                    </a:rPr>
+                    <a:t>0.5</a:t>
+                  </a:r>
+                </a:p>
+              </p:txBody>
+            </p:sp>
+            <p:sp>
+              <p:nvSpPr>
+                <p:cNvPr id="224" name="Rectangle 223">
+                  <a:extLst>
+                    <a:ext uri="{FF2B5EF4-FFF2-40B4-BE49-F238E27FC236}">
+                      <a16:creationId xmlns:a16="http://schemas.microsoft.com/office/drawing/2014/main" id="{D79BAA14-6CF0-ED1D-4401-0F8D06EB013E}"/>
+                    </a:ext>
+                  </a:extLst>
+                </p:cNvPr>
+                <p:cNvSpPr/>
+                <p:nvPr/>
+              </p:nvSpPr>
+              <p:spPr>
+                <a:xfrm>
+                  <a:off x="11459186" y="6764694"/>
+                  <a:ext cx="355743" cy="347301"/>
+                </a:xfrm>
+                <a:prstGeom prst="rect">
+                  <a:avLst/>
+                </a:prstGeom>
+                <a:solidFill>
+                  <a:srgbClr val="F7EEED"/>
+                </a:solidFill>
+                <a:ln w="15875" cap="flat" cmpd="dbl">
+                  <a:solidFill>
+                    <a:srgbClr val="FF3A24"/>
+                  </a:solidFill>
+                  <a:prstDash val="solid"/>
+                  <a:round/>
+                </a:ln>
+                <a:effectLst/>
+                <a:sp3d/>
+              </p:spPr>
+              <p:style>
+                <a:lnRef idx="0">
+                  <a:scrgbClr r="0" g="0" b="0"/>
+                </a:lnRef>
+                <a:fillRef idx="0">
+                  <a:scrgbClr r="0" g="0" b="0"/>
+                </a:fillRef>
+                <a:effectRef idx="0">
+                  <a:scrgbClr r="0" g="0" b="0"/>
+                </a:effectRef>
+                <a:fontRef idx="none"/>
+              </p:style>
+              <p:txBody>
+                <a:bodyPr rot="0" spcFirstLastPara="1" vertOverflow="overflow" horzOverflow="overflow" vert="horz" wrap="square" lIns="45718" tIns="45718" rIns="45718" bIns="45718" numCol="1" spcCol="38100" rtlCol="0" anchor="ctr">
+                  <a:noAutofit/>
+                </a:bodyPr>
+                <a:lstStyle/>
+                <a:p>
+                  <a:pPr hangingPunct="0"/>
+                  <a:r>
+                    <a:rPr lang="en-US" sz="525">
+                      <a:solidFill>
+                        <a:srgbClr val="000000"/>
+                      </a:solidFill>
+                      <a:latin typeface="Calibri" panose="020F0502020204030204"/>
+                      <a:sym typeface="Arial"/>
+                    </a:rPr>
+                    <a:t>0.7</a:t>
+                  </a:r>
+                </a:p>
+              </p:txBody>
+            </p:sp>
+          </p:grpSp>
+          <p:grpSp>
+            <p:nvGrpSpPr>
+              <p:cNvPr id="73" name="Group 72">
+                <a:extLst>
+                  <a:ext uri="{FF2B5EF4-FFF2-40B4-BE49-F238E27FC236}">
+                    <a16:creationId xmlns:a16="http://schemas.microsoft.com/office/drawing/2014/main" id="{E54433D8-11DF-0360-7ED6-B28673EE5932}"/>
+                  </a:ext>
+                </a:extLst>
+              </p:cNvPr>
+              <p:cNvGrpSpPr/>
+              <p:nvPr/>
+            </p:nvGrpSpPr>
+            <p:grpSpPr>
+              <a:xfrm>
+                <a:off x="7036003" y="9396774"/>
+                <a:ext cx="1955535" cy="441566"/>
+                <a:chOff x="11026632" y="6722119"/>
+                <a:chExt cx="1955535" cy="396335"/>
+              </a:xfrm>
+            </p:grpSpPr>
+            <p:sp>
+              <p:nvSpPr>
+                <p:cNvPr id="98" name="Rectangle 97">
+                  <a:extLst>
+                    <a:ext uri="{FF2B5EF4-FFF2-40B4-BE49-F238E27FC236}">
+                      <a16:creationId xmlns:a16="http://schemas.microsoft.com/office/drawing/2014/main" id="{B97BF2A7-8019-25A7-F0B5-78F06CD2EAF6}"/>
+                    </a:ext>
+                  </a:extLst>
+                </p:cNvPr>
+                <p:cNvSpPr/>
+                <p:nvPr/>
+              </p:nvSpPr>
+              <p:spPr>
+                <a:xfrm>
+                  <a:off x="11026632" y="6771152"/>
+                  <a:ext cx="355743" cy="347301"/>
+                </a:xfrm>
+                <a:prstGeom prst="rect">
+                  <a:avLst/>
+                </a:prstGeom>
+                <a:solidFill>
+                  <a:srgbClr val="F7EEED"/>
+                </a:solidFill>
+                <a:ln w="15875" cap="flat" cmpd="dbl">
+                  <a:solidFill>
+                    <a:srgbClr val="FF3A24"/>
+                  </a:solidFill>
+                  <a:prstDash val="solid"/>
+                  <a:round/>
+                </a:ln>
+                <a:effectLst/>
+                <a:sp3d/>
+              </p:spPr>
+              <p:style>
+                <a:lnRef idx="0">
+                  <a:scrgbClr r="0" g="0" b="0"/>
+                </a:lnRef>
+                <a:fillRef idx="0">
+                  <a:scrgbClr r="0" g="0" b="0"/>
+                </a:fillRef>
+                <a:effectRef idx="0">
+                  <a:scrgbClr r="0" g="0" b="0"/>
+                </a:effectRef>
+                <a:fontRef idx="none"/>
+              </p:style>
+              <p:txBody>
+                <a:bodyPr rot="0" spcFirstLastPara="1" vertOverflow="overflow" horzOverflow="overflow" vert="horz" wrap="square" lIns="45718" tIns="45718" rIns="45718" bIns="45718" numCol="1" spcCol="38100" rtlCol="0" anchor="ctr">
+                  <a:noAutofit/>
+                </a:bodyPr>
+                <a:lstStyle/>
+                <a:p>
+                  <a:pPr hangingPunct="0"/>
+                  <a:r>
+                    <a:rPr lang="en-US" sz="525">
+                      <a:solidFill>
+                        <a:srgbClr val="000000"/>
+                      </a:solidFill>
+                      <a:latin typeface="Calibri" panose="020F0502020204030204"/>
+                      <a:sym typeface="Arial"/>
+                    </a:rPr>
+                    <a:t>0.5</a:t>
+                  </a:r>
+                </a:p>
+              </p:txBody>
+            </p:sp>
+            <p:sp>
+              <p:nvSpPr>
+                <p:cNvPr id="99" name="Rectangle 98">
+                  <a:extLst>
+                    <a:ext uri="{FF2B5EF4-FFF2-40B4-BE49-F238E27FC236}">
+                      <a16:creationId xmlns:a16="http://schemas.microsoft.com/office/drawing/2014/main" id="{64ABBD73-7F10-5C9B-8DAE-286EC1C65DD1}"/>
+                    </a:ext>
+                  </a:extLst>
+                </p:cNvPr>
+                <p:cNvSpPr/>
+                <p:nvPr/>
+              </p:nvSpPr>
+              <p:spPr>
+                <a:xfrm>
+                  <a:off x="11426580" y="6771153"/>
+                  <a:ext cx="355743" cy="347301"/>
+                </a:xfrm>
+                <a:prstGeom prst="rect">
+                  <a:avLst/>
+                </a:prstGeom>
+                <a:solidFill>
+                  <a:srgbClr val="F7EEED"/>
+                </a:solidFill>
+                <a:ln w="15875" cap="flat" cmpd="dbl">
+                  <a:solidFill>
+                    <a:srgbClr val="FF3A24"/>
+                  </a:solidFill>
+                  <a:prstDash val="solid"/>
+                  <a:round/>
+                </a:ln>
+                <a:effectLst/>
+                <a:sp3d/>
+              </p:spPr>
+              <p:style>
+                <a:lnRef idx="0">
+                  <a:scrgbClr r="0" g="0" b="0"/>
+                </a:lnRef>
+                <a:fillRef idx="0">
+                  <a:scrgbClr r="0" g="0" b="0"/>
+                </a:fillRef>
+                <a:effectRef idx="0">
+                  <a:scrgbClr r="0" g="0" b="0"/>
+                </a:effectRef>
+                <a:fontRef idx="none"/>
+              </p:style>
+              <p:txBody>
+                <a:bodyPr rot="0" spcFirstLastPara="1" vertOverflow="overflow" horzOverflow="overflow" vert="horz" wrap="square" lIns="45718" tIns="45718" rIns="45718" bIns="45718" numCol="1" spcCol="38100" rtlCol="0" anchor="ctr">
+                  <a:noAutofit/>
+                </a:bodyPr>
+                <a:lstStyle/>
+                <a:p>
+                  <a:pPr hangingPunct="0"/>
+                  <a:r>
+                    <a:rPr lang="en-US" sz="525">
+                      <a:solidFill>
+                        <a:srgbClr val="000000"/>
+                      </a:solidFill>
+                      <a:latin typeface="Calibri" panose="020F0502020204030204"/>
+                      <a:sym typeface="Arial"/>
+                    </a:rPr>
+                    <a:t>0.7</a:t>
+                  </a:r>
+                </a:p>
+              </p:txBody>
+            </p:sp>
+            <p:sp>
+              <p:nvSpPr>
+                <p:cNvPr id="100" name="Rectangle 99">
+                  <a:extLst>
+                    <a:ext uri="{FF2B5EF4-FFF2-40B4-BE49-F238E27FC236}">
+                      <a16:creationId xmlns:a16="http://schemas.microsoft.com/office/drawing/2014/main" id="{9E967F04-4253-31A7-87B8-27377014B63B}"/>
+                    </a:ext>
+                  </a:extLst>
+                </p:cNvPr>
+                <p:cNvSpPr/>
+                <p:nvPr/>
+              </p:nvSpPr>
+              <p:spPr>
+                <a:xfrm>
+                  <a:off x="11826528" y="6771152"/>
+                  <a:ext cx="355743" cy="347301"/>
+                </a:xfrm>
+                <a:prstGeom prst="rect">
+                  <a:avLst/>
+                </a:prstGeom>
+                <a:solidFill>
+                  <a:srgbClr val="F7EEED"/>
+                </a:solidFill>
+                <a:ln w="15875" cap="flat" cmpd="dbl">
+                  <a:solidFill>
+                    <a:srgbClr val="FF3A24"/>
+                  </a:solidFill>
+                  <a:prstDash val="solid"/>
+                  <a:round/>
+                </a:ln>
+                <a:effectLst/>
+                <a:sp3d/>
+              </p:spPr>
+              <p:style>
+                <a:lnRef idx="0">
+                  <a:scrgbClr r="0" g="0" b="0"/>
+                </a:lnRef>
+                <a:fillRef idx="0">
+                  <a:scrgbClr r="0" g="0" b="0"/>
+                </a:fillRef>
+                <a:effectRef idx="0">
+                  <a:scrgbClr r="0" g="0" b="0"/>
+                </a:effectRef>
+                <a:fontRef idx="none"/>
+              </p:style>
+              <p:txBody>
+                <a:bodyPr rot="0" spcFirstLastPara="1" vertOverflow="overflow" horzOverflow="overflow" vert="horz" wrap="square" lIns="45718" tIns="45718" rIns="45718" bIns="45718" numCol="1" spcCol="38100" rtlCol="0" anchor="ctr">
+                  <a:noAutofit/>
+                </a:bodyPr>
+                <a:lstStyle/>
+                <a:p>
+                  <a:pPr hangingPunct="0"/>
+                  <a:r>
+                    <a:rPr lang="en-US" sz="525">
+                      <a:solidFill>
+                        <a:srgbClr val="000000"/>
+                      </a:solidFill>
+                      <a:latin typeface="Calibri" panose="020F0502020204030204"/>
+                      <a:sym typeface="Arial"/>
+                    </a:rPr>
+                    <a:t>0.8</a:t>
+                  </a:r>
+                </a:p>
+              </p:txBody>
+            </p:sp>
+            <p:sp>
+              <p:nvSpPr>
+                <p:cNvPr id="101" name="Rectangle 100">
+                  <a:extLst>
+                    <a:ext uri="{FF2B5EF4-FFF2-40B4-BE49-F238E27FC236}">
+                      <a16:creationId xmlns:a16="http://schemas.microsoft.com/office/drawing/2014/main" id="{87E56114-2BC7-7E0F-0CA2-33A0E4D8DBF1}"/>
+                    </a:ext>
+                  </a:extLst>
+                </p:cNvPr>
+                <p:cNvSpPr/>
+                <p:nvPr/>
+              </p:nvSpPr>
+              <p:spPr>
+                <a:xfrm>
+                  <a:off x="12226476" y="6722119"/>
+                  <a:ext cx="355743" cy="347301"/>
+                </a:xfrm>
+                <a:prstGeom prst="rect">
+                  <a:avLst/>
+                </a:prstGeom>
+                <a:solidFill>
+                  <a:srgbClr val="F7EEED"/>
+                </a:solidFill>
+                <a:ln w="15875" cap="flat" cmpd="dbl">
+                  <a:solidFill>
+                    <a:srgbClr val="FF3A24"/>
+                  </a:solidFill>
+                  <a:prstDash val="solid"/>
+                  <a:round/>
+                </a:ln>
+                <a:effectLst/>
+                <a:sp3d/>
+              </p:spPr>
+              <p:style>
+                <a:lnRef idx="0">
+                  <a:scrgbClr r="0" g="0" b="0"/>
+                </a:lnRef>
+                <a:fillRef idx="0">
+                  <a:scrgbClr r="0" g="0" b="0"/>
+                </a:fillRef>
+                <a:effectRef idx="0">
+                  <a:scrgbClr r="0" g="0" b="0"/>
+                </a:effectRef>
+                <a:fontRef idx="none"/>
+              </p:style>
+              <p:txBody>
+                <a:bodyPr rot="0" spcFirstLastPara="1" vertOverflow="overflow" horzOverflow="overflow" vert="horz" wrap="square" lIns="45718" tIns="45718" rIns="45718" bIns="45718" numCol="1" spcCol="38100" rtlCol="0" anchor="ctr">
+                  <a:noAutofit/>
+                </a:bodyPr>
+                <a:lstStyle/>
+                <a:p>
+                  <a:pPr hangingPunct="0"/>
+                  <a:r>
+                    <a:rPr lang="en-US" sz="525">
+                      <a:solidFill>
+                        <a:srgbClr val="000000"/>
+                      </a:solidFill>
+                      <a:latin typeface="Calibri" panose="020F0502020204030204"/>
+                      <a:sym typeface="Arial"/>
+                    </a:rPr>
+                    <a:t>0.3</a:t>
+                  </a:r>
+                </a:p>
+              </p:txBody>
+            </p:sp>
+            <p:sp>
+              <p:nvSpPr>
+                <p:cNvPr id="102" name="Rectangle 101">
+                  <a:extLst>
+                    <a:ext uri="{FF2B5EF4-FFF2-40B4-BE49-F238E27FC236}">
+                      <a16:creationId xmlns:a16="http://schemas.microsoft.com/office/drawing/2014/main" id="{679EF434-3FED-4DDB-F3E5-B0C52C593F28}"/>
+                    </a:ext>
+                  </a:extLst>
+                </p:cNvPr>
+                <p:cNvSpPr/>
+                <p:nvPr/>
+              </p:nvSpPr>
+              <p:spPr>
+                <a:xfrm>
+                  <a:off x="12626424" y="6771152"/>
+                  <a:ext cx="355743" cy="347301"/>
+                </a:xfrm>
+                <a:prstGeom prst="rect">
+                  <a:avLst/>
+                </a:prstGeom>
+                <a:solidFill>
+                  <a:srgbClr val="F7EEED"/>
+                </a:solidFill>
+                <a:ln w="15875" cap="flat" cmpd="dbl">
+                  <a:solidFill>
+                    <a:srgbClr val="FF3A24"/>
+                  </a:solidFill>
+                  <a:prstDash val="solid"/>
+                  <a:round/>
+                </a:ln>
+                <a:effectLst/>
+                <a:sp3d/>
+              </p:spPr>
+              <p:style>
+                <a:lnRef idx="0">
+                  <a:scrgbClr r="0" g="0" b="0"/>
+                </a:lnRef>
+                <a:fillRef idx="0">
+                  <a:scrgbClr r="0" g="0" b="0"/>
+                </a:fillRef>
+                <a:effectRef idx="0">
+                  <a:scrgbClr r="0" g="0" b="0"/>
+                </a:effectRef>
+                <a:fontRef idx="none"/>
+              </p:style>
+              <p:txBody>
+                <a:bodyPr rot="0" spcFirstLastPara="1" vertOverflow="overflow" horzOverflow="overflow" vert="horz" wrap="square" lIns="45718" tIns="45718" rIns="45718" bIns="45718" numCol="1" spcCol="38100" rtlCol="0" anchor="ctr">
+                  <a:noAutofit/>
+                </a:bodyPr>
+                <a:lstStyle/>
+                <a:p>
+                  <a:pPr hangingPunct="0"/>
+                  <a:r>
+                    <a:rPr lang="en-US" sz="525">
+                      <a:solidFill>
+                        <a:srgbClr val="000000"/>
+                      </a:solidFill>
+                      <a:latin typeface="Calibri" panose="020F0502020204030204"/>
+                      <a:sym typeface="Arial"/>
+                    </a:rPr>
+                    <a:t>0.9</a:t>
+                  </a:r>
+                </a:p>
+              </p:txBody>
+            </p:sp>
+          </p:grpSp>
+          <p:grpSp>
+            <p:nvGrpSpPr>
+              <p:cNvPr id="74" name="Group 73">
+                <a:extLst>
+                  <a:ext uri="{FF2B5EF4-FFF2-40B4-BE49-F238E27FC236}">
+                    <a16:creationId xmlns:a16="http://schemas.microsoft.com/office/drawing/2014/main" id="{F552E670-04EB-C9E6-709E-BA48F3AEA66C}"/>
+                  </a:ext>
+                </a:extLst>
+              </p:cNvPr>
+              <p:cNvGrpSpPr/>
+              <p:nvPr/>
+            </p:nvGrpSpPr>
+            <p:grpSpPr>
+              <a:xfrm>
+                <a:off x="7183984" y="9621195"/>
+                <a:ext cx="1955535" cy="386936"/>
+                <a:chOff x="11026632" y="6771152"/>
+                <a:chExt cx="1955535" cy="347301"/>
+              </a:xfrm>
+            </p:grpSpPr>
+            <p:sp>
+              <p:nvSpPr>
+                <p:cNvPr id="93" name="Rectangle 92">
+                  <a:extLst>
+                    <a:ext uri="{FF2B5EF4-FFF2-40B4-BE49-F238E27FC236}">
+                      <a16:creationId xmlns:a16="http://schemas.microsoft.com/office/drawing/2014/main" id="{C4B6F3ED-5EE2-EF44-AF5D-5D1CC53780E2}"/>
+                    </a:ext>
+                  </a:extLst>
+                </p:cNvPr>
+                <p:cNvSpPr/>
+                <p:nvPr/>
+              </p:nvSpPr>
+              <p:spPr>
+                <a:xfrm>
+                  <a:off x="11026632" y="6771152"/>
+                  <a:ext cx="355743" cy="347301"/>
+                </a:xfrm>
+                <a:prstGeom prst="rect">
+                  <a:avLst/>
+                </a:prstGeom>
+                <a:solidFill>
+                  <a:srgbClr val="F7EEED"/>
+                </a:solidFill>
+                <a:ln w="15875" cap="flat" cmpd="dbl">
+                  <a:solidFill>
+                    <a:srgbClr val="FF3A24"/>
+                  </a:solidFill>
+                  <a:prstDash val="solid"/>
+                  <a:round/>
+                </a:ln>
+                <a:effectLst/>
+                <a:sp3d/>
+              </p:spPr>
+              <p:style>
+                <a:lnRef idx="0">
+                  <a:scrgbClr r="0" g="0" b="0"/>
+                </a:lnRef>
+                <a:fillRef idx="0">
+                  <a:scrgbClr r="0" g="0" b="0"/>
+                </a:fillRef>
+                <a:effectRef idx="0">
+                  <a:scrgbClr r="0" g="0" b="0"/>
+                </a:effectRef>
+                <a:fontRef idx="none"/>
+              </p:style>
+              <p:txBody>
+                <a:bodyPr rot="0" spcFirstLastPara="1" vertOverflow="overflow" horzOverflow="overflow" vert="horz" wrap="square" lIns="45718" tIns="45718" rIns="45718" bIns="45718" numCol="1" spcCol="38100" rtlCol="0" anchor="ctr">
+                  <a:noAutofit/>
+                </a:bodyPr>
+                <a:lstStyle/>
+                <a:p>
+                  <a:pPr hangingPunct="0"/>
+                  <a:r>
+                    <a:rPr lang="en-US" sz="525">
+                      <a:solidFill>
+                        <a:srgbClr val="000000"/>
+                      </a:solidFill>
+                      <a:latin typeface="Calibri" panose="020F0502020204030204"/>
+                      <a:sym typeface="Arial"/>
+                    </a:rPr>
+                    <a:t>0.5</a:t>
+                  </a:r>
+                </a:p>
+              </p:txBody>
+            </p:sp>
+            <p:sp>
+              <p:nvSpPr>
+                <p:cNvPr id="94" name="Rectangle 93">
+                  <a:extLst>
+                    <a:ext uri="{FF2B5EF4-FFF2-40B4-BE49-F238E27FC236}">
+                      <a16:creationId xmlns:a16="http://schemas.microsoft.com/office/drawing/2014/main" id="{0CFBA735-A35E-3781-BB6B-ECAF384C6A0A}"/>
+                    </a:ext>
+                  </a:extLst>
+                </p:cNvPr>
+                <p:cNvSpPr/>
+                <p:nvPr/>
+              </p:nvSpPr>
+              <p:spPr>
+                <a:xfrm>
+                  <a:off x="11426580" y="6771152"/>
+                  <a:ext cx="355743" cy="347301"/>
+                </a:xfrm>
+                <a:prstGeom prst="rect">
+                  <a:avLst/>
+                </a:prstGeom>
+                <a:solidFill>
+                  <a:srgbClr val="F7EEED"/>
+                </a:solidFill>
+                <a:ln w="15875" cap="flat" cmpd="dbl">
+                  <a:solidFill>
+                    <a:srgbClr val="FF3A24"/>
+                  </a:solidFill>
+                  <a:prstDash val="solid"/>
+                  <a:round/>
+                </a:ln>
+                <a:effectLst/>
+                <a:sp3d/>
+              </p:spPr>
+              <p:style>
+                <a:lnRef idx="0">
+                  <a:scrgbClr r="0" g="0" b="0"/>
+                </a:lnRef>
+                <a:fillRef idx="0">
+                  <a:scrgbClr r="0" g="0" b="0"/>
+                </a:fillRef>
+                <a:effectRef idx="0">
+                  <a:scrgbClr r="0" g="0" b="0"/>
+                </a:effectRef>
+                <a:fontRef idx="none"/>
+              </p:style>
+              <p:txBody>
+                <a:bodyPr rot="0" spcFirstLastPara="1" vertOverflow="overflow" horzOverflow="overflow" vert="horz" wrap="square" lIns="45718" tIns="45718" rIns="45718" bIns="45718" numCol="1" spcCol="38100" rtlCol="0" anchor="ctr">
+                  <a:noAutofit/>
+                </a:bodyPr>
+                <a:lstStyle/>
+                <a:p>
+                  <a:pPr hangingPunct="0"/>
+                  <a:r>
+                    <a:rPr lang="en-US" sz="525">
+                      <a:solidFill>
+                        <a:srgbClr val="000000"/>
+                      </a:solidFill>
+                      <a:latin typeface="Calibri" panose="020F0502020204030204"/>
+                      <a:sym typeface="Arial"/>
+                    </a:rPr>
+                    <a:t>0.7</a:t>
+                  </a:r>
+                </a:p>
+              </p:txBody>
+            </p:sp>
+            <p:sp>
+              <p:nvSpPr>
+                <p:cNvPr id="95" name="Rectangle 94">
+                  <a:extLst>
+                    <a:ext uri="{FF2B5EF4-FFF2-40B4-BE49-F238E27FC236}">
+                      <a16:creationId xmlns:a16="http://schemas.microsoft.com/office/drawing/2014/main" id="{40C9DA10-10BC-B8E6-B756-4ED7813DB64E}"/>
+                    </a:ext>
+                  </a:extLst>
+                </p:cNvPr>
+                <p:cNvSpPr/>
+                <p:nvPr/>
+              </p:nvSpPr>
+              <p:spPr>
+                <a:xfrm>
+                  <a:off x="11826528" y="6771152"/>
+                  <a:ext cx="355743" cy="347301"/>
+                </a:xfrm>
+                <a:prstGeom prst="rect">
+                  <a:avLst/>
+                </a:prstGeom>
+                <a:solidFill>
+                  <a:srgbClr val="F7EEED"/>
+                </a:solidFill>
+                <a:ln w="15875" cap="flat" cmpd="dbl">
+                  <a:solidFill>
+                    <a:srgbClr val="FF3A24"/>
+                  </a:solidFill>
+                  <a:prstDash val="solid"/>
+                  <a:round/>
+                </a:ln>
+                <a:effectLst/>
+                <a:sp3d/>
+              </p:spPr>
+              <p:style>
+                <a:lnRef idx="0">
+                  <a:scrgbClr r="0" g="0" b="0"/>
+                </a:lnRef>
+                <a:fillRef idx="0">
+                  <a:scrgbClr r="0" g="0" b="0"/>
+                </a:fillRef>
+                <a:effectRef idx="0">
+                  <a:scrgbClr r="0" g="0" b="0"/>
+                </a:effectRef>
+                <a:fontRef idx="none"/>
+              </p:style>
+              <p:txBody>
+                <a:bodyPr rot="0" spcFirstLastPara="1" vertOverflow="overflow" horzOverflow="overflow" vert="horz" wrap="square" lIns="45718" tIns="45718" rIns="45718" bIns="45718" numCol="1" spcCol="38100" rtlCol="0" anchor="ctr">
+                  <a:noAutofit/>
+                </a:bodyPr>
+                <a:lstStyle/>
+                <a:p>
+                  <a:pPr hangingPunct="0"/>
+                  <a:r>
+                    <a:rPr lang="en-US" sz="525">
+                      <a:solidFill>
+                        <a:srgbClr val="000000"/>
+                      </a:solidFill>
+                      <a:latin typeface="Calibri" panose="020F0502020204030204"/>
+                      <a:sym typeface="Arial"/>
+                    </a:rPr>
+                    <a:t>0.8</a:t>
+                  </a:r>
+                </a:p>
+              </p:txBody>
+            </p:sp>
+            <p:sp>
+              <p:nvSpPr>
+                <p:cNvPr id="96" name="Rectangle 95">
+                  <a:extLst>
+                    <a:ext uri="{FF2B5EF4-FFF2-40B4-BE49-F238E27FC236}">
+                      <a16:creationId xmlns:a16="http://schemas.microsoft.com/office/drawing/2014/main" id="{CD3EACA3-0CCF-7974-BCCE-1E2D32AC2BA9}"/>
+                    </a:ext>
+                  </a:extLst>
+                </p:cNvPr>
+                <p:cNvSpPr/>
+                <p:nvPr/>
+              </p:nvSpPr>
+              <p:spPr>
+                <a:xfrm>
+                  <a:off x="12226476" y="6771152"/>
+                  <a:ext cx="355743" cy="347301"/>
+                </a:xfrm>
+                <a:prstGeom prst="rect">
+                  <a:avLst/>
+                </a:prstGeom>
+                <a:solidFill>
+                  <a:srgbClr val="F7EEED"/>
+                </a:solidFill>
+                <a:ln w="15875" cap="flat" cmpd="dbl">
+                  <a:solidFill>
+                    <a:srgbClr val="FF3A24"/>
+                  </a:solidFill>
+                  <a:prstDash val="solid"/>
+                  <a:round/>
+                </a:ln>
+                <a:effectLst/>
+                <a:sp3d/>
+              </p:spPr>
+              <p:style>
+                <a:lnRef idx="0">
+                  <a:scrgbClr r="0" g="0" b="0"/>
+                </a:lnRef>
+                <a:fillRef idx="0">
+                  <a:scrgbClr r="0" g="0" b="0"/>
+                </a:fillRef>
+                <a:effectRef idx="0">
+                  <a:scrgbClr r="0" g="0" b="0"/>
+                </a:effectRef>
+                <a:fontRef idx="none"/>
+              </p:style>
+              <p:txBody>
+                <a:bodyPr rot="0" spcFirstLastPara="1" vertOverflow="overflow" horzOverflow="overflow" vert="horz" wrap="square" lIns="45718" tIns="45718" rIns="45718" bIns="45718" numCol="1" spcCol="38100" rtlCol="0" anchor="ctr">
+                  <a:noAutofit/>
+                </a:bodyPr>
+                <a:lstStyle/>
+                <a:p>
+                  <a:pPr hangingPunct="0"/>
+                  <a:r>
+                    <a:rPr lang="en-US" sz="525">
+                      <a:solidFill>
+                        <a:srgbClr val="000000"/>
+                      </a:solidFill>
+                      <a:latin typeface="Calibri" panose="020F0502020204030204"/>
+                      <a:sym typeface="Arial"/>
+                    </a:rPr>
+                    <a:t>0.3</a:t>
+                  </a:r>
+                </a:p>
+              </p:txBody>
+            </p:sp>
+            <p:sp>
+              <p:nvSpPr>
+                <p:cNvPr id="97" name="Rectangle 96">
+                  <a:extLst>
+                    <a:ext uri="{FF2B5EF4-FFF2-40B4-BE49-F238E27FC236}">
+                      <a16:creationId xmlns:a16="http://schemas.microsoft.com/office/drawing/2014/main" id="{24D55D10-CB6A-D70E-4812-EC24B74D5E8A}"/>
+                    </a:ext>
+                  </a:extLst>
+                </p:cNvPr>
+                <p:cNvSpPr/>
+                <p:nvPr/>
+              </p:nvSpPr>
+              <p:spPr>
+                <a:xfrm>
+                  <a:off x="12626424" y="6771152"/>
+                  <a:ext cx="355743" cy="347301"/>
+                </a:xfrm>
+                <a:prstGeom prst="rect">
+                  <a:avLst/>
+                </a:prstGeom>
+                <a:solidFill>
+                  <a:srgbClr val="F7EEED"/>
+                </a:solidFill>
+                <a:ln w="15875" cap="flat" cmpd="dbl">
+                  <a:solidFill>
+                    <a:srgbClr val="FF3A24"/>
+                  </a:solidFill>
+                  <a:prstDash val="solid"/>
+                  <a:round/>
+                </a:ln>
+                <a:effectLst/>
+                <a:sp3d/>
+              </p:spPr>
+              <p:style>
+                <a:lnRef idx="0">
+                  <a:scrgbClr r="0" g="0" b="0"/>
+                </a:lnRef>
+                <a:fillRef idx="0">
+                  <a:scrgbClr r="0" g="0" b="0"/>
+                </a:fillRef>
+                <a:effectRef idx="0">
+                  <a:scrgbClr r="0" g="0" b="0"/>
+                </a:effectRef>
+                <a:fontRef idx="none"/>
+              </p:style>
+              <p:txBody>
+                <a:bodyPr rot="0" spcFirstLastPara="1" vertOverflow="overflow" horzOverflow="overflow" vert="horz" wrap="square" lIns="45718" tIns="45718" rIns="45718" bIns="45718" numCol="1" spcCol="38100" rtlCol="0" anchor="ctr">
+                  <a:noAutofit/>
+                </a:bodyPr>
+                <a:lstStyle/>
+                <a:p>
+                  <a:pPr hangingPunct="0"/>
+                  <a:r>
+                    <a:rPr lang="en-US" sz="525">
+                      <a:solidFill>
+                        <a:srgbClr val="000000"/>
+                      </a:solidFill>
+                      <a:latin typeface="Calibri" panose="020F0502020204030204"/>
+                      <a:sym typeface="Arial"/>
+                    </a:rPr>
+                    <a:t>0.9</a:t>
+                  </a:r>
+                </a:p>
+              </p:txBody>
+            </p:sp>
+          </p:grpSp>
+          <p:grpSp>
+            <p:nvGrpSpPr>
+              <p:cNvPr id="75" name="Group 74">
+                <a:extLst>
+                  <a:ext uri="{FF2B5EF4-FFF2-40B4-BE49-F238E27FC236}">
+                    <a16:creationId xmlns:a16="http://schemas.microsoft.com/office/drawing/2014/main" id="{A97C7962-794D-7B17-CCC2-C942F4660528}"/>
+                  </a:ext>
+                </a:extLst>
+              </p:cNvPr>
+              <p:cNvGrpSpPr/>
+              <p:nvPr/>
+            </p:nvGrpSpPr>
+            <p:grpSpPr>
+              <a:xfrm>
+                <a:off x="7188403" y="9566566"/>
+                <a:ext cx="1955535" cy="441565"/>
+                <a:chOff x="11026632" y="6722119"/>
+                <a:chExt cx="1955535" cy="396334"/>
+              </a:xfrm>
+            </p:grpSpPr>
+            <p:sp>
+              <p:nvSpPr>
+                <p:cNvPr id="88" name="Rectangle 87">
+                  <a:extLst>
+                    <a:ext uri="{FF2B5EF4-FFF2-40B4-BE49-F238E27FC236}">
+                      <a16:creationId xmlns:a16="http://schemas.microsoft.com/office/drawing/2014/main" id="{CE39E6B4-9C70-704A-232A-77F6A480E288}"/>
+                    </a:ext>
+                  </a:extLst>
+                </p:cNvPr>
+                <p:cNvSpPr/>
+                <p:nvPr/>
+              </p:nvSpPr>
+              <p:spPr>
+                <a:xfrm>
+                  <a:off x="11026632" y="6722119"/>
+                  <a:ext cx="355743" cy="347301"/>
+                </a:xfrm>
+                <a:prstGeom prst="rect">
+                  <a:avLst/>
+                </a:prstGeom>
+                <a:solidFill>
+                  <a:srgbClr val="F7EEED"/>
+                </a:solidFill>
+                <a:ln w="15875" cap="flat" cmpd="dbl">
+                  <a:solidFill>
+                    <a:srgbClr val="FF3A24"/>
+                  </a:solidFill>
+                  <a:prstDash val="solid"/>
+                  <a:round/>
+                </a:ln>
+                <a:effectLst/>
+                <a:sp3d/>
+              </p:spPr>
+              <p:style>
+                <a:lnRef idx="0">
+                  <a:scrgbClr r="0" g="0" b="0"/>
+                </a:lnRef>
+                <a:fillRef idx="0">
+                  <a:scrgbClr r="0" g="0" b="0"/>
+                </a:fillRef>
+                <a:effectRef idx="0">
+                  <a:scrgbClr r="0" g="0" b="0"/>
+                </a:effectRef>
+                <a:fontRef idx="none"/>
+              </p:style>
+              <p:txBody>
+                <a:bodyPr rot="0" spcFirstLastPara="1" vertOverflow="overflow" horzOverflow="overflow" vert="horz" wrap="square" lIns="45718" tIns="45718" rIns="45718" bIns="45718" numCol="1" spcCol="38100" rtlCol="0" anchor="ctr">
+                  <a:noAutofit/>
+                </a:bodyPr>
+                <a:lstStyle/>
+                <a:p>
+                  <a:pPr hangingPunct="0"/>
+                  <a:r>
+                    <a:rPr lang="en-US" sz="525">
+                      <a:solidFill>
+                        <a:srgbClr val="000000"/>
+                      </a:solidFill>
+                      <a:latin typeface="Calibri" panose="020F0502020204030204"/>
+                      <a:sym typeface="Arial"/>
+                    </a:rPr>
+                    <a:t>0.5</a:t>
+                  </a:r>
+                </a:p>
+              </p:txBody>
+            </p:sp>
+            <p:sp>
+              <p:nvSpPr>
+                <p:cNvPr id="89" name="Rectangle 88">
+                  <a:extLst>
+                    <a:ext uri="{FF2B5EF4-FFF2-40B4-BE49-F238E27FC236}">
+                      <a16:creationId xmlns:a16="http://schemas.microsoft.com/office/drawing/2014/main" id="{9ACAB2F6-35DE-AB44-27D8-CBFF5817C93A}"/>
+                    </a:ext>
+                  </a:extLst>
+                </p:cNvPr>
+                <p:cNvSpPr/>
+                <p:nvPr/>
+              </p:nvSpPr>
+              <p:spPr>
+                <a:xfrm>
+                  <a:off x="11426580" y="6771152"/>
+                  <a:ext cx="355743" cy="347301"/>
+                </a:xfrm>
+                <a:prstGeom prst="rect">
+                  <a:avLst/>
+                </a:prstGeom>
+                <a:solidFill>
+                  <a:srgbClr val="F7EEED"/>
+                </a:solidFill>
+                <a:ln w="15875" cap="flat" cmpd="dbl">
+                  <a:solidFill>
+                    <a:srgbClr val="FF3A24"/>
+                  </a:solidFill>
+                  <a:prstDash val="solid"/>
+                  <a:round/>
+                </a:ln>
+                <a:effectLst/>
+                <a:sp3d/>
+              </p:spPr>
+              <p:style>
+                <a:lnRef idx="0">
+                  <a:scrgbClr r="0" g="0" b="0"/>
+                </a:lnRef>
+                <a:fillRef idx="0">
+                  <a:scrgbClr r="0" g="0" b="0"/>
+                </a:fillRef>
+                <a:effectRef idx="0">
+                  <a:scrgbClr r="0" g="0" b="0"/>
+                </a:effectRef>
+                <a:fontRef idx="none"/>
+              </p:style>
+              <p:txBody>
+                <a:bodyPr rot="0" spcFirstLastPara="1" vertOverflow="overflow" horzOverflow="overflow" vert="horz" wrap="square" lIns="45718" tIns="45718" rIns="45718" bIns="45718" numCol="1" spcCol="38100" rtlCol="0" anchor="ctr">
+                  <a:noAutofit/>
+                </a:bodyPr>
+                <a:lstStyle/>
+                <a:p>
+                  <a:pPr hangingPunct="0"/>
+                  <a:r>
+                    <a:rPr lang="en-US" sz="525">
+                      <a:solidFill>
+                        <a:srgbClr val="000000"/>
+                      </a:solidFill>
+                      <a:latin typeface="Calibri" panose="020F0502020204030204"/>
+                      <a:sym typeface="Arial"/>
+                    </a:rPr>
+                    <a:t>0.7</a:t>
+                  </a:r>
+                </a:p>
+              </p:txBody>
+            </p:sp>
+            <p:sp>
+              <p:nvSpPr>
+                <p:cNvPr id="90" name="Rectangle 89">
+                  <a:extLst>
+                    <a:ext uri="{FF2B5EF4-FFF2-40B4-BE49-F238E27FC236}">
+                      <a16:creationId xmlns:a16="http://schemas.microsoft.com/office/drawing/2014/main" id="{C2EDA043-CF28-FCEC-FB51-60E5375F0B63}"/>
+                    </a:ext>
+                  </a:extLst>
+                </p:cNvPr>
+                <p:cNvSpPr/>
+                <p:nvPr/>
+              </p:nvSpPr>
+              <p:spPr>
+                <a:xfrm>
+                  <a:off x="11826528" y="6771152"/>
+                  <a:ext cx="355743" cy="347301"/>
+                </a:xfrm>
+                <a:prstGeom prst="rect">
+                  <a:avLst/>
+                </a:prstGeom>
+                <a:solidFill>
+                  <a:srgbClr val="F7EEED"/>
+                </a:solidFill>
+                <a:ln w="15875" cap="flat" cmpd="dbl">
+                  <a:solidFill>
+                    <a:srgbClr val="FF3A24"/>
+                  </a:solidFill>
+                  <a:prstDash val="solid"/>
+                  <a:round/>
+                </a:ln>
+                <a:effectLst/>
+                <a:sp3d/>
+              </p:spPr>
+              <p:style>
+                <a:lnRef idx="0">
+                  <a:scrgbClr r="0" g="0" b="0"/>
+                </a:lnRef>
+                <a:fillRef idx="0">
+                  <a:scrgbClr r="0" g="0" b="0"/>
+                </a:fillRef>
+                <a:effectRef idx="0">
+                  <a:scrgbClr r="0" g="0" b="0"/>
+                </a:effectRef>
+                <a:fontRef idx="none"/>
+              </p:style>
+              <p:txBody>
+                <a:bodyPr rot="0" spcFirstLastPara="1" vertOverflow="overflow" horzOverflow="overflow" vert="horz" wrap="square" lIns="45718" tIns="45718" rIns="45718" bIns="45718" numCol="1" spcCol="38100" rtlCol="0" anchor="ctr">
+                  <a:noAutofit/>
+                </a:bodyPr>
+                <a:lstStyle/>
+                <a:p>
+                  <a:pPr hangingPunct="0"/>
+                  <a:r>
+                    <a:rPr lang="en-US" sz="525">
+                      <a:solidFill>
+                        <a:srgbClr val="000000"/>
+                      </a:solidFill>
+                      <a:latin typeface="Calibri" panose="020F0502020204030204"/>
+                      <a:sym typeface="Arial"/>
+                    </a:rPr>
+                    <a:t>0.8</a:t>
+                  </a:r>
+                </a:p>
+              </p:txBody>
+            </p:sp>
+            <p:sp>
+              <p:nvSpPr>
+                <p:cNvPr id="91" name="Rectangle 90">
+                  <a:extLst>
+                    <a:ext uri="{FF2B5EF4-FFF2-40B4-BE49-F238E27FC236}">
+                      <a16:creationId xmlns:a16="http://schemas.microsoft.com/office/drawing/2014/main" id="{9BFE7C9F-4486-B9AC-BDA8-13BAE03C58AE}"/>
+                    </a:ext>
+                  </a:extLst>
+                </p:cNvPr>
+                <p:cNvSpPr/>
+                <p:nvPr/>
+              </p:nvSpPr>
+              <p:spPr>
+                <a:xfrm>
+                  <a:off x="12226476" y="6771152"/>
+                  <a:ext cx="355743" cy="347301"/>
+                </a:xfrm>
+                <a:prstGeom prst="rect">
+                  <a:avLst/>
+                </a:prstGeom>
+                <a:solidFill>
+                  <a:srgbClr val="F7EEED"/>
+                </a:solidFill>
+                <a:ln w="15875" cap="flat" cmpd="dbl">
+                  <a:solidFill>
+                    <a:srgbClr val="FF3A24"/>
+                  </a:solidFill>
+                  <a:prstDash val="solid"/>
+                  <a:round/>
+                </a:ln>
+                <a:effectLst/>
+                <a:sp3d/>
+              </p:spPr>
+              <p:style>
+                <a:lnRef idx="0">
+                  <a:scrgbClr r="0" g="0" b="0"/>
+                </a:lnRef>
+                <a:fillRef idx="0">
+                  <a:scrgbClr r="0" g="0" b="0"/>
+                </a:fillRef>
+                <a:effectRef idx="0">
+                  <a:scrgbClr r="0" g="0" b="0"/>
+                </a:effectRef>
+                <a:fontRef idx="none"/>
+              </p:style>
+              <p:txBody>
+                <a:bodyPr rot="0" spcFirstLastPara="1" vertOverflow="overflow" horzOverflow="overflow" vert="horz" wrap="square" lIns="45718" tIns="45718" rIns="45718" bIns="45718" numCol="1" spcCol="38100" rtlCol="0" anchor="ctr">
+                  <a:noAutofit/>
+                </a:bodyPr>
+                <a:lstStyle/>
+                <a:p>
+                  <a:pPr hangingPunct="0"/>
+                  <a:r>
+                    <a:rPr lang="en-US" sz="525">
+                      <a:solidFill>
+                        <a:srgbClr val="000000"/>
+                      </a:solidFill>
+                      <a:latin typeface="Calibri" panose="020F0502020204030204"/>
+                      <a:sym typeface="Arial"/>
+                    </a:rPr>
+                    <a:t>0.3</a:t>
+                  </a:r>
+                </a:p>
+              </p:txBody>
+            </p:sp>
+            <p:sp>
+              <p:nvSpPr>
+                <p:cNvPr id="92" name="Rectangle 91">
+                  <a:extLst>
+                    <a:ext uri="{FF2B5EF4-FFF2-40B4-BE49-F238E27FC236}">
+                      <a16:creationId xmlns:a16="http://schemas.microsoft.com/office/drawing/2014/main" id="{1D3EADA5-461E-2844-9582-290CF3E4CCFC}"/>
+                    </a:ext>
+                  </a:extLst>
+                </p:cNvPr>
+                <p:cNvSpPr/>
+                <p:nvPr/>
+              </p:nvSpPr>
+              <p:spPr>
+                <a:xfrm>
+                  <a:off x="12626424" y="6771152"/>
+                  <a:ext cx="355743" cy="347301"/>
+                </a:xfrm>
+                <a:prstGeom prst="rect">
+                  <a:avLst/>
+                </a:prstGeom>
+                <a:solidFill>
+                  <a:srgbClr val="F7EEED"/>
+                </a:solidFill>
+                <a:ln w="15875" cap="flat" cmpd="dbl">
+                  <a:solidFill>
+                    <a:srgbClr val="FF3A24"/>
+                  </a:solidFill>
+                  <a:prstDash val="solid"/>
+                  <a:round/>
+                </a:ln>
+                <a:effectLst/>
+                <a:sp3d/>
+              </p:spPr>
+              <p:style>
+                <a:lnRef idx="0">
+                  <a:scrgbClr r="0" g="0" b="0"/>
+                </a:lnRef>
+                <a:fillRef idx="0">
+                  <a:scrgbClr r="0" g="0" b="0"/>
+                </a:fillRef>
+                <a:effectRef idx="0">
+                  <a:scrgbClr r="0" g="0" b="0"/>
+                </a:effectRef>
+                <a:fontRef idx="none"/>
+              </p:style>
+              <p:txBody>
+                <a:bodyPr rot="0" spcFirstLastPara="1" vertOverflow="overflow" horzOverflow="overflow" vert="horz" wrap="square" lIns="45718" tIns="45718" rIns="45718" bIns="45718" numCol="1" spcCol="38100" rtlCol="0" anchor="ctr">
+                  <a:noAutofit/>
+                </a:bodyPr>
+                <a:lstStyle/>
+                <a:p>
+                  <a:pPr hangingPunct="0"/>
+                  <a:r>
+                    <a:rPr lang="en-US" sz="525">
+                      <a:solidFill>
+                        <a:srgbClr val="000000"/>
+                      </a:solidFill>
+                      <a:latin typeface="Calibri" panose="020F0502020204030204"/>
+                      <a:sym typeface="Arial"/>
+                    </a:rPr>
+                    <a:t>0.9</a:t>
+                  </a:r>
+                </a:p>
+              </p:txBody>
+            </p:sp>
+          </p:grpSp>
+          <p:grpSp>
+            <p:nvGrpSpPr>
+              <p:cNvPr id="76" name="Group 75">
+                <a:extLst>
+                  <a:ext uri="{FF2B5EF4-FFF2-40B4-BE49-F238E27FC236}">
+                    <a16:creationId xmlns:a16="http://schemas.microsoft.com/office/drawing/2014/main" id="{949EF7DD-3ACB-6AAC-0204-69E3D62262EA}"/>
+                  </a:ext>
+                </a:extLst>
+              </p:cNvPr>
+              <p:cNvGrpSpPr/>
+              <p:nvPr/>
+            </p:nvGrpSpPr>
+            <p:grpSpPr>
+              <a:xfrm>
+                <a:off x="7340803" y="9790987"/>
+                <a:ext cx="1955535" cy="386936"/>
+                <a:chOff x="11026632" y="6771152"/>
+                <a:chExt cx="1955535" cy="347301"/>
+              </a:xfrm>
+            </p:grpSpPr>
+            <p:sp>
+              <p:nvSpPr>
+                <p:cNvPr id="83" name="Rectangle 82">
+                  <a:extLst>
+                    <a:ext uri="{FF2B5EF4-FFF2-40B4-BE49-F238E27FC236}">
+                      <a16:creationId xmlns:a16="http://schemas.microsoft.com/office/drawing/2014/main" id="{8E76928A-E5CA-7EFD-96E5-1358DC8FCE84}"/>
+                    </a:ext>
+                  </a:extLst>
+                </p:cNvPr>
+                <p:cNvSpPr/>
+                <p:nvPr/>
+              </p:nvSpPr>
+              <p:spPr>
+                <a:xfrm>
+                  <a:off x="11026632" y="6771152"/>
+                  <a:ext cx="355743" cy="347301"/>
+                </a:xfrm>
+                <a:prstGeom prst="rect">
+                  <a:avLst/>
+                </a:prstGeom>
+                <a:solidFill>
+                  <a:srgbClr val="F7EEED"/>
+                </a:solidFill>
+                <a:ln w="15875" cap="flat" cmpd="dbl">
+                  <a:solidFill>
+                    <a:srgbClr val="FF3A24"/>
+                  </a:solidFill>
+                  <a:prstDash val="solid"/>
+                  <a:round/>
+                </a:ln>
+                <a:effectLst/>
+                <a:sp3d/>
+              </p:spPr>
+              <p:style>
+                <a:lnRef idx="0">
+                  <a:scrgbClr r="0" g="0" b="0"/>
+                </a:lnRef>
+                <a:fillRef idx="0">
+                  <a:scrgbClr r="0" g="0" b="0"/>
+                </a:fillRef>
+                <a:effectRef idx="0">
+                  <a:scrgbClr r="0" g="0" b="0"/>
+                </a:effectRef>
+                <a:fontRef idx="none"/>
+              </p:style>
+              <p:txBody>
+                <a:bodyPr rot="0" spcFirstLastPara="1" vertOverflow="overflow" horzOverflow="overflow" vert="horz" wrap="square" lIns="45718" tIns="45718" rIns="45718" bIns="45718" numCol="1" spcCol="38100" rtlCol="0" anchor="ctr">
+                  <a:noAutofit/>
+                </a:bodyPr>
+                <a:lstStyle/>
+                <a:p>
+                  <a:pPr hangingPunct="0"/>
+                  <a:r>
+                    <a:rPr lang="en-US" sz="525">
+                      <a:solidFill>
+                        <a:srgbClr val="000000"/>
+                      </a:solidFill>
+                      <a:latin typeface="Calibri" panose="020F0502020204030204"/>
+                      <a:sym typeface="Arial"/>
+                    </a:rPr>
+                    <a:t>0.5</a:t>
+                  </a:r>
+                </a:p>
+              </p:txBody>
+            </p:sp>
+            <p:sp>
+              <p:nvSpPr>
+                <p:cNvPr id="84" name="Rectangle 83">
+                  <a:extLst>
+                    <a:ext uri="{FF2B5EF4-FFF2-40B4-BE49-F238E27FC236}">
+                      <a16:creationId xmlns:a16="http://schemas.microsoft.com/office/drawing/2014/main" id="{20FA1AF1-9D9A-D62B-309B-99B9ECE2E775}"/>
+                    </a:ext>
+                  </a:extLst>
+                </p:cNvPr>
+                <p:cNvSpPr/>
+                <p:nvPr/>
+              </p:nvSpPr>
+              <p:spPr>
+                <a:xfrm>
+                  <a:off x="11426580" y="6771152"/>
+                  <a:ext cx="355743" cy="347301"/>
+                </a:xfrm>
+                <a:prstGeom prst="rect">
+                  <a:avLst/>
+                </a:prstGeom>
+                <a:solidFill>
+                  <a:srgbClr val="F7EEED"/>
+                </a:solidFill>
+                <a:ln w="15875" cap="flat" cmpd="dbl">
+                  <a:solidFill>
+                    <a:srgbClr val="FF3A24"/>
+                  </a:solidFill>
+                  <a:prstDash val="solid"/>
+                  <a:round/>
+                </a:ln>
+                <a:effectLst/>
+                <a:sp3d/>
+              </p:spPr>
+              <p:style>
+                <a:lnRef idx="0">
+                  <a:scrgbClr r="0" g="0" b="0"/>
+                </a:lnRef>
+                <a:fillRef idx="0">
+                  <a:scrgbClr r="0" g="0" b="0"/>
+                </a:fillRef>
+                <a:effectRef idx="0">
+                  <a:scrgbClr r="0" g="0" b="0"/>
+                </a:effectRef>
+                <a:fontRef idx="none"/>
+              </p:style>
+              <p:txBody>
+                <a:bodyPr rot="0" spcFirstLastPara="1" vertOverflow="overflow" horzOverflow="overflow" vert="horz" wrap="square" lIns="45718" tIns="45718" rIns="45718" bIns="45718" numCol="1" spcCol="38100" rtlCol="0" anchor="ctr">
+                  <a:noAutofit/>
+                </a:bodyPr>
+                <a:lstStyle/>
+                <a:p>
+                  <a:pPr hangingPunct="0"/>
+                  <a:r>
+                    <a:rPr lang="en-US" sz="525">
+                      <a:solidFill>
+                        <a:srgbClr val="000000"/>
+                      </a:solidFill>
+                      <a:latin typeface="Calibri" panose="020F0502020204030204"/>
+                      <a:sym typeface="Arial"/>
+                    </a:rPr>
+                    <a:t>0.7</a:t>
+                  </a:r>
+                </a:p>
+              </p:txBody>
+            </p:sp>
+            <p:sp>
+              <p:nvSpPr>
+                <p:cNvPr id="85" name="Rectangle 84">
+                  <a:extLst>
+                    <a:ext uri="{FF2B5EF4-FFF2-40B4-BE49-F238E27FC236}">
+                      <a16:creationId xmlns:a16="http://schemas.microsoft.com/office/drawing/2014/main" id="{692BAA5A-3D89-C9F2-EFA0-A38E4140F8D9}"/>
+                    </a:ext>
+                  </a:extLst>
+                </p:cNvPr>
+                <p:cNvSpPr/>
+                <p:nvPr/>
+              </p:nvSpPr>
+              <p:spPr>
+                <a:xfrm>
+                  <a:off x="11826528" y="6771152"/>
+                  <a:ext cx="355743" cy="347301"/>
+                </a:xfrm>
+                <a:prstGeom prst="rect">
+                  <a:avLst/>
+                </a:prstGeom>
+                <a:solidFill>
+                  <a:srgbClr val="F7EEED"/>
+                </a:solidFill>
+                <a:ln w="15875" cap="flat" cmpd="dbl">
+                  <a:solidFill>
+                    <a:srgbClr val="FF3A24"/>
+                  </a:solidFill>
+                  <a:prstDash val="solid"/>
+                  <a:round/>
+                </a:ln>
+                <a:effectLst/>
+                <a:sp3d/>
+              </p:spPr>
+              <p:style>
+                <a:lnRef idx="0">
+                  <a:scrgbClr r="0" g="0" b="0"/>
+                </a:lnRef>
+                <a:fillRef idx="0">
+                  <a:scrgbClr r="0" g="0" b="0"/>
+                </a:fillRef>
+                <a:effectRef idx="0">
+                  <a:scrgbClr r="0" g="0" b="0"/>
+                </a:effectRef>
+                <a:fontRef idx="none"/>
+              </p:style>
+              <p:txBody>
+                <a:bodyPr rot="0" spcFirstLastPara="1" vertOverflow="overflow" horzOverflow="overflow" vert="horz" wrap="square" lIns="45718" tIns="45718" rIns="45718" bIns="45718" numCol="1" spcCol="38100" rtlCol="0" anchor="ctr">
+                  <a:noAutofit/>
+                </a:bodyPr>
+                <a:lstStyle/>
+                <a:p>
+                  <a:pPr hangingPunct="0"/>
+                  <a:r>
+                    <a:rPr lang="en-US" sz="525">
+                      <a:solidFill>
+                        <a:srgbClr val="000000"/>
+                      </a:solidFill>
+                      <a:latin typeface="Calibri" panose="020F0502020204030204"/>
+                      <a:sym typeface="Arial"/>
+                    </a:rPr>
+                    <a:t>0.8</a:t>
+                  </a:r>
+                </a:p>
+              </p:txBody>
+            </p:sp>
+            <p:sp>
+              <p:nvSpPr>
+                <p:cNvPr id="86" name="Rectangle 85">
+                  <a:extLst>
+                    <a:ext uri="{FF2B5EF4-FFF2-40B4-BE49-F238E27FC236}">
+                      <a16:creationId xmlns:a16="http://schemas.microsoft.com/office/drawing/2014/main" id="{930CF7E7-5574-054C-B4E0-60747E8BB84F}"/>
+                    </a:ext>
+                  </a:extLst>
+                </p:cNvPr>
+                <p:cNvSpPr/>
+                <p:nvPr/>
+              </p:nvSpPr>
+              <p:spPr>
+                <a:xfrm>
+                  <a:off x="12226476" y="6771152"/>
+                  <a:ext cx="355743" cy="347301"/>
+                </a:xfrm>
+                <a:prstGeom prst="rect">
+                  <a:avLst/>
+                </a:prstGeom>
+                <a:solidFill>
+                  <a:srgbClr val="F7EEED"/>
+                </a:solidFill>
+                <a:ln w="15875" cap="flat" cmpd="dbl">
+                  <a:solidFill>
+                    <a:srgbClr val="FF3A24"/>
+                  </a:solidFill>
+                  <a:prstDash val="solid"/>
+                  <a:round/>
+                </a:ln>
+                <a:effectLst/>
+                <a:sp3d/>
+              </p:spPr>
+              <p:style>
+                <a:lnRef idx="0">
+                  <a:scrgbClr r="0" g="0" b="0"/>
+                </a:lnRef>
+                <a:fillRef idx="0">
+                  <a:scrgbClr r="0" g="0" b="0"/>
+                </a:fillRef>
+                <a:effectRef idx="0">
+                  <a:scrgbClr r="0" g="0" b="0"/>
+                </a:effectRef>
+                <a:fontRef idx="none"/>
+              </p:style>
+              <p:txBody>
+                <a:bodyPr rot="0" spcFirstLastPara="1" vertOverflow="overflow" horzOverflow="overflow" vert="horz" wrap="square" lIns="45718" tIns="45718" rIns="45718" bIns="45718" numCol="1" spcCol="38100" rtlCol="0" anchor="ctr">
+                  <a:noAutofit/>
+                </a:bodyPr>
+                <a:lstStyle/>
+                <a:p>
+                  <a:pPr hangingPunct="0"/>
+                  <a:r>
+                    <a:rPr lang="en-US" sz="525">
+                      <a:solidFill>
+                        <a:srgbClr val="000000"/>
+                      </a:solidFill>
+                      <a:latin typeface="Calibri" panose="020F0502020204030204"/>
+                      <a:sym typeface="Arial"/>
+                    </a:rPr>
+                    <a:t>0.3</a:t>
+                  </a:r>
+                </a:p>
+              </p:txBody>
+            </p:sp>
+            <p:sp>
+              <p:nvSpPr>
+                <p:cNvPr id="87" name="Rectangle 86">
+                  <a:extLst>
+                    <a:ext uri="{FF2B5EF4-FFF2-40B4-BE49-F238E27FC236}">
+                      <a16:creationId xmlns:a16="http://schemas.microsoft.com/office/drawing/2014/main" id="{8AAAD526-296A-4E8A-B458-C673CEBBE960}"/>
+                    </a:ext>
+                  </a:extLst>
+                </p:cNvPr>
+                <p:cNvSpPr/>
+                <p:nvPr/>
+              </p:nvSpPr>
+              <p:spPr>
+                <a:xfrm>
+                  <a:off x="12626424" y="6771152"/>
+                  <a:ext cx="355743" cy="347301"/>
+                </a:xfrm>
+                <a:prstGeom prst="rect">
+                  <a:avLst/>
+                </a:prstGeom>
+                <a:solidFill>
+                  <a:srgbClr val="F7EEED"/>
+                </a:solidFill>
+                <a:ln w="15875" cap="flat" cmpd="dbl">
+                  <a:solidFill>
+                    <a:srgbClr val="FF3A24"/>
+                  </a:solidFill>
+                  <a:prstDash val="solid"/>
+                  <a:round/>
+                </a:ln>
+                <a:effectLst/>
+                <a:sp3d/>
+              </p:spPr>
+              <p:style>
+                <a:lnRef idx="0">
+                  <a:scrgbClr r="0" g="0" b="0"/>
+                </a:lnRef>
+                <a:fillRef idx="0">
+                  <a:scrgbClr r="0" g="0" b="0"/>
+                </a:fillRef>
+                <a:effectRef idx="0">
+                  <a:scrgbClr r="0" g="0" b="0"/>
+                </a:effectRef>
+                <a:fontRef idx="none"/>
+              </p:style>
+              <p:txBody>
+                <a:bodyPr rot="0" spcFirstLastPara="1" vertOverflow="overflow" horzOverflow="overflow" vert="horz" wrap="square" lIns="45718" tIns="45718" rIns="45718" bIns="45718" numCol="1" spcCol="38100" rtlCol="0" anchor="ctr">
+                  <a:noAutofit/>
+                </a:bodyPr>
+                <a:lstStyle/>
+                <a:p>
+                  <a:pPr hangingPunct="0"/>
+                  <a:r>
+                    <a:rPr lang="en-US" sz="525">
+                      <a:solidFill>
+                        <a:srgbClr val="000000"/>
+                      </a:solidFill>
+                      <a:latin typeface="Calibri" panose="020F0502020204030204"/>
+                      <a:sym typeface="Arial"/>
+                    </a:rPr>
+                    <a:t>0.9</a:t>
+                  </a:r>
+                </a:p>
+              </p:txBody>
+            </p:sp>
+          </p:grpSp>
+          <p:grpSp>
+            <p:nvGrpSpPr>
+              <p:cNvPr id="77" name="Group 76">
+                <a:extLst>
+                  <a:ext uri="{FF2B5EF4-FFF2-40B4-BE49-F238E27FC236}">
+                    <a16:creationId xmlns:a16="http://schemas.microsoft.com/office/drawing/2014/main" id="{A7E81728-CE8A-C82E-29A5-7CECC6D381BA}"/>
+                  </a:ext>
+                </a:extLst>
+              </p:cNvPr>
+              <p:cNvGrpSpPr/>
+              <p:nvPr/>
+            </p:nvGrpSpPr>
+            <p:grpSpPr>
+              <a:xfrm>
+                <a:off x="7493203" y="9960780"/>
+                <a:ext cx="1955535" cy="386936"/>
+                <a:chOff x="11026632" y="6771152"/>
+                <a:chExt cx="1955535" cy="347301"/>
+              </a:xfrm>
+            </p:grpSpPr>
+            <p:sp>
+              <p:nvSpPr>
+                <p:cNvPr id="78" name="Rectangle 77">
+                  <a:extLst>
+                    <a:ext uri="{FF2B5EF4-FFF2-40B4-BE49-F238E27FC236}">
+                      <a16:creationId xmlns:a16="http://schemas.microsoft.com/office/drawing/2014/main" id="{C1323698-2488-4C95-D3C0-7E5D7B6235EC}"/>
+                    </a:ext>
+                  </a:extLst>
+                </p:cNvPr>
+                <p:cNvSpPr/>
+                <p:nvPr/>
+              </p:nvSpPr>
+              <p:spPr>
+                <a:xfrm>
+                  <a:off x="11026632" y="6771152"/>
+                  <a:ext cx="355743" cy="347301"/>
+                </a:xfrm>
+                <a:prstGeom prst="rect">
+                  <a:avLst/>
+                </a:prstGeom>
+                <a:solidFill>
+                  <a:srgbClr val="F7EEED"/>
+                </a:solidFill>
+                <a:ln w="15875" cap="flat" cmpd="dbl">
+                  <a:solidFill>
+                    <a:srgbClr val="FF3A24"/>
+                  </a:solidFill>
+                  <a:prstDash val="solid"/>
+                  <a:round/>
+                </a:ln>
+                <a:effectLst/>
+                <a:sp3d/>
+              </p:spPr>
+              <p:style>
+                <a:lnRef idx="0">
+                  <a:scrgbClr r="0" g="0" b="0"/>
+                </a:lnRef>
+                <a:fillRef idx="0">
+                  <a:scrgbClr r="0" g="0" b="0"/>
+                </a:fillRef>
+                <a:effectRef idx="0">
+                  <a:scrgbClr r="0" g="0" b="0"/>
+                </a:effectRef>
+                <a:fontRef idx="none"/>
+              </p:style>
+              <p:txBody>
+                <a:bodyPr rot="0" spcFirstLastPara="1" vertOverflow="overflow" horzOverflow="overflow" vert="horz" wrap="square" lIns="45718" tIns="45718" rIns="45718" bIns="45718" numCol="1" spcCol="38100" rtlCol="0" anchor="ctr">
+                  <a:noAutofit/>
+                </a:bodyPr>
+                <a:lstStyle/>
+                <a:p>
+                  <a:pPr hangingPunct="0"/>
+                  <a:r>
+                    <a:rPr lang="en-US" sz="525">
+                      <a:solidFill>
+                        <a:srgbClr val="000000"/>
+                      </a:solidFill>
+                      <a:latin typeface="Calibri" panose="020F0502020204030204"/>
+                      <a:sym typeface="Arial"/>
+                    </a:rPr>
+                    <a:t>0.5</a:t>
+                  </a:r>
+                </a:p>
+              </p:txBody>
+            </p:sp>
+            <p:sp>
+              <p:nvSpPr>
+                <p:cNvPr id="79" name="Rectangle 78">
+                  <a:extLst>
+                    <a:ext uri="{FF2B5EF4-FFF2-40B4-BE49-F238E27FC236}">
+                      <a16:creationId xmlns:a16="http://schemas.microsoft.com/office/drawing/2014/main" id="{7A01EB2C-9C6E-37E0-0098-6BF1F8F193EC}"/>
+                    </a:ext>
+                  </a:extLst>
+                </p:cNvPr>
+                <p:cNvSpPr/>
+                <p:nvPr/>
+              </p:nvSpPr>
+              <p:spPr>
+                <a:xfrm>
+                  <a:off x="11426580" y="6771152"/>
+                  <a:ext cx="355743" cy="347301"/>
+                </a:xfrm>
+                <a:prstGeom prst="rect">
+                  <a:avLst/>
+                </a:prstGeom>
+                <a:solidFill>
+                  <a:srgbClr val="F7EEED"/>
+                </a:solidFill>
+                <a:ln w="15875" cap="flat" cmpd="dbl">
+                  <a:solidFill>
+                    <a:srgbClr val="FF3A24"/>
+                  </a:solidFill>
+                  <a:prstDash val="solid"/>
+                  <a:round/>
+                </a:ln>
+                <a:effectLst/>
+                <a:sp3d/>
+              </p:spPr>
+              <p:style>
+                <a:lnRef idx="0">
+                  <a:scrgbClr r="0" g="0" b="0"/>
+                </a:lnRef>
+                <a:fillRef idx="0">
+                  <a:scrgbClr r="0" g="0" b="0"/>
+                </a:fillRef>
+                <a:effectRef idx="0">
+                  <a:scrgbClr r="0" g="0" b="0"/>
+                </a:effectRef>
+                <a:fontRef idx="none"/>
+              </p:style>
+              <p:txBody>
+                <a:bodyPr rot="0" spcFirstLastPara="1" vertOverflow="overflow" horzOverflow="overflow" vert="horz" wrap="square" lIns="45718" tIns="45718" rIns="45718" bIns="45718" numCol="1" spcCol="38100" rtlCol="0" anchor="ctr">
+                  <a:noAutofit/>
+                </a:bodyPr>
+                <a:lstStyle/>
+                <a:p>
+                  <a:pPr hangingPunct="0"/>
+                  <a:r>
+                    <a:rPr lang="en-US" sz="525">
+                      <a:solidFill>
+                        <a:srgbClr val="000000"/>
+                      </a:solidFill>
+                      <a:latin typeface="Calibri" panose="020F0502020204030204"/>
+                      <a:sym typeface="Arial"/>
+                    </a:rPr>
+                    <a:t>0.7</a:t>
+                  </a:r>
+                </a:p>
+              </p:txBody>
+            </p:sp>
+            <p:sp>
+              <p:nvSpPr>
+                <p:cNvPr id="80" name="Rectangle 79">
+                  <a:extLst>
+                    <a:ext uri="{FF2B5EF4-FFF2-40B4-BE49-F238E27FC236}">
+                      <a16:creationId xmlns:a16="http://schemas.microsoft.com/office/drawing/2014/main" id="{3D3A5224-3FBC-7A5A-416E-0901ACF04E18}"/>
+                    </a:ext>
+                  </a:extLst>
+                </p:cNvPr>
+                <p:cNvSpPr/>
+                <p:nvPr/>
+              </p:nvSpPr>
+              <p:spPr>
+                <a:xfrm>
+                  <a:off x="11826528" y="6771152"/>
+                  <a:ext cx="355743" cy="347301"/>
+                </a:xfrm>
+                <a:prstGeom prst="rect">
+                  <a:avLst/>
+                </a:prstGeom>
+                <a:solidFill>
+                  <a:srgbClr val="F7EEED"/>
+                </a:solidFill>
+                <a:ln w="15875" cap="flat" cmpd="dbl">
+                  <a:solidFill>
+                    <a:srgbClr val="FF3A24"/>
+                  </a:solidFill>
+                  <a:prstDash val="solid"/>
+                  <a:round/>
+                </a:ln>
+                <a:effectLst/>
+                <a:sp3d/>
+              </p:spPr>
+              <p:style>
+                <a:lnRef idx="0">
+                  <a:scrgbClr r="0" g="0" b="0"/>
+                </a:lnRef>
+                <a:fillRef idx="0">
+                  <a:scrgbClr r="0" g="0" b="0"/>
+                </a:fillRef>
+                <a:effectRef idx="0">
+                  <a:scrgbClr r="0" g="0" b="0"/>
+                </a:effectRef>
+                <a:fontRef idx="none"/>
+              </p:style>
+              <p:txBody>
+                <a:bodyPr rot="0" spcFirstLastPara="1" vertOverflow="overflow" horzOverflow="overflow" vert="horz" wrap="square" lIns="45718" tIns="45718" rIns="45718" bIns="45718" numCol="1" spcCol="38100" rtlCol="0" anchor="ctr">
+                  <a:noAutofit/>
+                </a:bodyPr>
+                <a:lstStyle/>
+                <a:p>
+                  <a:pPr hangingPunct="0"/>
+                  <a:r>
+                    <a:rPr lang="en-US" sz="525">
+                      <a:solidFill>
+                        <a:srgbClr val="000000"/>
+                      </a:solidFill>
+                      <a:latin typeface="Calibri" panose="020F0502020204030204"/>
+                      <a:sym typeface="Arial"/>
+                    </a:rPr>
+                    <a:t>0.8</a:t>
+                  </a:r>
+                </a:p>
+              </p:txBody>
+            </p:sp>
+            <p:sp>
+              <p:nvSpPr>
+                <p:cNvPr id="81" name="Rectangle 80">
+                  <a:extLst>
+                    <a:ext uri="{FF2B5EF4-FFF2-40B4-BE49-F238E27FC236}">
+                      <a16:creationId xmlns:a16="http://schemas.microsoft.com/office/drawing/2014/main" id="{CF66E24E-290D-C664-2B38-9219B2F4ECB3}"/>
+                    </a:ext>
+                  </a:extLst>
+                </p:cNvPr>
+                <p:cNvSpPr/>
+                <p:nvPr/>
+              </p:nvSpPr>
+              <p:spPr>
+                <a:xfrm>
+                  <a:off x="12226476" y="6771152"/>
+                  <a:ext cx="355743" cy="347301"/>
+                </a:xfrm>
+                <a:prstGeom prst="rect">
+                  <a:avLst/>
+                </a:prstGeom>
+                <a:solidFill>
+                  <a:srgbClr val="F7EEED"/>
+                </a:solidFill>
+                <a:ln w="15875" cap="flat" cmpd="dbl">
+                  <a:solidFill>
+                    <a:srgbClr val="FF3A24"/>
+                  </a:solidFill>
+                  <a:prstDash val="solid"/>
+                  <a:round/>
+                </a:ln>
+                <a:effectLst/>
+                <a:sp3d/>
+              </p:spPr>
+              <p:style>
+                <a:lnRef idx="0">
+                  <a:scrgbClr r="0" g="0" b="0"/>
+                </a:lnRef>
+                <a:fillRef idx="0">
+                  <a:scrgbClr r="0" g="0" b="0"/>
+                </a:fillRef>
+                <a:effectRef idx="0">
+                  <a:scrgbClr r="0" g="0" b="0"/>
+                </a:effectRef>
+                <a:fontRef idx="none"/>
+              </p:style>
+              <p:txBody>
+                <a:bodyPr rot="0" spcFirstLastPara="1" vertOverflow="overflow" horzOverflow="overflow" vert="horz" wrap="square" lIns="45718" tIns="45718" rIns="45718" bIns="45718" numCol="1" spcCol="38100" rtlCol="0" anchor="ctr">
+                  <a:noAutofit/>
+                </a:bodyPr>
+                <a:lstStyle/>
+                <a:p>
+                  <a:pPr hangingPunct="0"/>
+                  <a:r>
+                    <a:rPr lang="en-US" sz="525">
+                      <a:solidFill>
+                        <a:srgbClr val="000000"/>
+                      </a:solidFill>
+                      <a:latin typeface="Calibri" panose="020F0502020204030204"/>
+                      <a:sym typeface="Arial"/>
+                    </a:rPr>
+                    <a:t>0.3</a:t>
+                  </a:r>
+                </a:p>
+              </p:txBody>
+            </p:sp>
+            <p:sp>
+              <p:nvSpPr>
+                <p:cNvPr id="82" name="Rectangle 81">
+                  <a:extLst>
+                    <a:ext uri="{FF2B5EF4-FFF2-40B4-BE49-F238E27FC236}">
+                      <a16:creationId xmlns:a16="http://schemas.microsoft.com/office/drawing/2014/main" id="{E6AEAC0E-38E6-95B4-69B3-6C2C1506F984}"/>
+                    </a:ext>
+                  </a:extLst>
+                </p:cNvPr>
+                <p:cNvSpPr/>
+                <p:nvPr/>
+              </p:nvSpPr>
+              <p:spPr>
+                <a:xfrm>
+                  <a:off x="12626424" y="6771152"/>
+                  <a:ext cx="355743" cy="347301"/>
+                </a:xfrm>
+                <a:prstGeom prst="rect">
+                  <a:avLst/>
+                </a:prstGeom>
+                <a:solidFill>
+                  <a:srgbClr val="F7EEED"/>
+                </a:solidFill>
+                <a:ln w="15875" cap="flat" cmpd="dbl">
+                  <a:solidFill>
+                    <a:srgbClr val="FF3A24"/>
+                  </a:solidFill>
+                  <a:prstDash val="solid"/>
+                  <a:round/>
+                </a:ln>
+                <a:effectLst/>
+                <a:sp3d/>
+              </p:spPr>
+              <p:style>
+                <a:lnRef idx="0">
+                  <a:scrgbClr r="0" g="0" b="0"/>
+                </a:lnRef>
+                <a:fillRef idx="0">
+                  <a:scrgbClr r="0" g="0" b="0"/>
+                </a:fillRef>
+                <a:effectRef idx="0">
+                  <a:scrgbClr r="0" g="0" b="0"/>
+                </a:effectRef>
+                <a:fontRef idx="none"/>
+              </p:style>
+              <p:txBody>
+                <a:bodyPr rot="0" spcFirstLastPara="1" vertOverflow="overflow" horzOverflow="overflow" vert="horz" wrap="square" lIns="45718" tIns="45718" rIns="45718" bIns="45718" numCol="1" spcCol="38100" rtlCol="0" anchor="ctr">
+                  <a:noAutofit/>
+                </a:bodyPr>
+                <a:lstStyle/>
+                <a:p>
+                  <a:pPr hangingPunct="0"/>
+                  <a:r>
+                    <a:rPr lang="en-US" sz="525">
+                      <a:solidFill>
+                        <a:srgbClr val="000000"/>
+                      </a:solidFill>
+                      <a:latin typeface="Calibri" panose="020F0502020204030204"/>
+                      <a:sym typeface="Arial"/>
+                    </a:rPr>
+                    <a:t>0.9</a:t>
+                  </a:r>
+                </a:p>
+              </p:txBody>
+            </p:sp>
+          </p:grpSp>
+        </p:grpSp>
+        <p:sp>
+          <p:nvSpPr>
+            <p:cNvPr id="222" name="Rectangle 221">
+              <a:extLst>
+                <a:ext uri="{FF2B5EF4-FFF2-40B4-BE49-F238E27FC236}">
+                  <a16:creationId xmlns:a16="http://schemas.microsoft.com/office/drawing/2014/main" id="{F56B374E-EEA5-BB4F-0E9C-A16CC1942C46}"/>
+                </a:ext>
+              </a:extLst>
+            </p:cNvPr>
+            <p:cNvSpPr/>
+            <p:nvPr/>
+          </p:nvSpPr>
+          <p:spPr>
+            <a:xfrm>
+              <a:off x="3069274" y="2321725"/>
+              <a:ext cx="1478723" cy="996554"/>
+            </a:xfrm>
+            <a:prstGeom prst="rect">
+              <a:avLst/>
+            </a:prstGeom>
+            <a:noFill/>
+            <a:ln w="15875" cap="flat" cmpd="dbl">
+              <a:solidFill>
+                <a:srgbClr val="FF3A24"/>
+              </a:solidFill>
+              <a:prstDash val="solid"/>
+              <a:round/>
+            </a:ln>
+            <a:effectLst/>
+            <a:sp3d/>
+          </p:spPr>
+          <p:style>
+            <a:lnRef idx="0">
+              <a:scrgbClr r="0" g="0" b="0"/>
+            </a:lnRef>
+            <a:fillRef idx="0">
+              <a:scrgbClr r="0" g="0" b="0"/>
+            </a:fillRef>
+            <a:effectRef idx="0">
+              <a:scrgbClr r="0" g="0" b="0"/>
+            </a:effectRef>
+            <a:fontRef idx="none"/>
+          </p:style>
+          <p:txBody>
+            <a:bodyPr rot="0" spcFirstLastPara="1" vertOverflow="overflow" horzOverflow="overflow" vert="horz" wrap="square" lIns="45718" tIns="45718" rIns="45718" bIns="45718" numCol="1" spcCol="38100" rtlCol="0" anchor="ctr">
+              <a:noAutofit/>
+            </a:bodyPr>
+            <a:lstStyle/>
+            <a:p>
+              <a:pPr hangingPunct="0"/>
+              <a:endParaRPr lang="en-US" sz="1100">
+                <a:solidFill>
+                  <a:srgbClr val="000000"/>
+                </a:solidFill>
+                <a:latin typeface="Calibri" panose="020F0502020204030204"/>
+                <a:sym typeface="Arial"/>
+              </a:endParaRPr>
+            </a:p>
+          </p:txBody>
+        </p:sp>
+      </p:grpSp>
+      <p:sp>
+        <p:nvSpPr>
+          <p:cNvPr id="245" name="TextBox 244">
+            <a:extLst>
+              <a:ext uri="{FF2B5EF4-FFF2-40B4-BE49-F238E27FC236}">
+                <a16:creationId xmlns:a16="http://schemas.microsoft.com/office/drawing/2014/main" id="{969B7046-4C39-AA4E-AF6C-A36C49B1B5CF}"/>
+              </a:ext>
+            </a:extLst>
+          </p:cNvPr>
+          <p:cNvSpPr txBox="1"/>
+          <p:nvPr/>
+        </p:nvSpPr>
+        <p:spPr>
+          <a:xfrm>
+            <a:off x="5091853" y="2309802"/>
+            <a:ext cx="1240026" cy="203158"/>
+          </a:xfrm>
+          <a:prstGeom prst="rect">
+            <a:avLst/>
+          </a:prstGeom>
+          <a:noFill/>
+          <a:effectLst/>
+        </p:spPr>
+        <p:txBody>
+          <a:bodyPr wrap="square">
+            <a:noAutofit/>
+          </a:bodyPr>
+          <a:lstStyle/>
+          <a:p>
+            <a:pPr algn="ctr" defTabSz="457200"/>
+            <a:r>
+              <a:rPr lang="en-US" sz="900" dirty="0">
+                <a:solidFill>
+                  <a:prstClr val="black">
+                    <a:lumMod val="85000"/>
+                    <a:lumOff val="15000"/>
+                  </a:prstClr>
+                </a:solidFill>
+                <a:latin typeface="Work Sans Medium" pitchFamily="2" charset="0"/>
+              </a:rPr>
+              <a:t>Vector </a:t>
+            </a:r>
+          </a:p>
+          <a:p>
+            <a:pPr algn="ctr" defTabSz="457200"/>
+            <a:r>
+              <a:rPr lang="en-US" sz="900" dirty="0">
+                <a:solidFill>
+                  <a:prstClr val="black">
+                    <a:lumMod val="85000"/>
+                    <a:lumOff val="15000"/>
+                  </a:prstClr>
+                </a:solidFill>
+                <a:latin typeface="Work Sans Medium" pitchFamily="2" charset="0"/>
+              </a:rPr>
+              <a:t>Database</a:t>
+            </a:r>
+          </a:p>
+        </p:txBody>
+      </p:sp>
+      <p:cxnSp>
+        <p:nvCxnSpPr>
+          <p:cNvPr id="276" name="Connector: Elbow 275">
+            <a:extLst>
+              <a:ext uri="{FF2B5EF4-FFF2-40B4-BE49-F238E27FC236}">
+                <a16:creationId xmlns:a16="http://schemas.microsoft.com/office/drawing/2014/main" id="{CCF619AC-8D99-A8F3-06D9-15BD033956BC}"/>
+              </a:ext>
+            </a:extLst>
+          </p:cNvPr>
+          <p:cNvCxnSpPr>
+            <a:cxnSpLocks/>
+            <a:stCxn id="239" idx="3"/>
+            <a:endCxn id="1061" idx="0"/>
+          </p:cNvCxnSpPr>
+          <p:nvPr/>
+        </p:nvCxnSpPr>
+        <p:spPr>
+          <a:xfrm rot="5400000">
+            <a:off x="4064574" y="3076702"/>
+            <a:ext cx="1404850" cy="1888005"/>
+          </a:xfrm>
+          <a:prstGeom prst="bentConnector3">
+            <a:avLst>
+              <a:gd name="adj1" fmla="val 83319"/>
+            </a:avLst>
+          </a:prstGeom>
+          <a:ln w="19050" cap="flat" cmpd="sng" algn="ctr">
+            <a:solidFill>
+              <a:schemeClr val="accent1"/>
+            </a:solidFill>
+            <a:prstDash val="solid"/>
+            <a:round/>
+            <a:headEnd type="none" w="med" len="med"/>
+            <a:tailEnd type="arrow" w="med" len="med"/>
+          </a:ln>
+        </p:spPr>
+        <p:style>
+          <a:lnRef idx="0">
+            <a:scrgbClr r="0" g="0" b="0"/>
+          </a:lnRef>
+          <a:fillRef idx="0">
+            <a:scrgbClr r="0" g="0" b="0"/>
+          </a:fillRef>
+          <a:effectRef idx="0">
+            <a:scrgbClr r="0" g="0" b="0"/>
+          </a:effectRef>
+          <a:fontRef idx="minor">
+            <a:schemeClr val="tx1"/>
+          </a:fontRef>
+        </p:style>
+      </p:cxnSp>
+      <p:pic>
+        <p:nvPicPr>
+          <p:cNvPr id="64" name="Picture 63" descr="A black background with a black square&#10;&#10;AI-generated content may be incorrect.">
+            <a:extLst>
+              <a:ext uri="{FF2B5EF4-FFF2-40B4-BE49-F238E27FC236}">
+                <a16:creationId xmlns:a16="http://schemas.microsoft.com/office/drawing/2014/main" id="{2A1AB54B-3180-B26D-B724-0C20722761EB}"/>
+              </a:ext>
+            </a:extLst>
+          </p:cNvPr>
+          <p:cNvPicPr>
+            <a:picLocks noChangeAspect="1"/>
+          </p:cNvPicPr>
+          <p:nvPr/>
+        </p:nvPicPr>
+        <p:blipFill>
+          <a:blip r:embed="rId4"/>
+          <a:stretch>
+            <a:fillRect/>
+          </a:stretch>
+        </p:blipFill>
+        <p:spPr>
+          <a:xfrm>
+            <a:off x="2143544" y="2589849"/>
+            <a:ext cx="505181" cy="505181"/>
+          </a:xfrm>
+          <a:prstGeom prst="rect">
+            <a:avLst/>
+          </a:prstGeom>
+        </p:spPr>
+      </p:pic>
+      <p:sp>
+        <p:nvSpPr>
+          <p:cNvPr id="68" name="Arrow: Right 5">
+            <a:extLst>
+              <a:ext uri="{FF2B5EF4-FFF2-40B4-BE49-F238E27FC236}">
+                <a16:creationId xmlns:a16="http://schemas.microsoft.com/office/drawing/2014/main" id="{9E86D3B3-0A18-D122-DDFD-09F4D17720CC}"/>
+              </a:ext>
+            </a:extLst>
+          </p:cNvPr>
+          <p:cNvSpPr/>
+          <p:nvPr/>
+        </p:nvSpPr>
+        <p:spPr>
+          <a:xfrm>
+            <a:off x="2970533" y="2727075"/>
+            <a:ext cx="208107" cy="254689"/>
+          </a:xfrm>
+          <a:prstGeom prst="rightArrow">
+            <a:avLst/>
+          </a:prstGeom>
+          <a:solidFill>
+            <a:schemeClr val="bg1">
+              <a:lumMod val="75000"/>
+            </a:schemeClr>
+          </a:solidFill>
+          <a:ln>
+            <a:noFill/>
+          </a:ln>
+        </p:spPr>
+        <p:style>
+          <a:lnRef idx="2">
+            <a:schemeClr val="accent1">
+              <a:shade val="50000"/>
+            </a:schemeClr>
+          </a:lnRef>
+          <a:fillRef idx="1">
+            <a:schemeClr val="accent1"/>
+          </a:fillRef>
+          <a:effectRef idx="0">
+            <a:schemeClr val="accent1"/>
+          </a:effectRef>
+          <a:fontRef idx="minor">
+            <a:schemeClr val="lt1"/>
+          </a:fontRef>
+        </p:style>
+        <p:txBody>
+          <a:bodyPr rtlCol="0" anchor="ctr"/>
+          <a:lstStyle/>
+          <a:p>
+            <a:pPr algn="ctr" defTabSz="457200">
+              <a:lnSpc>
+                <a:spcPct val="107000"/>
+              </a:lnSpc>
+              <a:spcBef>
+                <a:spcPts val="500"/>
+              </a:spcBef>
+              <a:spcAft>
+                <a:spcPts val="400"/>
+              </a:spcAft>
+            </a:pPr>
+            <a:endParaRPr lang="en-US" sz="475">
+              <a:solidFill>
+                <a:prstClr val="white"/>
+              </a:solidFill>
+              <a:latin typeface="Work Sans Light" pitchFamily="2" charset="77"/>
+            </a:endParaRPr>
+          </a:p>
+        </p:txBody>
+      </p:sp>
+      <p:grpSp>
+        <p:nvGrpSpPr>
+          <p:cNvPr id="1084" name="Group 1083">
+            <a:extLst>
+              <a:ext uri="{FF2B5EF4-FFF2-40B4-BE49-F238E27FC236}">
+                <a16:creationId xmlns:a16="http://schemas.microsoft.com/office/drawing/2014/main" id="{CB2D64FB-D372-D1D0-F44E-7E1639C592A0}"/>
+              </a:ext>
+            </a:extLst>
+          </p:cNvPr>
+          <p:cNvGrpSpPr/>
+          <p:nvPr/>
+        </p:nvGrpSpPr>
+        <p:grpSpPr>
+          <a:xfrm>
+            <a:off x="5220768" y="2090439"/>
+            <a:ext cx="980466" cy="1227840"/>
+            <a:chOff x="5013934" y="2090439"/>
+            <a:chExt cx="980466" cy="1227840"/>
+          </a:xfrm>
+        </p:grpSpPr>
+        <p:sp>
+          <p:nvSpPr>
+            <p:cNvPr id="239" name="Rectangle 238">
+              <a:extLst>
+                <a:ext uri="{FF2B5EF4-FFF2-40B4-BE49-F238E27FC236}">
+                  <a16:creationId xmlns:a16="http://schemas.microsoft.com/office/drawing/2014/main" id="{B67B9F68-DD80-335D-31F7-BE438BDCEBF5}"/>
+                </a:ext>
+              </a:extLst>
+            </p:cNvPr>
+            <p:cNvSpPr/>
+            <p:nvPr/>
+          </p:nvSpPr>
+          <p:spPr>
+            <a:xfrm rot="5400000">
+              <a:off x="5008478" y="2332357"/>
+              <a:ext cx="991378" cy="980466"/>
+            </a:xfrm>
+            <a:prstGeom prst="rect">
+              <a:avLst/>
+            </a:prstGeom>
+            <a:noFill/>
+            <a:ln w="15875" cap="flat" cmpd="dbl">
+              <a:solidFill>
+                <a:srgbClr val="397EFF"/>
+              </a:solidFill>
+              <a:prstDash val="solid"/>
+              <a:round/>
+            </a:ln>
+            <a:effectLst/>
+            <a:sp3d/>
+          </p:spPr>
+          <p:style>
+            <a:lnRef idx="0">
+              <a:scrgbClr r="0" g="0" b="0"/>
+            </a:lnRef>
+            <a:fillRef idx="0">
+              <a:scrgbClr r="0" g="0" b="0"/>
+            </a:fillRef>
+            <a:effectRef idx="0">
+              <a:scrgbClr r="0" g="0" b="0"/>
+            </a:effectRef>
+            <a:fontRef idx="none"/>
+          </p:style>
+          <p:txBody>
+            <a:bodyPr rot="0" spcFirstLastPara="1" vertOverflow="overflow" horzOverflow="overflow" vert="horz" wrap="square" lIns="45718" tIns="45718" rIns="45718" bIns="45718" numCol="1" spcCol="38100" rtlCol="0" anchor="ctr">
+              <a:noAutofit/>
+            </a:bodyPr>
+            <a:lstStyle/>
+            <a:p>
+              <a:pPr hangingPunct="0"/>
+              <a:endParaRPr lang="en-US" sz="1100">
+                <a:solidFill>
+                  <a:srgbClr val="000000"/>
+                </a:solidFill>
+                <a:latin typeface="Calibri" panose="020F0502020204030204"/>
+                <a:sym typeface="Arial"/>
+              </a:endParaRPr>
+            </a:p>
+          </p:txBody>
+        </p:sp>
+        <p:pic>
+          <p:nvPicPr>
+            <p:cNvPr id="1032" name="Picture 8">
+              <a:extLst>
+                <a:ext uri="{FF2B5EF4-FFF2-40B4-BE49-F238E27FC236}">
+                  <a16:creationId xmlns:a16="http://schemas.microsoft.com/office/drawing/2014/main" id="{6BFA082F-B9EE-947E-246D-05ED80B868BF}"/>
+                </a:ext>
+              </a:extLst>
+            </p:cNvPr>
+            <p:cNvPicPr>
+              <a:picLocks noChangeAspect="1" noChangeArrowheads="1"/>
+            </p:cNvPicPr>
+            <p:nvPr/>
+          </p:nvPicPr>
+          <p:blipFill>
+            <a:blip r:embed="rId5">
+              <a:extLst>
+                <a:ext uri="{28A0092B-C50C-407E-A947-70E740481C1C}">
+                  <a14:useLocalDpi xmlns:a14="http://schemas.microsoft.com/office/drawing/2010/main" val="0"/>
+                </a:ext>
+              </a:extLst>
+            </a:blip>
+            <a:srcRect/>
+            <a:stretch>
+              <a:fillRect/>
+            </a:stretch>
+          </p:blipFill>
+          <p:spPr bwMode="auto">
+            <a:xfrm>
+              <a:off x="5030628" y="2090439"/>
+              <a:ext cx="925141" cy="169815"/>
+            </a:xfrm>
+            <a:prstGeom prst="rect">
+              <a:avLst/>
+            </a:prstGeom>
+            <a:noFill/>
+            <a:extLst>
+              <a:ext uri="{909E8E84-426E-40DD-AFC4-6F175D3DCCD1}">
+                <a14:hiddenFill xmlns:a14="http://schemas.microsoft.com/office/drawing/2010/main">
+                  <a:solidFill>
+                    <a:srgbClr val="FFFFFF"/>
+                  </a:solidFill>
+                </a14:hiddenFill>
+              </a:ext>
+            </a:extLst>
+          </p:spPr>
+        </p:pic>
+        <p:pic>
+          <p:nvPicPr>
+            <p:cNvPr id="113" name="Picture 112" descr="A white server with orange dots&#10;&#10;AI-generated content may be incorrect.">
+              <a:extLst>
+                <a:ext uri="{FF2B5EF4-FFF2-40B4-BE49-F238E27FC236}">
+                  <a16:creationId xmlns:a16="http://schemas.microsoft.com/office/drawing/2014/main" id="{B612854D-B939-EC06-925B-D91DEC3C9C2D}"/>
+                </a:ext>
+              </a:extLst>
+            </p:cNvPr>
+            <p:cNvPicPr>
+              <a:picLocks noChangeAspect="1"/>
+            </p:cNvPicPr>
+            <p:nvPr/>
+          </p:nvPicPr>
+          <p:blipFill>
+            <a:blip r:embed="rId6">
+              <a:duotone>
+                <a:schemeClr val="accent1">
+                  <a:shade val="45000"/>
+                  <a:satMod val="135000"/>
+                </a:schemeClr>
+                <a:prstClr val="white"/>
+              </a:duotone>
+            </a:blip>
+            <a:stretch>
+              <a:fillRect/>
+            </a:stretch>
+          </p:blipFill>
+          <p:spPr>
+            <a:xfrm>
+              <a:off x="5215382" y="2666708"/>
+              <a:ext cx="577569" cy="577569"/>
+            </a:xfrm>
+            <a:prstGeom prst="rect">
+              <a:avLst/>
+            </a:prstGeom>
+          </p:spPr>
+        </p:pic>
+      </p:grpSp>
+      <p:sp>
+        <p:nvSpPr>
+          <p:cNvPr id="115" name="Rectangle 114">
+            <a:extLst>
+              <a:ext uri="{FF2B5EF4-FFF2-40B4-BE49-F238E27FC236}">
+                <a16:creationId xmlns:a16="http://schemas.microsoft.com/office/drawing/2014/main" id="{76C6CF94-447F-8BA2-34A2-42C2E115FAF3}"/>
+              </a:ext>
+            </a:extLst>
+          </p:cNvPr>
+          <p:cNvSpPr/>
+          <p:nvPr/>
+        </p:nvSpPr>
+        <p:spPr>
+          <a:xfrm>
+            <a:off x="812800" y="1987568"/>
+            <a:ext cx="5695738" cy="1712603"/>
+          </a:xfrm>
+          <a:prstGeom prst="rect">
+            <a:avLst/>
+          </a:prstGeom>
+          <a:noFill/>
+          <a:ln w="15875" cap="flat" cmpd="dbl">
+            <a:solidFill>
+              <a:srgbClr val="FF3A24"/>
+            </a:solidFill>
+            <a:prstDash val="sysDash"/>
+            <a:round/>
+          </a:ln>
+          <a:effectLst/>
+          <a:sp3d/>
+        </p:spPr>
+        <p:style>
+          <a:lnRef idx="0">
+            <a:scrgbClr r="0" g="0" b="0"/>
+          </a:lnRef>
+          <a:fillRef idx="0">
+            <a:scrgbClr r="0" g="0" b="0"/>
+          </a:fillRef>
+          <a:effectRef idx="0">
+            <a:scrgbClr r="0" g="0" b="0"/>
+          </a:effectRef>
+          <a:fontRef idx="none"/>
+        </p:style>
+        <p:txBody>
+          <a:bodyPr rot="0" spcFirstLastPara="1" vertOverflow="overflow" horzOverflow="overflow" vert="horz" wrap="square" lIns="45718" tIns="45718" rIns="45718" bIns="45718" numCol="1" spcCol="38100" rtlCol="0" anchor="ctr">
+            <a:noAutofit/>
+          </a:bodyPr>
+          <a:lstStyle/>
+          <a:p>
+            <a:pPr hangingPunct="0"/>
+            <a:endParaRPr lang="en-US" sz="1100">
+              <a:solidFill>
+                <a:srgbClr val="000000"/>
+              </a:solidFill>
+              <a:latin typeface="Calibri" panose="020F0502020204030204"/>
+              <a:sym typeface="Arial"/>
+            </a:endParaRPr>
+          </a:p>
+        </p:txBody>
+      </p:sp>
+      <p:sp>
+        <p:nvSpPr>
+          <p:cNvPr id="116" name="TextBox 115">
+            <a:extLst>
+              <a:ext uri="{FF2B5EF4-FFF2-40B4-BE49-F238E27FC236}">
+                <a16:creationId xmlns:a16="http://schemas.microsoft.com/office/drawing/2014/main" id="{BEF43C99-ACFE-E077-260A-39BB5171C1C5}"/>
+              </a:ext>
+            </a:extLst>
+          </p:cNvPr>
+          <p:cNvSpPr txBox="1"/>
+          <p:nvPr/>
+        </p:nvSpPr>
+        <p:spPr>
+          <a:xfrm>
+            <a:off x="708104" y="1746564"/>
+            <a:ext cx="1799103" cy="178523"/>
+          </a:xfrm>
+          <a:prstGeom prst="rect">
+            <a:avLst/>
+          </a:prstGeom>
+          <a:noFill/>
+          <a:effectLst/>
+        </p:spPr>
+        <p:txBody>
+          <a:bodyPr wrap="square">
+            <a:noAutofit/>
+          </a:bodyPr>
+          <a:lstStyle/>
+          <a:p>
+            <a:pPr algn="ctr" defTabSz="457200"/>
+            <a:r>
+              <a:rPr lang="en-US" sz="900" dirty="0">
+                <a:solidFill>
+                  <a:prstClr val="black">
+                    <a:lumMod val="85000"/>
+                    <a:lumOff val="15000"/>
+                  </a:prstClr>
+                </a:solidFill>
+                <a:latin typeface="Work Sans Medium" pitchFamily="2" charset="0"/>
+              </a:rPr>
+              <a:t>Stage I – SFDC Data Loading</a:t>
+            </a:r>
+          </a:p>
+        </p:txBody>
+      </p:sp>
+      <p:sp>
+        <p:nvSpPr>
+          <p:cNvPr id="117" name="Rectangle 116">
+            <a:extLst>
+              <a:ext uri="{FF2B5EF4-FFF2-40B4-BE49-F238E27FC236}">
+                <a16:creationId xmlns:a16="http://schemas.microsoft.com/office/drawing/2014/main" id="{2FE07D41-3E43-0DBE-E0B7-B28C87C438D3}"/>
+              </a:ext>
+            </a:extLst>
+          </p:cNvPr>
+          <p:cNvSpPr/>
+          <p:nvPr/>
+        </p:nvSpPr>
+        <p:spPr>
+          <a:xfrm>
+            <a:off x="792149" y="4129735"/>
+            <a:ext cx="5695738" cy="1712603"/>
+          </a:xfrm>
+          <a:prstGeom prst="rect">
+            <a:avLst/>
+          </a:prstGeom>
+          <a:noFill/>
+          <a:ln w="15875" cap="flat" cmpd="dbl">
+            <a:solidFill>
+              <a:srgbClr val="FF3A24"/>
+            </a:solidFill>
+            <a:prstDash val="sysDash"/>
+            <a:round/>
+          </a:ln>
+          <a:effectLst/>
+          <a:sp3d/>
+        </p:spPr>
+        <p:style>
+          <a:lnRef idx="0">
+            <a:scrgbClr r="0" g="0" b="0"/>
+          </a:lnRef>
+          <a:fillRef idx="0">
+            <a:scrgbClr r="0" g="0" b="0"/>
+          </a:fillRef>
+          <a:effectRef idx="0">
+            <a:scrgbClr r="0" g="0" b="0"/>
+          </a:effectRef>
+          <a:fontRef idx="none"/>
+        </p:style>
+        <p:txBody>
+          <a:bodyPr rot="0" spcFirstLastPara="1" vertOverflow="overflow" horzOverflow="overflow" vert="horz" wrap="square" lIns="45718" tIns="45718" rIns="45718" bIns="45718" numCol="1" spcCol="38100" rtlCol="0" anchor="ctr">
+            <a:noAutofit/>
+          </a:bodyPr>
+          <a:lstStyle/>
+          <a:p>
+            <a:pPr hangingPunct="0"/>
+            <a:endParaRPr lang="en-US" sz="1100">
+              <a:solidFill>
+                <a:srgbClr val="000000"/>
+              </a:solidFill>
+              <a:latin typeface="Calibri" panose="020F0502020204030204"/>
+              <a:sym typeface="Arial"/>
+            </a:endParaRPr>
+          </a:p>
+        </p:txBody>
+      </p:sp>
+      <p:sp>
+        <p:nvSpPr>
+          <p:cNvPr id="118" name="TextBox 117">
+            <a:extLst>
+              <a:ext uri="{FF2B5EF4-FFF2-40B4-BE49-F238E27FC236}">
+                <a16:creationId xmlns:a16="http://schemas.microsoft.com/office/drawing/2014/main" id="{A5E0D31B-1EC5-49F1-B87B-82A1C1E56D4D}"/>
+              </a:ext>
+            </a:extLst>
+          </p:cNvPr>
+          <p:cNvSpPr txBox="1"/>
+          <p:nvPr/>
+        </p:nvSpPr>
+        <p:spPr>
+          <a:xfrm>
+            <a:off x="708104" y="3899045"/>
+            <a:ext cx="2296360" cy="188159"/>
+          </a:xfrm>
+          <a:prstGeom prst="rect">
+            <a:avLst/>
+          </a:prstGeom>
+          <a:noFill/>
+          <a:effectLst/>
+        </p:spPr>
+        <p:txBody>
+          <a:bodyPr wrap="square">
+            <a:noAutofit/>
+          </a:bodyPr>
+          <a:lstStyle/>
+          <a:p>
+            <a:pPr defTabSz="457200"/>
+            <a:r>
+              <a:rPr lang="en-US" sz="900" dirty="0">
+                <a:solidFill>
+                  <a:prstClr val="black">
+                    <a:lumMod val="85000"/>
+                    <a:lumOff val="15000"/>
+                  </a:prstClr>
+                </a:solidFill>
+                <a:latin typeface="Work Sans Medium" pitchFamily="2" charset="0"/>
+              </a:rPr>
+              <a:t>Stage II – Question and Guidance</a:t>
+            </a:r>
+          </a:p>
+        </p:txBody>
+      </p:sp>
+      <p:sp>
+        <p:nvSpPr>
+          <p:cNvPr id="119" name="Arrow: Right 5">
+            <a:extLst>
+              <a:ext uri="{FF2B5EF4-FFF2-40B4-BE49-F238E27FC236}">
+                <a16:creationId xmlns:a16="http://schemas.microsoft.com/office/drawing/2014/main" id="{677EBA1E-1FF6-45F0-F6B0-7170872F9266}"/>
+              </a:ext>
+            </a:extLst>
+          </p:cNvPr>
+          <p:cNvSpPr/>
+          <p:nvPr/>
+        </p:nvSpPr>
+        <p:spPr>
+          <a:xfrm>
+            <a:off x="1465667" y="4851947"/>
+            <a:ext cx="208107" cy="254689"/>
+          </a:xfrm>
+          <a:prstGeom prst="rightArrow">
+            <a:avLst/>
+          </a:prstGeom>
+          <a:solidFill>
+            <a:schemeClr val="bg1">
+              <a:lumMod val="75000"/>
+            </a:schemeClr>
+          </a:solidFill>
+          <a:ln>
+            <a:noFill/>
+          </a:ln>
+        </p:spPr>
+        <p:style>
+          <a:lnRef idx="2">
+            <a:schemeClr val="accent1">
+              <a:shade val="50000"/>
+            </a:schemeClr>
+          </a:lnRef>
+          <a:fillRef idx="1">
+            <a:schemeClr val="accent1"/>
+          </a:fillRef>
+          <a:effectRef idx="0">
+            <a:schemeClr val="accent1"/>
+          </a:effectRef>
+          <a:fontRef idx="minor">
+            <a:schemeClr val="lt1"/>
+          </a:fontRef>
+        </p:style>
+        <p:txBody>
+          <a:bodyPr rtlCol="0" anchor="ctr"/>
+          <a:lstStyle/>
+          <a:p>
+            <a:pPr algn="ctr" defTabSz="457200">
+              <a:lnSpc>
+                <a:spcPct val="107000"/>
+              </a:lnSpc>
+              <a:spcBef>
+                <a:spcPts val="500"/>
+              </a:spcBef>
+              <a:spcAft>
+                <a:spcPts val="400"/>
+              </a:spcAft>
+            </a:pPr>
+            <a:endParaRPr lang="en-US" sz="475">
+              <a:solidFill>
+                <a:prstClr val="white"/>
+              </a:solidFill>
+              <a:latin typeface="Work Sans Light" pitchFamily="2" charset="77"/>
+            </a:endParaRPr>
+          </a:p>
+        </p:txBody>
+      </p:sp>
+      <p:grpSp>
+        <p:nvGrpSpPr>
+          <p:cNvPr id="1059" name="Group 1058">
+            <a:extLst>
+              <a:ext uri="{FF2B5EF4-FFF2-40B4-BE49-F238E27FC236}">
+                <a16:creationId xmlns:a16="http://schemas.microsoft.com/office/drawing/2014/main" id="{78618DDB-AC8D-3C23-287C-4A6DDCD85D82}"/>
+              </a:ext>
+            </a:extLst>
+          </p:cNvPr>
+          <p:cNvGrpSpPr/>
+          <p:nvPr/>
+        </p:nvGrpSpPr>
+        <p:grpSpPr>
+          <a:xfrm>
+            <a:off x="1709113" y="4723129"/>
+            <a:ext cx="1308259" cy="512323"/>
+            <a:chOff x="1761015" y="4594313"/>
+            <a:chExt cx="1308259" cy="512323"/>
+          </a:xfrm>
+        </p:grpSpPr>
+        <p:grpSp>
+          <p:nvGrpSpPr>
+            <p:cNvPr id="122" name="Group 121">
+              <a:extLst>
+                <a:ext uri="{FF2B5EF4-FFF2-40B4-BE49-F238E27FC236}">
+                  <a16:creationId xmlns:a16="http://schemas.microsoft.com/office/drawing/2014/main" id="{E21DB971-71A2-BACA-121F-A15DE337D19D}"/>
+                </a:ext>
+              </a:extLst>
+            </p:cNvPr>
+            <p:cNvGrpSpPr/>
+            <p:nvPr/>
+          </p:nvGrpSpPr>
+          <p:grpSpPr>
+            <a:xfrm>
+              <a:off x="1881519" y="4694636"/>
+              <a:ext cx="977768" cy="197066"/>
+              <a:chOff x="11026632" y="6764694"/>
+              <a:chExt cx="1955535" cy="353759"/>
+            </a:xfrm>
+          </p:grpSpPr>
+          <p:sp>
+            <p:nvSpPr>
+              <p:cNvPr id="1051" name="Rectangle 1050">
+                <a:extLst>
+                  <a:ext uri="{FF2B5EF4-FFF2-40B4-BE49-F238E27FC236}">
+                    <a16:creationId xmlns:a16="http://schemas.microsoft.com/office/drawing/2014/main" id="{BA9C61E8-1579-EAE4-B0F4-DB58D4BEC27D}"/>
+                  </a:ext>
+                </a:extLst>
+              </p:cNvPr>
+              <p:cNvSpPr/>
+              <p:nvPr/>
+            </p:nvSpPr>
+            <p:spPr>
+              <a:xfrm>
+                <a:off x="11026632" y="6771152"/>
+                <a:ext cx="355743" cy="347301"/>
+              </a:xfrm>
+              <a:prstGeom prst="rect">
+                <a:avLst/>
+              </a:prstGeom>
+              <a:solidFill>
+                <a:srgbClr val="F7EEED"/>
+              </a:solidFill>
+              <a:ln w="15875" cap="flat" cmpd="dbl">
+                <a:solidFill>
+                  <a:srgbClr val="FF3A24"/>
+                </a:solidFill>
+                <a:prstDash val="solid"/>
+                <a:round/>
+              </a:ln>
+              <a:effectLst/>
+              <a:sp3d/>
+            </p:spPr>
+            <p:style>
+              <a:lnRef idx="0">
+                <a:scrgbClr r="0" g="0" b="0"/>
+              </a:lnRef>
+              <a:fillRef idx="0">
+                <a:scrgbClr r="0" g="0" b="0"/>
+              </a:fillRef>
+              <a:effectRef idx="0">
+                <a:scrgbClr r="0" g="0" b="0"/>
+              </a:effectRef>
+              <a:fontRef idx="none"/>
+            </p:style>
+            <p:txBody>
+              <a:bodyPr rot="0" spcFirstLastPara="1" vertOverflow="overflow" horzOverflow="overflow" vert="horz" wrap="square" lIns="45718" tIns="45718" rIns="45718" bIns="45718" numCol="1" spcCol="38100" rtlCol="0" anchor="ctr">
+                <a:noAutofit/>
+              </a:bodyPr>
+              <a:lstStyle/>
+              <a:p>
+                <a:pPr hangingPunct="0"/>
+                <a:r>
+                  <a:rPr lang="en-US" sz="525">
+                    <a:solidFill>
+                      <a:srgbClr val="000000"/>
+                    </a:solidFill>
+                    <a:latin typeface="Calibri" panose="020F0502020204030204"/>
+                    <a:sym typeface="Arial"/>
+                  </a:rPr>
+                  <a:t>0.5</a:t>
+                </a:r>
+              </a:p>
+            </p:txBody>
+          </p:sp>
+          <p:sp>
+            <p:nvSpPr>
+              <p:cNvPr id="1052" name="Rectangle 1051">
+                <a:extLst>
+                  <a:ext uri="{FF2B5EF4-FFF2-40B4-BE49-F238E27FC236}">
+                    <a16:creationId xmlns:a16="http://schemas.microsoft.com/office/drawing/2014/main" id="{4D196A1E-5075-B8D4-8BBF-8AB6A5B7E5C8}"/>
+                  </a:ext>
+                </a:extLst>
+              </p:cNvPr>
+              <p:cNvSpPr/>
+              <p:nvPr/>
+            </p:nvSpPr>
+            <p:spPr>
+              <a:xfrm>
+                <a:off x="11426580" y="6771152"/>
+                <a:ext cx="355743" cy="347301"/>
+              </a:xfrm>
+              <a:prstGeom prst="rect">
+                <a:avLst/>
+              </a:prstGeom>
+              <a:solidFill>
+                <a:srgbClr val="F7EEED"/>
+              </a:solidFill>
+              <a:ln w="15875" cap="flat" cmpd="dbl">
+                <a:solidFill>
+                  <a:srgbClr val="FF3A24"/>
+                </a:solidFill>
+                <a:prstDash val="solid"/>
+                <a:round/>
+              </a:ln>
+              <a:effectLst/>
+              <a:sp3d/>
+            </p:spPr>
+            <p:style>
+              <a:lnRef idx="0">
+                <a:scrgbClr r="0" g="0" b="0"/>
+              </a:lnRef>
+              <a:fillRef idx="0">
+                <a:scrgbClr r="0" g="0" b="0"/>
+              </a:fillRef>
+              <a:effectRef idx="0">
+                <a:scrgbClr r="0" g="0" b="0"/>
+              </a:effectRef>
+              <a:fontRef idx="none"/>
+            </p:style>
+            <p:txBody>
+              <a:bodyPr rot="0" spcFirstLastPara="1" vertOverflow="overflow" horzOverflow="overflow" vert="horz" wrap="square" lIns="45718" tIns="45718" rIns="45718" bIns="45718" numCol="1" spcCol="38100" rtlCol="0" anchor="ctr">
+                <a:noAutofit/>
+              </a:bodyPr>
+              <a:lstStyle/>
+              <a:p>
+                <a:pPr hangingPunct="0"/>
+                <a:r>
+                  <a:rPr lang="en-US" sz="525">
+                    <a:solidFill>
+                      <a:srgbClr val="000000"/>
+                    </a:solidFill>
+                    <a:latin typeface="Calibri" panose="020F0502020204030204"/>
+                    <a:sym typeface="Arial"/>
+                  </a:rPr>
+                  <a:t>0.7</a:t>
+                </a:r>
+              </a:p>
+            </p:txBody>
+          </p:sp>
+          <p:sp>
+            <p:nvSpPr>
+              <p:cNvPr id="1053" name="Rectangle 1052">
+                <a:extLst>
+                  <a:ext uri="{FF2B5EF4-FFF2-40B4-BE49-F238E27FC236}">
+                    <a16:creationId xmlns:a16="http://schemas.microsoft.com/office/drawing/2014/main" id="{CD9D9138-A9F2-009F-9DA1-9FA4DD0606B0}"/>
+                  </a:ext>
+                </a:extLst>
+              </p:cNvPr>
+              <p:cNvSpPr/>
+              <p:nvPr/>
+            </p:nvSpPr>
+            <p:spPr>
+              <a:xfrm>
+                <a:off x="11826528" y="6771152"/>
+                <a:ext cx="355743" cy="347301"/>
+              </a:xfrm>
+              <a:prstGeom prst="rect">
+                <a:avLst/>
+              </a:prstGeom>
+              <a:solidFill>
+                <a:srgbClr val="F7EEED"/>
+              </a:solidFill>
+              <a:ln w="15875" cap="flat" cmpd="dbl">
+                <a:solidFill>
+                  <a:srgbClr val="FF3A24"/>
+                </a:solidFill>
+                <a:prstDash val="solid"/>
+                <a:round/>
+              </a:ln>
+              <a:effectLst/>
+              <a:sp3d/>
+            </p:spPr>
+            <p:style>
+              <a:lnRef idx="0">
+                <a:scrgbClr r="0" g="0" b="0"/>
+              </a:lnRef>
+              <a:fillRef idx="0">
+                <a:scrgbClr r="0" g="0" b="0"/>
+              </a:fillRef>
+              <a:effectRef idx="0">
+                <a:scrgbClr r="0" g="0" b="0"/>
+              </a:effectRef>
+              <a:fontRef idx="none"/>
+            </p:style>
+            <p:txBody>
+              <a:bodyPr rot="0" spcFirstLastPara="1" vertOverflow="overflow" horzOverflow="overflow" vert="horz" wrap="square" lIns="45718" tIns="45718" rIns="45718" bIns="45718" numCol="1" spcCol="38100" rtlCol="0" anchor="ctr">
+                <a:noAutofit/>
+              </a:bodyPr>
+              <a:lstStyle/>
+              <a:p>
+                <a:pPr hangingPunct="0"/>
+                <a:r>
+                  <a:rPr lang="en-US" sz="525">
+                    <a:solidFill>
+                      <a:srgbClr val="000000"/>
+                    </a:solidFill>
+                    <a:latin typeface="Calibri" panose="020F0502020204030204"/>
+                    <a:sym typeface="Arial"/>
+                  </a:rPr>
+                  <a:t>0.8</a:t>
+                </a:r>
+              </a:p>
+            </p:txBody>
+          </p:sp>
+          <p:sp>
+            <p:nvSpPr>
+              <p:cNvPr id="1054" name="Rectangle 1053">
+                <a:extLst>
+                  <a:ext uri="{FF2B5EF4-FFF2-40B4-BE49-F238E27FC236}">
+                    <a16:creationId xmlns:a16="http://schemas.microsoft.com/office/drawing/2014/main" id="{804EFC46-2799-D399-CB7B-D5481E68679F}"/>
+                  </a:ext>
+                </a:extLst>
+              </p:cNvPr>
+              <p:cNvSpPr/>
+              <p:nvPr/>
+            </p:nvSpPr>
+            <p:spPr>
+              <a:xfrm>
+                <a:off x="12226476" y="6771152"/>
+                <a:ext cx="355743" cy="347301"/>
+              </a:xfrm>
+              <a:prstGeom prst="rect">
+                <a:avLst/>
+              </a:prstGeom>
+              <a:solidFill>
+                <a:srgbClr val="F7EEED"/>
+              </a:solidFill>
+              <a:ln w="15875" cap="flat" cmpd="dbl">
+                <a:solidFill>
+                  <a:srgbClr val="FF3A24"/>
+                </a:solidFill>
+                <a:prstDash val="solid"/>
+                <a:round/>
+              </a:ln>
+              <a:effectLst/>
+              <a:sp3d/>
+            </p:spPr>
+            <p:style>
+              <a:lnRef idx="0">
+                <a:scrgbClr r="0" g="0" b="0"/>
+              </a:lnRef>
+              <a:fillRef idx="0">
+                <a:scrgbClr r="0" g="0" b="0"/>
+              </a:fillRef>
+              <a:effectRef idx="0">
+                <a:scrgbClr r="0" g="0" b="0"/>
+              </a:effectRef>
+              <a:fontRef idx="none"/>
+            </p:style>
+            <p:txBody>
+              <a:bodyPr rot="0" spcFirstLastPara="1" vertOverflow="overflow" horzOverflow="overflow" vert="horz" wrap="square" lIns="45718" tIns="45718" rIns="45718" bIns="45718" numCol="1" spcCol="38100" rtlCol="0" anchor="ctr">
+                <a:noAutofit/>
+              </a:bodyPr>
+              <a:lstStyle/>
+              <a:p>
+                <a:pPr hangingPunct="0"/>
+                <a:r>
+                  <a:rPr lang="en-US" sz="525">
+                    <a:solidFill>
+                      <a:srgbClr val="000000"/>
+                    </a:solidFill>
+                    <a:latin typeface="Calibri" panose="020F0502020204030204"/>
+                    <a:sym typeface="Arial"/>
+                  </a:rPr>
+                  <a:t>0.3</a:t>
+                </a:r>
+              </a:p>
+            </p:txBody>
+          </p:sp>
+          <p:sp>
+            <p:nvSpPr>
+              <p:cNvPr id="1055" name="Rectangle 1054">
+                <a:extLst>
+                  <a:ext uri="{FF2B5EF4-FFF2-40B4-BE49-F238E27FC236}">
+                    <a16:creationId xmlns:a16="http://schemas.microsoft.com/office/drawing/2014/main" id="{8965FAA0-9577-1DE0-EA78-D28D6DF64C82}"/>
+                  </a:ext>
+                </a:extLst>
+              </p:cNvPr>
+              <p:cNvSpPr/>
+              <p:nvPr/>
+            </p:nvSpPr>
+            <p:spPr>
+              <a:xfrm>
+                <a:off x="12626424" y="6771152"/>
+                <a:ext cx="355743" cy="347301"/>
+              </a:xfrm>
+              <a:prstGeom prst="rect">
+                <a:avLst/>
+              </a:prstGeom>
+              <a:solidFill>
+                <a:srgbClr val="F7EEED"/>
+              </a:solidFill>
+              <a:ln w="15875" cap="flat" cmpd="dbl">
+                <a:solidFill>
+                  <a:srgbClr val="FF3A24"/>
+                </a:solidFill>
+                <a:prstDash val="solid"/>
+                <a:round/>
+              </a:ln>
+              <a:effectLst/>
+              <a:sp3d/>
+            </p:spPr>
+            <p:style>
+              <a:lnRef idx="0">
+                <a:scrgbClr r="0" g="0" b="0"/>
+              </a:lnRef>
+              <a:fillRef idx="0">
+                <a:scrgbClr r="0" g="0" b="0"/>
+              </a:fillRef>
+              <a:effectRef idx="0">
+                <a:scrgbClr r="0" g="0" b="0"/>
+              </a:effectRef>
+              <a:fontRef idx="none"/>
+            </p:style>
+            <p:txBody>
+              <a:bodyPr rot="0" spcFirstLastPara="1" vertOverflow="overflow" horzOverflow="overflow" vert="horz" wrap="square" lIns="45718" tIns="45718" rIns="45718" bIns="45718" numCol="1" spcCol="38100" rtlCol="0" anchor="ctr">
+                <a:noAutofit/>
+              </a:bodyPr>
+              <a:lstStyle/>
+              <a:p>
+                <a:pPr hangingPunct="0"/>
+                <a:r>
+                  <a:rPr lang="en-US" sz="525">
+                    <a:solidFill>
+                      <a:srgbClr val="000000"/>
+                    </a:solidFill>
+                    <a:latin typeface="Calibri" panose="020F0502020204030204"/>
+                    <a:sym typeface="Arial"/>
+                  </a:rPr>
+                  <a:t>0.9</a:t>
+                </a:r>
+              </a:p>
+            </p:txBody>
+          </p:sp>
+          <p:sp>
+            <p:nvSpPr>
+              <p:cNvPr id="1056" name="Rectangle 1055">
+                <a:extLst>
+                  <a:ext uri="{FF2B5EF4-FFF2-40B4-BE49-F238E27FC236}">
+                    <a16:creationId xmlns:a16="http://schemas.microsoft.com/office/drawing/2014/main" id="{3D9D4597-06FB-E845-DA72-4898FBF250DB}"/>
+                  </a:ext>
+                </a:extLst>
+              </p:cNvPr>
+              <p:cNvSpPr/>
+              <p:nvPr/>
+            </p:nvSpPr>
+            <p:spPr>
+              <a:xfrm>
+                <a:off x="11059238" y="6764694"/>
+                <a:ext cx="355743" cy="347301"/>
+              </a:xfrm>
+              <a:prstGeom prst="rect">
+                <a:avLst/>
+              </a:prstGeom>
+              <a:solidFill>
+                <a:srgbClr val="F7EEED"/>
+              </a:solidFill>
+              <a:ln w="15875" cap="flat" cmpd="dbl">
+                <a:solidFill>
+                  <a:srgbClr val="FF3A24"/>
+                </a:solidFill>
+                <a:prstDash val="solid"/>
+                <a:round/>
+              </a:ln>
+              <a:effectLst/>
+              <a:sp3d/>
+            </p:spPr>
+            <p:style>
+              <a:lnRef idx="0">
+                <a:scrgbClr r="0" g="0" b="0"/>
+              </a:lnRef>
+              <a:fillRef idx="0">
+                <a:scrgbClr r="0" g="0" b="0"/>
+              </a:fillRef>
+              <a:effectRef idx="0">
+                <a:scrgbClr r="0" g="0" b="0"/>
+              </a:effectRef>
+              <a:fontRef idx="none"/>
+            </p:style>
+            <p:txBody>
+              <a:bodyPr rot="0" spcFirstLastPara="1" vertOverflow="overflow" horzOverflow="overflow" vert="horz" wrap="square" lIns="45718" tIns="45718" rIns="45718" bIns="45718" numCol="1" spcCol="38100" rtlCol="0" anchor="ctr">
+                <a:noAutofit/>
+              </a:bodyPr>
+              <a:lstStyle/>
+              <a:p>
+                <a:pPr hangingPunct="0"/>
+                <a:r>
+                  <a:rPr lang="en-US" sz="525">
+                    <a:solidFill>
+                      <a:srgbClr val="000000"/>
+                    </a:solidFill>
+                    <a:latin typeface="Calibri" panose="020F0502020204030204"/>
+                    <a:sym typeface="Arial"/>
+                  </a:rPr>
+                  <a:t>0.5</a:t>
+                </a:r>
+              </a:p>
+            </p:txBody>
+          </p:sp>
+          <p:sp>
+            <p:nvSpPr>
+              <p:cNvPr id="1057" name="Rectangle 1056">
+                <a:extLst>
+                  <a:ext uri="{FF2B5EF4-FFF2-40B4-BE49-F238E27FC236}">
+                    <a16:creationId xmlns:a16="http://schemas.microsoft.com/office/drawing/2014/main" id="{F793CDB7-73CD-3FDF-5812-1227FA3AB930}"/>
+                  </a:ext>
+                </a:extLst>
+              </p:cNvPr>
+              <p:cNvSpPr/>
+              <p:nvPr/>
+            </p:nvSpPr>
+            <p:spPr>
+              <a:xfrm>
+                <a:off x="11459186" y="6764694"/>
+                <a:ext cx="355743" cy="347301"/>
+              </a:xfrm>
+              <a:prstGeom prst="rect">
+                <a:avLst/>
+              </a:prstGeom>
+              <a:solidFill>
+                <a:srgbClr val="F7EEED"/>
+              </a:solidFill>
+              <a:ln w="15875" cap="flat" cmpd="dbl">
+                <a:solidFill>
+                  <a:srgbClr val="FF3A24"/>
+                </a:solidFill>
+                <a:prstDash val="solid"/>
+                <a:round/>
+              </a:ln>
+              <a:effectLst/>
+              <a:sp3d/>
+            </p:spPr>
+            <p:style>
+              <a:lnRef idx="0">
+                <a:scrgbClr r="0" g="0" b="0"/>
+              </a:lnRef>
+              <a:fillRef idx="0">
+                <a:scrgbClr r="0" g="0" b="0"/>
+              </a:fillRef>
+              <a:effectRef idx="0">
+                <a:scrgbClr r="0" g="0" b="0"/>
+              </a:effectRef>
+              <a:fontRef idx="none"/>
+            </p:style>
+            <p:txBody>
+              <a:bodyPr rot="0" spcFirstLastPara="1" vertOverflow="overflow" horzOverflow="overflow" vert="horz" wrap="square" lIns="45718" tIns="45718" rIns="45718" bIns="45718" numCol="1" spcCol="38100" rtlCol="0" anchor="ctr">
+                <a:noAutofit/>
+              </a:bodyPr>
+              <a:lstStyle/>
+              <a:p>
+                <a:pPr hangingPunct="0"/>
+                <a:r>
+                  <a:rPr lang="en-US" sz="525">
+                    <a:solidFill>
+                      <a:srgbClr val="000000"/>
+                    </a:solidFill>
+                    <a:latin typeface="Calibri" panose="020F0502020204030204"/>
+                    <a:sym typeface="Arial"/>
+                  </a:rPr>
+                  <a:t>0.7</a:t>
+                </a:r>
+              </a:p>
+            </p:txBody>
+          </p:sp>
+        </p:grpSp>
+        <p:grpSp>
+          <p:nvGrpSpPr>
+            <p:cNvPr id="123" name="Group 122">
+              <a:extLst>
+                <a:ext uri="{FF2B5EF4-FFF2-40B4-BE49-F238E27FC236}">
+                  <a16:creationId xmlns:a16="http://schemas.microsoft.com/office/drawing/2014/main" id="{AFEEE0FA-A38C-059E-122E-5046ED61B684}"/>
+                </a:ext>
+              </a:extLst>
+            </p:cNvPr>
+            <p:cNvGrpSpPr/>
+            <p:nvPr/>
+          </p:nvGrpSpPr>
+          <p:grpSpPr>
+            <a:xfrm>
+              <a:off x="1957719" y="4783126"/>
+              <a:ext cx="977768" cy="200020"/>
+              <a:chOff x="11026632" y="6771152"/>
+              <a:chExt cx="1955535" cy="359063"/>
+            </a:xfrm>
+          </p:grpSpPr>
+          <p:sp>
+            <p:nvSpPr>
+              <p:cNvPr id="1046" name="Rectangle 1045">
+                <a:extLst>
+                  <a:ext uri="{FF2B5EF4-FFF2-40B4-BE49-F238E27FC236}">
+                    <a16:creationId xmlns:a16="http://schemas.microsoft.com/office/drawing/2014/main" id="{82E21D99-5CD1-3784-9177-54503E9074A1}"/>
+                  </a:ext>
+                </a:extLst>
+              </p:cNvPr>
+              <p:cNvSpPr/>
+              <p:nvPr/>
+            </p:nvSpPr>
+            <p:spPr>
+              <a:xfrm>
+                <a:off x="11026632" y="6771152"/>
+                <a:ext cx="355743" cy="347301"/>
+              </a:xfrm>
+              <a:prstGeom prst="rect">
+                <a:avLst/>
+              </a:prstGeom>
+              <a:solidFill>
+                <a:srgbClr val="F7EEED"/>
+              </a:solidFill>
+              <a:ln w="15875" cap="flat" cmpd="dbl">
+                <a:solidFill>
+                  <a:srgbClr val="FF3A24"/>
+                </a:solidFill>
+                <a:prstDash val="solid"/>
+                <a:round/>
+              </a:ln>
+              <a:effectLst/>
+              <a:sp3d/>
+            </p:spPr>
+            <p:style>
+              <a:lnRef idx="0">
+                <a:scrgbClr r="0" g="0" b="0"/>
+              </a:lnRef>
+              <a:fillRef idx="0">
+                <a:scrgbClr r="0" g="0" b="0"/>
+              </a:fillRef>
+              <a:effectRef idx="0">
+                <a:scrgbClr r="0" g="0" b="0"/>
+              </a:effectRef>
+              <a:fontRef idx="none"/>
+            </p:style>
+            <p:txBody>
+              <a:bodyPr rot="0" spcFirstLastPara="1" vertOverflow="overflow" horzOverflow="overflow" vert="horz" wrap="square" lIns="45718" tIns="45718" rIns="45718" bIns="45718" numCol="1" spcCol="38100" rtlCol="0" anchor="ctr">
+                <a:noAutofit/>
+              </a:bodyPr>
+              <a:lstStyle/>
+              <a:p>
+                <a:pPr hangingPunct="0"/>
+                <a:r>
+                  <a:rPr lang="en-US" sz="525">
+                    <a:solidFill>
+                      <a:srgbClr val="000000"/>
+                    </a:solidFill>
+                    <a:latin typeface="Calibri" panose="020F0502020204030204"/>
+                    <a:sym typeface="Arial"/>
+                  </a:rPr>
+                  <a:t>0.5</a:t>
+                </a:r>
+              </a:p>
+            </p:txBody>
+          </p:sp>
+          <p:sp>
+            <p:nvSpPr>
+              <p:cNvPr id="1047" name="Rectangle 1046">
+                <a:extLst>
+                  <a:ext uri="{FF2B5EF4-FFF2-40B4-BE49-F238E27FC236}">
+                    <a16:creationId xmlns:a16="http://schemas.microsoft.com/office/drawing/2014/main" id="{8E44B5D2-119C-3A6C-7033-372346BD9E8C}"/>
+                  </a:ext>
+                </a:extLst>
+              </p:cNvPr>
+              <p:cNvSpPr/>
+              <p:nvPr/>
+            </p:nvSpPr>
+            <p:spPr>
+              <a:xfrm>
+                <a:off x="11426580" y="6771153"/>
+                <a:ext cx="355743" cy="347301"/>
+              </a:xfrm>
+              <a:prstGeom prst="rect">
+                <a:avLst/>
+              </a:prstGeom>
+              <a:solidFill>
+                <a:srgbClr val="F7EEED"/>
+              </a:solidFill>
+              <a:ln w="15875" cap="flat" cmpd="dbl">
+                <a:solidFill>
+                  <a:srgbClr val="FF3A24"/>
+                </a:solidFill>
+                <a:prstDash val="solid"/>
+                <a:round/>
+              </a:ln>
+              <a:effectLst/>
+              <a:sp3d/>
+            </p:spPr>
+            <p:style>
+              <a:lnRef idx="0">
+                <a:scrgbClr r="0" g="0" b="0"/>
+              </a:lnRef>
+              <a:fillRef idx="0">
+                <a:scrgbClr r="0" g="0" b="0"/>
+              </a:fillRef>
+              <a:effectRef idx="0">
+                <a:scrgbClr r="0" g="0" b="0"/>
+              </a:effectRef>
+              <a:fontRef idx="none"/>
+            </p:style>
+            <p:txBody>
+              <a:bodyPr rot="0" spcFirstLastPara="1" vertOverflow="overflow" horzOverflow="overflow" vert="horz" wrap="square" lIns="45718" tIns="45718" rIns="45718" bIns="45718" numCol="1" spcCol="38100" rtlCol="0" anchor="ctr">
+                <a:noAutofit/>
+              </a:bodyPr>
+              <a:lstStyle/>
+              <a:p>
+                <a:pPr hangingPunct="0"/>
+                <a:r>
+                  <a:rPr lang="en-US" sz="525">
+                    <a:solidFill>
+                      <a:srgbClr val="000000"/>
+                    </a:solidFill>
+                    <a:latin typeface="Calibri" panose="020F0502020204030204"/>
+                    <a:sym typeface="Arial"/>
+                  </a:rPr>
+                  <a:t>0.7</a:t>
+                </a:r>
+              </a:p>
+            </p:txBody>
+          </p:sp>
+          <p:sp>
+            <p:nvSpPr>
+              <p:cNvPr id="1048" name="Rectangle 1047">
+                <a:extLst>
+                  <a:ext uri="{FF2B5EF4-FFF2-40B4-BE49-F238E27FC236}">
+                    <a16:creationId xmlns:a16="http://schemas.microsoft.com/office/drawing/2014/main" id="{24DE67AB-E373-C8C9-3C0E-EC3A4844768B}"/>
+                  </a:ext>
+                </a:extLst>
+              </p:cNvPr>
+              <p:cNvSpPr/>
+              <p:nvPr/>
+            </p:nvSpPr>
+            <p:spPr>
+              <a:xfrm>
+                <a:off x="11826528" y="6771152"/>
+                <a:ext cx="355743" cy="347301"/>
+              </a:xfrm>
+              <a:prstGeom prst="rect">
+                <a:avLst/>
+              </a:prstGeom>
+              <a:solidFill>
+                <a:srgbClr val="F7EEED"/>
+              </a:solidFill>
+              <a:ln w="15875" cap="flat" cmpd="dbl">
+                <a:solidFill>
+                  <a:srgbClr val="FF3A24"/>
+                </a:solidFill>
+                <a:prstDash val="solid"/>
+                <a:round/>
+              </a:ln>
+              <a:effectLst/>
+              <a:sp3d/>
+            </p:spPr>
+            <p:style>
+              <a:lnRef idx="0">
+                <a:scrgbClr r="0" g="0" b="0"/>
+              </a:lnRef>
+              <a:fillRef idx="0">
+                <a:scrgbClr r="0" g="0" b="0"/>
+              </a:fillRef>
+              <a:effectRef idx="0">
+                <a:scrgbClr r="0" g="0" b="0"/>
+              </a:effectRef>
+              <a:fontRef idx="none"/>
+            </p:style>
+            <p:txBody>
+              <a:bodyPr rot="0" spcFirstLastPara="1" vertOverflow="overflow" horzOverflow="overflow" vert="horz" wrap="square" lIns="45718" tIns="45718" rIns="45718" bIns="45718" numCol="1" spcCol="38100" rtlCol="0" anchor="ctr">
+                <a:noAutofit/>
+              </a:bodyPr>
+              <a:lstStyle/>
+              <a:p>
+                <a:pPr hangingPunct="0"/>
+                <a:r>
+                  <a:rPr lang="en-US" sz="525">
+                    <a:solidFill>
+                      <a:srgbClr val="000000"/>
+                    </a:solidFill>
+                    <a:latin typeface="Calibri" panose="020F0502020204030204"/>
+                    <a:sym typeface="Arial"/>
+                  </a:rPr>
+                  <a:t>0.8</a:t>
+                </a:r>
+              </a:p>
+            </p:txBody>
+          </p:sp>
+          <p:sp>
+            <p:nvSpPr>
+              <p:cNvPr id="1049" name="Rectangle 1048">
+                <a:extLst>
+                  <a:ext uri="{FF2B5EF4-FFF2-40B4-BE49-F238E27FC236}">
+                    <a16:creationId xmlns:a16="http://schemas.microsoft.com/office/drawing/2014/main" id="{0C3DE5A7-2BC6-CF71-3C7A-4C003EF83D07}"/>
+                  </a:ext>
+                </a:extLst>
+              </p:cNvPr>
+              <p:cNvSpPr/>
+              <p:nvPr/>
+            </p:nvSpPr>
+            <p:spPr>
+              <a:xfrm>
+                <a:off x="12226475" y="6782914"/>
+                <a:ext cx="355744" cy="347301"/>
+              </a:xfrm>
+              <a:prstGeom prst="rect">
+                <a:avLst/>
+              </a:prstGeom>
+              <a:solidFill>
+                <a:srgbClr val="F7EEED"/>
+              </a:solidFill>
+              <a:ln w="15875" cap="flat" cmpd="dbl">
+                <a:solidFill>
+                  <a:srgbClr val="FF3A24"/>
+                </a:solidFill>
+                <a:prstDash val="solid"/>
+                <a:round/>
+              </a:ln>
+              <a:effectLst/>
+              <a:sp3d/>
+            </p:spPr>
+            <p:style>
+              <a:lnRef idx="0">
+                <a:scrgbClr r="0" g="0" b="0"/>
+              </a:lnRef>
+              <a:fillRef idx="0">
+                <a:scrgbClr r="0" g="0" b="0"/>
+              </a:fillRef>
+              <a:effectRef idx="0">
+                <a:scrgbClr r="0" g="0" b="0"/>
+              </a:effectRef>
+              <a:fontRef idx="none"/>
+            </p:style>
+            <p:txBody>
+              <a:bodyPr rot="0" spcFirstLastPara="1" vertOverflow="overflow" horzOverflow="overflow" vert="horz" wrap="square" lIns="45718" tIns="45718" rIns="45718" bIns="45718" numCol="1" spcCol="38100" rtlCol="0" anchor="ctr">
+                <a:noAutofit/>
+              </a:bodyPr>
+              <a:lstStyle/>
+              <a:p>
+                <a:pPr hangingPunct="0"/>
+                <a:r>
+                  <a:rPr lang="en-US" sz="525">
+                    <a:solidFill>
+                      <a:srgbClr val="000000"/>
+                    </a:solidFill>
+                    <a:latin typeface="Calibri" panose="020F0502020204030204"/>
+                    <a:sym typeface="Arial"/>
+                  </a:rPr>
+                  <a:t>0.3</a:t>
+                </a:r>
+              </a:p>
+            </p:txBody>
+          </p:sp>
+          <p:sp>
+            <p:nvSpPr>
+              <p:cNvPr id="1050" name="Rectangle 1049">
+                <a:extLst>
+                  <a:ext uri="{FF2B5EF4-FFF2-40B4-BE49-F238E27FC236}">
+                    <a16:creationId xmlns:a16="http://schemas.microsoft.com/office/drawing/2014/main" id="{8FDDA310-1226-98BF-9706-946533420193}"/>
+                  </a:ext>
+                </a:extLst>
+              </p:cNvPr>
+              <p:cNvSpPr/>
+              <p:nvPr/>
+            </p:nvSpPr>
+            <p:spPr>
+              <a:xfrm>
+                <a:off x="12626424" y="6771152"/>
+                <a:ext cx="355743" cy="347301"/>
+              </a:xfrm>
+              <a:prstGeom prst="rect">
+                <a:avLst/>
+              </a:prstGeom>
+              <a:solidFill>
+                <a:srgbClr val="F7EEED"/>
+              </a:solidFill>
+              <a:ln w="15875" cap="flat" cmpd="dbl">
+                <a:solidFill>
+                  <a:srgbClr val="FF3A24"/>
+                </a:solidFill>
+                <a:prstDash val="solid"/>
+                <a:round/>
+              </a:ln>
+              <a:effectLst/>
+              <a:sp3d/>
+            </p:spPr>
+            <p:style>
+              <a:lnRef idx="0">
+                <a:scrgbClr r="0" g="0" b="0"/>
+              </a:lnRef>
+              <a:fillRef idx="0">
+                <a:scrgbClr r="0" g="0" b="0"/>
+              </a:fillRef>
+              <a:effectRef idx="0">
+                <a:scrgbClr r="0" g="0" b="0"/>
+              </a:effectRef>
+              <a:fontRef idx="none"/>
+            </p:style>
+            <p:txBody>
+              <a:bodyPr rot="0" spcFirstLastPara="1" vertOverflow="overflow" horzOverflow="overflow" vert="horz" wrap="square" lIns="45718" tIns="45718" rIns="45718" bIns="45718" numCol="1" spcCol="38100" rtlCol="0" anchor="ctr">
+                <a:noAutofit/>
+              </a:bodyPr>
+              <a:lstStyle/>
+              <a:p>
+                <a:pPr hangingPunct="0"/>
+                <a:r>
+                  <a:rPr lang="en-US" sz="525">
+                    <a:solidFill>
+                      <a:srgbClr val="000000"/>
+                    </a:solidFill>
+                    <a:latin typeface="Calibri" panose="020F0502020204030204"/>
+                    <a:sym typeface="Arial"/>
+                  </a:rPr>
+                  <a:t>0.9</a:t>
+                </a:r>
+              </a:p>
+            </p:txBody>
+          </p:sp>
+        </p:grpSp>
+        <p:sp>
+          <p:nvSpPr>
+            <p:cNvPr id="1058" name="Rectangle 1057">
+              <a:extLst>
+                <a:ext uri="{FF2B5EF4-FFF2-40B4-BE49-F238E27FC236}">
+                  <a16:creationId xmlns:a16="http://schemas.microsoft.com/office/drawing/2014/main" id="{B7830085-FDCA-3AC7-1249-F13336605B7A}"/>
+                </a:ext>
+              </a:extLst>
+            </p:cNvPr>
+            <p:cNvSpPr/>
+            <p:nvPr/>
+          </p:nvSpPr>
+          <p:spPr>
+            <a:xfrm>
+              <a:off x="1761015" y="4594313"/>
+              <a:ext cx="1308259" cy="512323"/>
+            </a:xfrm>
+            <a:prstGeom prst="rect">
+              <a:avLst/>
+            </a:prstGeom>
+            <a:noFill/>
+            <a:ln w="15875" cap="flat" cmpd="dbl">
+              <a:solidFill>
+                <a:srgbClr val="FF3A24"/>
+              </a:solidFill>
+              <a:prstDash val="solid"/>
+              <a:round/>
+            </a:ln>
+            <a:effectLst/>
+            <a:sp3d/>
+          </p:spPr>
+          <p:style>
+            <a:lnRef idx="0">
+              <a:scrgbClr r="0" g="0" b="0"/>
+            </a:lnRef>
+            <a:fillRef idx="0">
+              <a:scrgbClr r="0" g="0" b="0"/>
+            </a:fillRef>
+            <a:effectRef idx="0">
+              <a:scrgbClr r="0" g="0" b="0"/>
+            </a:effectRef>
+            <a:fontRef idx="none"/>
+          </p:style>
+          <p:txBody>
+            <a:bodyPr rot="0" spcFirstLastPara="1" vertOverflow="overflow" horzOverflow="overflow" vert="horz" wrap="square" lIns="45718" tIns="45718" rIns="45718" bIns="45718" numCol="1" spcCol="38100" rtlCol="0" anchor="ctr">
+              <a:noAutofit/>
+            </a:bodyPr>
+            <a:lstStyle/>
+            <a:p>
+              <a:pPr hangingPunct="0"/>
+              <a:endParaRPr lang="en-US" sz="1100">
+                <a:solidFill>
+                  <a:srgbClr val="000000"/>
+                </a:solidFill>
+                <a:latin typeface="Calibri" panose="020F0502020204030204"/>
+                <a:sym typeface="Arial"/>
+              </a:endParaRPr>
+            </a:p>
+          </p:txBody>
+        </p:sp>
+      </p:grpSp>
+      <p:sp>
+        <p:nvSpPr>
+          <p:cNvPr id="1060" name="TextBox 1059">
+            <a:extLst>
+              <a:ext uri="{FF2B5EF4-FFF2-40B4-BE49-F238E27FC236}">
+                <a16:creationId xmlns:a16="http://schemas.microsoft.com/office/drawing/2014/main" id="{4ABDE922-EF24-76B2-E84C-19AA45F9E96A}"/>
+              </a:ext>
+            </a:extLst>
+          </p:cNvPr>
+          <p:cNvSpPr txBox="1"/>
+          <p:nvPr/>
+        </p:nvSpPr>
+        <p:spPr>
+          <a:xfrm>
+            <a:off x="1709113" y="5297310"/>
+            <a:ext cx="1196918" cy="193468"/>
+          </a:xfrm>
+          <a:prstGeom prst="rect">
+            <a:avLst/>
+          </a:prstGeom>
+          <a:noFill/>
+          <a:effectLst/>
+        </p:spPr>
+        <p:txBody>
+          <a:bodyPr wrap="square">
+            <a:noAutofit/>
+          </a:bodyPr>
+          <a:lstStyle/>
+          <a:p>
+            <a:pPr algn="ctr" defTabSz="457200"/>
+            <a:r>
+              <a:rPr lang="en-US" sz="900" dirty="0">
+                <a:solidFill>
+                  <a:prstClr val="black">
+                    <a:lumMod val="85000"/>
+                    <a:lumOff val="15000"/>
+                  </a:prstClr>
+                </a:solidFill>
+                <a:latin typeface="Work Sans Medium" pitchFamily="2" charset="0"/>
+              </a:rPr>
+              <a:t>Embeddings</a:t>
+            </a:r>
+          </a:p>
+        </p:txBody>
+      </p:sp>
+      <p:sp>
+        <p:nvSpPr>
+          <p:cNvPr id="1061" name="Rectangle 1060">
+            <a:extLst>
+              <a:ext uri="{FF2B5EF4-FFF2-40B4-BE49-F238E27FC236}">
+                <a16:creationId xmlns:a16="http://schemas.microsoft.com/office/drawing/2014/main" id="{61241D7D-716C-7056-D97C-E2021DF78C76}"/>
+              </a:ext>
+            </a:extLst>
+          </p:cNvPr>
+          <p:cNvSpPr/>
+          <p:nvPr/>
+        </p:nvSpPr>
+        <p:spPr>
+          <a:xfrm>
+            <a:off x="3328051" y="4723129"/>
+            <a:ext cx="989889" cy="529951"/>
+          </a:xfrm>
+          <a:prstGeom prst="rect">
+            <a:avLst/>
+          </a:prstGeom>
+          <a:noFill/>
+          <a:ln w="15875" cap="flat" cmpd="dbl">
+            <a:solidFill>
+              <a:srgbClr val="FF3A24"/>
+            </a:solidFill>
+            <a:prstDash val="solid"/>
+            <a:round/>
+          </a:ln>
+          <a:effectLst/>
+          <a:sp3d/>
+        </p:spPr>
+        <p:style>
+          <a:lnRef idx="0">
+            <a:scrgbClr r="0" g="0" b="0"/>
+          </a:lnRef>
+          <a:fillRef idx="0">
+            <a:scrgbClr r="0" g="0" b="0"/>
+          </a:fillRef>
+          <a:effectRef idx="0">
+            <a:scrgbClr r="0" g="0" b="0"/>
+          </a:effectRef>
+          <a:fontRef idx="none"/>
+        </p:style>
+        <p:txBody>
+          <a:bodyPr rot="0" spcFirstLastPara="1" vertOverflow="overflow" horzOverflow="overflow" vert="horz" wrap="square" lIns="45718" tIns="45718" rIns="45718" bIns="45718" numCol="1" spcCol="38100" rtlCol="0" anchor="ctr">
+            <a:noAutofit/>
+          </a:bodyPr>
+          <a:lstStyle/>
+          <a:p>
+            <a:pPr hangingPunct="0"/>
+            <a:endParaRPr lang="en-US" sz="1100">
+              <a:solidFill>
+                <a:srgbClr val="000000"/>
+              </a:solidFill>
+              <a:latin typeface="Calibri" panose="020F0502020204030204"/>
+              <a:sym typeface="Arial"/>
+            </a:endParaRPr>
+          </a:p>
+        </p:txBody>
+      </p:sp>
+      <p:sp>
+        <p:nvSpPr>
+          <p:cNvPr id="1062" name="TextBox 1061">
+            <a:extLst>
+              <a:ext uri="{FF2B5EF4-FFF2-40B4-BE49-F238E27FC236}">
+                <a16:creationId xmlns:a16="http://schemas.microsoft.com/office/drawing/2014/main" id="{F59CC4C8-4FC7-69A3-7AAE-4BA0AE8E4C34}"/>
+              </a:ext>
+            </a:extLst>
+          </p:cNvPr>
+          <p:cNvSpPr txBox="1"/>
+          <p:nvPr/>
+        </p:nvSpPr>
+        <p:spPr>
+          <a:xfrm>
+            <a:off x="3339087" y="4874671"/>
+            <a:ext cx="976577" cy="207342"/>
+          </a:xfrm>
+          <a:prstGeom prst="rect">
+            <a:avLst/>
+          </a:prstGeom>
+          <a:noFill/>
+          <a:effectLst/>
+        </p:spPr>
+        <p:txBody>
+          <a:bodyPr wrap="square">
+            <a:noAutofit/>
+          </a:bodyPr>
+          <a:lstStyle/>
+          <a:p>
+            <a:pPr algn="ctr" defTabSz="457200"/>
+            <a:r>
+              <a:rPr lang="en-US" sz="900" dirty="0">
+                <a:solidFill>
+                  <a:prstClr val="black">
+                    <a:lumMod val="85000"/>
+                    <a:lumOff val="15000"/>
+                  </a:prstClr>
+                </a:solidFill>
+                <a:latin typeface="Work Sans Medium" pitchFamily="2" charset="0"/>
+              </a:rPr>
+              <a:t>RAG Retriever</a:t>
+            </a:r>
+          </a:p>
+        </p:txBody>
+      </p:sp>
+      <p:sp>
+        <p:nvSpPr>
+          <p:cNvPr id="1064" name="Arrow: Right 19">
+            <a:extLst>
+              <a:ext uri="{FF2B5EF4-FFF2-40B4-BE49-F238E27FC236}">
+                <a16:creationId xmlns:a16="http://schemas.microsoft.com/office/drawing/2014/main" id="{450C0D7B-ED5E-E7B9-9F39-623EFF806D75}"/>
+              </a:ext>
+            </a:extLst>
+          </p:cNvPr>
+          <p:cNvSpPr/>
+          <p:nvPr/>
+        </p:nvSpPr>
+        <p:spPr>
+          <a:xfrm>
+            <a:off x="3091764" y="4858691"/>
+            <a:ext cx="208107" cy="254689"/>
+          </a:xfrm>
+          <a:prstGeom prst="rightArrow">
+            <a:avLst/>
+          </a:prstGeom>
+          <a:solidFill>
+            <a:schemeClr val="bg1">
+              <a:lumMod val="75000"/>
+            </a:schemeClr>
+          </a:solidFill>
+          <a:ln>
+            <a:noFill/>
+          </a:ln>
+        </p:spPr>
+        <p:style>
+          <a:lnRef idx="2">
+            <a:schemeClr val="accent1">
+              <a:shade val="50000"/>
+            </a:schemeClr>
+          </a:lnRef>
+          <a:fillRef idx="1">
+            <a:schemeClr val="accent1"/>
+          </a:fillRef>
+          <a:effectRef idx="0">
+            <a:schemeClr val="accent1"/>
+          </a:effectRef>
+          <a:fontRef idx="minor">
+            <a:schemeClr val="lt1"/>
+          </a:fontRef>
+        </p:style>
+        <p:txBody>
+          <a:bodyPr rtlCol="0" anchor="ctr"/>
+          <a:lstStyle/>
+          <a:p>
+            <a:pPr algn="ctr" defTabSz="457200">
+              <a:lnSpc>
+                <a:spcPct val="107000"/>
+              </a:lnSpc>
+              <a:spcBef>
+                <a:spcPts val="500"/>
+              </a:spcBef>
+              <a:spcAft>
+                <a:spcPts val="400"/>
+              </a:spcAft>
+            </a:pPr>
+            <a:endParaRPr lang="en-US" sz="475">
+              <a:solidFill>
+                <a:prstClr val="white"/>
+              </a:solidFill>
+              <a:latin typeface="Work Sans Light" pitchFamily="2" charset="77"/>
+            </a:endParaRPr>
+          </a:p>
+        </p:txBody>
+      </p:sp>
+      <p:sp>
+        <p:nvSpPr>
+          <p:cNvPr id="1065" name="Arrow: Right 19">
+            <a:extLst>
+              <a:ext uri="{FF2B5EF4-FFF2-40B4-BE49-F238E27FC236}">
+                <a16:creationId xmlns:a16="http://schemas.microsoft.com/office/drawing/2014/main" id="{51FEB310-4234-5BDA-D1F0-4D47835A9957}"/>
+              </a:ext>
+            </a:extLst>
+          </p:cNvPr>
+          <p:cNvSpPr/>
+          <p:nvPr/>
+        </p:nvSpPr>
+        <p:spPr>
+          <a:xfrm>
+            <a:off x="4396146" y="4858691"/>
+            <a:ext cx="208107" cy="254689"/>
+          </a:xfrm>
+          <a:prstGeom prst="rightArrow">
+            <a:avLst/>
+          </a:prstGeom>
+          <a:solidFill>
+            <a:schemeClr val="bg1">
+              <a:lumMod val="75000"/>
+            </a:schemeClr>
+          </a:solidFill>
+          <a:ln>
+            <a:noFill/>
+          </a:ln>
+        </p:spPr>
+        <p:style>
+          <a:lnRef idx="2">
+            <a:schemeClr val="accent1">
+              <a:shade val="50000"/>
+            </a:schemeClr>
+          </a:lnRef>
+          <a:fillRef idx="1">
+            <a:schemeClr val="accent1"/>
+          </a:fillRef>
+          <a:effectRef idx="0">
+            <a:schemeClr val="accent1"/>
+          </a:effectRef>
+          <a:fontRef idx="minor">
+            <a:schemeClr val="lt1"/>
+          </a:fontRef>
+        </p:style>
+        <p:txBody>
+          <a:bodyPr rtlCol="0" anchor="ctr"/>
+          <a:lstStyle/>
+          <a:p>
+            <a:pPr algn="ctr" defTabSz="457200">
+              <a:lnSpc>
+                <a:spcPct val="107000"/>
+              </a:lnSpc>
+              <a:spcBef>
+                <a:spcPts val="500"/>
+              </a:spcBef>
+              <a:spcAft>
+                <a:spcPts val="400"/>
+              </a:spcAft>
+            </a:pPr>
+            <a:endParaRPr lang="en-US" sz="475">
+              <a:solidFill>
+                <a:prstClr val="white"/>
+              </a:solidFill>
+              <a:latin typeface="Work Sans Light" pitchFamily="2" charset="77"/>
+            </a:endParaRPr>
+          </a:p>
+        </p:txBody>
+      </p:sp>
+      <p:sp>
+        <p:nvSpPr>
+          <p:cNvPr id="1067" name="Rectangle 1066">
+            <a:extLst>
+              <a:ext uri="{FF2B5EF4-FFF2-40B4-BE49-F238E27FC236}">
+                <a16:creationId xmlns:a16="http://schemas.microsoft.com/office/drawing/2014/main" id="{AA122812-1711-04D9-E31F-88BC4E16C049}"/>
+              </a:ext>
+            </a:extLst>
+          </p:cNvPr>
+          <p:cNvSpPr/>
+          <p:nvPr/>
+        </p:nvSpPr>
+        <p:spPr>
+          <a:xfrm>
+            <a:off x="4682459" y="4622820"/>
+            <a:ext cx="738612" cy="641007"/>
+          </a:xfrm>
+          <a:prstGeom prst="rect">
+            <a:avLst/>
+          </a:prstGeom>
+          <a:noFill/>
+          <a:ln w="15875" cap="flat" cmpd="dbl">
+            <a:solidFill>
+              <a:srgbClr val="FF3A24"/>
+            </a:solidFill>
+            <a:prstDash val="solid"/>
+            <a:round/>
+          </a:ln>
+          <a:effectLst/>
+          <a:sp3d/>
+        </p:spPr>
+        <p:style>
+          <a:lnRef idx="0">
+            <a:scrgbClr r="0" g="0" b="0"/>
+          </a:lnRef>
+          <a:fillRef idx="0">
+            <a:scrgbClr r="0" g="0" b="0"/>
+          </a:fillRef>
+          <a:effectRef idx="0">
+            <a:scrgbClr r="0" g="0" b="0"/>
+          </a:effectRef>
+          <a:fontRef idx="none"/>
+        </p:style>
+        <p:txBody>
+          <a:bodyPr rot="0" spcFirstLastPara="1" vertOverflow="overflow" horzOverflow="overflow" vert="horz" wrap="square" lIns="45718" tIns="45718" rIns="45718" bIns="45718" numCol="1" spcCol="38100" rtlCol="0" anchor="ctr">
+            <a:noAutofit/>
+          </a:bodyPr>
+          <a:lstStyle/>
+          <a:p>
+            <a:pPr hangingPunct="0"/>
+            <a:endParaRPr lang="en-US" sz="1100">
+              <a:solidFill>
+                <a:srgbClr val="000000"/>
+              </a:solidFill>
+              <a:latin typeface="Calibri" panose="020F0502020204030204"/>
+              <a:sym typeface="Arial"/>
+            </a:endParaRPr>
+          </a:p>
+        </p:txBody>
+      </p:sp>
+      <p:sp>
+        <p:nvSpPr>
+          <p:cNvPr id="1069" name="Arrow: Right 19">
+            <a:extLst>
+              <a:ext uri="{FF2B5EF4-FFF2-40B4-BE49-F238E27FC236}">
+                <a16:creationId xmlns:a16="http://schemas.microsoft.com/office/drawing/2014/main" id="{05DB3A04-7BE8-4C7F-6BCE-78FA478B8892}"/>
+              </a:ext>
+            </a:extLst>
+          </p:cNvPr>
+          <p:cNvSpPr/>
+          <p:nvPr/>
+        </p:nvSpPr>
+        <p:spPr>
+          <a:xfrm>
+            <a:off x="5505917" y="4859069"/>
+            <a:ext cx="208107" cy="254689"/>
+          </a:xfrm>
+          <a:prstGeom prst="rightArrow">
+            <a:avLst/>
+          </a:prstGeom>
+          <a:solidFill>
+            <a:schemeClr val="bg1">
+              <a:lumMod val="75000"/>
+            </a:schemeClr>
+          </a:solidFill>
+          <a:ln>
+            <a:noFill/>
+          </a:ln>
+        </p:spPr>
+        <p:style>
+          <a:lnRef idx="2">
+            <a:schemeClr val="accent1">
+              <a:shade val="50000"/>
+            </a:schemeClr>
+          </a:lnRef>
+          <a:fillRef idx="1">
+            <a:schemeClr val="accent1"/>
+          </a:fillRef>
+          <a:effectRef idx="0">
+            <a:schemeClr val="accent1"/>
+          </a:effectRef>
+          <a:fontRef idx="minor">
+            <a:schemeClr val="lt1"/>
+          </a:fontRef>
+        </p:style>
+        <p:txBody>
+          <a:bodyPr rtlCol="0" anchor="ctr"/>
+          <a:lstStyle/>
+          <a:p>
+            <a:pPr algn="ctr" defTabSz="457200">
+              <a:lnSpc>
+                <a:spcPct val="107000"/>
+              </a:lnSpc>
+              <a:spcBef>
+                <a:spcPts val="500"/>
+              </a:spcBef>
+              <a:spcAft>
+                <a:spcPts val="400"/>
+              </a:spcAft>
+            </a:pPr>
+            <a:endParaRPr lang="en-US" sz="475">
+              <a:solidFill>
+                <a:prstClr val="white"/>
+              </a:solidFill>
+              <a:latin typeface="Work Sans Light" pitchFamily="2" charset="77"/>
+            </a:endParaRPr>
+          </a:p>
+        </p:txBody>
+      </p:sp>
+      <p:pic>
+        <p:nvPicPr>
+          <p:cNvPr id="1070" name="Picture 1069" descr="A black background with a black square&#10;&#10;Description automatically generated with medium confidence">
+            <a:extLst>
+              <a:ext uri="{FF2B5EF4-FFF2-40B4-BE49-F238E27FC236}">
+                <a16:creationId xmlns:a16="http://schemas.microsoft.com/office/drawing/2014/main" id="{DF456BDB-86AF-00E7-EF64-35B26622DC56}"/>
+              </a:ext>
+            </a:extLst>
+          </p:cNvPr>
+          <p:cNvPicPr>
+            <a:picLocks noChangeAspect="1"/>
+          </p:cNvPicPr>
+          <p:nvPr/>
+        </p:nvPicPr>
+        <p:blipFill>
+          <a:blip r:embed="rId7">
+            <a:extLst>
+              <a:ext uri="{28A0092B-C50C-407E-A947-70E740481C1C}">
+                <a14:useLocalDpi xmlns:a14="http://schemas.microsoft.com/office/drawing/2010/main" val="0"/>
+              </a:ext>
+            </a:extLst>
+          </a:blip>
+          <a:stretch>
+            <a:fillRect/>
+          </a:stretch>
+        </p:blipFill>
+        <p:spPr>
+          <a:xfrm>
+            <a:off x="4809130" y="4681421"/>
+            <a:ext cx="483504" cy="538683"/>
+          </a:xfrm>
+          <a:prstGeom prst="rect">
+            <a:avLst/>
+          </a:prstGeom>
+        </p:spPr>
+      </p:pic>
+      <p:sp>
+        <p:nvSpPr>
+          <p:cNvPr id="1079" name="TextBox 1078">
+            <a:extLst>
+              <a:ext uri="{FF2B5EF4-FFF2-40B4-BE49-F238E27FC236}">
+                <a16:creationId xmlns:a16="http://schemas.microsoft.com/office/drawing/2014/main" id="{A7502E26-76AC-DD52-872E-50E3F3A0DDB5}"/>
+              </a:ext>
+            </a:extLst>
+          </p:cNvPr>
+          <p:cNvSpPr txBox="1"/>
+          <p:nvPr/>
+        </p:nvSpPr>
+        <p:spPr>
+          <a:xfrm>
+            <a:off x="4147194" y="4132373"/>
+            <a:ext cx="1196918" cy="348302"/>
+          </a:xfrm>
+          <a:prstGeom prst="rect">
+            <a:avLst/>
+          </a:prstGeom>
+          <a:noFill/>
+          <a:effectLst/>
+        </p:spPr>
+        <p:txBody>
+          <a:bodyPr wrap="square">
+            <a:noAutofit/>
+          </a:bodyPr>
+          <a:lstStyle/>
+          <a:p>
+            <a:pPr algn="ctr" defTabSz="457200"/>
+            <a:r>
+              <a:rPr lang="en-US" sz="900" dirty="0">
+                <a:solidFill>
+                  <a:prstClr val="black">
+                    <a:lumMod val="85000"/>
+                    <a:lumOff val="15000"/>
+                  </a:prstClr>
+                </a:solidFill>
+                <a:latin typeface="Work Sans Medium" pitchFamily="2" charset="0"/>
+              </a:rPr>
+              <a:t>Retrieve </a:t>
+            </a:r>
+          </a:p>
+          <a:p>
+            <a:pPr algn="ctr" defTabSz="457200"/>
+            <a:r>
+              <a:rPr lang="en-US" sz="900" dirty="0">
+                <a:solidFill>
+                  <a:prstClr val="black">
+                    <a:lumMod val="85000"/>
+                    <a:lumOff val="15000"/>
+                  </a:prstClr>
+                </a:solidFill>
+                <a:latin typeface="Work Sans Medium" pitchFamily="2" charset="0"/>
+              </a:rPr>
+              <a:t>  Contextual Data </a:t>
+            </a:r>
+          </a:p>
+        </p:txBody>
+      </p:sp>
+      <p:sp>
+        <p:nvSpPr>
+          <p:cNvPr id="1082" name="TextBox 1081">
+            <a:extLst>
+              <a:ext uri="{FF2B5EF4-FFF2-40B4-BE49-F238E27FC236}">
+                <a16:creationId xmlns:a16="http://schemas.microsoft.com/office/drawing/2014/main" id="{E9ABCE05-F899-4A2F-7473-DD59264F6386}"/>
+              </a:ext>
+            </a:extLst>
+          </p:cNvPr>
+          <p:cNvSpPr txBox="1"/>
+          <p:nvPr/>
+        </p:nvSpPr>
+        <p:spPr>
+          <a:xfrm>
+            <a:off x="4127584" y="5329483"/>
+            <a:ext cx="1937046" cy="348302"/>
+          </a:xfrm>
+          <a:prstGeom prst="rect">
+            <a:avLst/>
+          </a:prstGeom>
+          <a:noFill/>
+          <a:effectLst/>
+        </p:spPr>
+        <p:txBody>
+          <a:bodyPr wrap="square">
+            <a:noAutofit/>
+          </a:bodyPr>
+          <a:lstStyle/>
+          <a:p>
+            <a:pPr algn="ctr" defTabSz="457200"/>
+            <a:r>
+              <a:rPr lang="en-US" sz="900" dirty="0">
+                <a:solidFill>
+                  <a:prstClr val="black">
+                    <a:lumMod val="85000"/>
+                    <a:lumOff val="15000"/>
+                  </a:prstClr>
+                </a:solidFill>
+                <a:latin typeface="Work Sans Medium" pitchFamily="2" charset="0"/>
+              </a:rPr>
+              <a:t>LLM will process the contextual data and user query to get the best answer</a:t>
+            </a:r>
+          </a:p>
+        </p:txBody>
+      </p:sp>
+      <p:pic>
+        <p:nvPicPr>
+          <p:cNvPr id="1026" name="Picture 2">
+            <a:extLst>
+              <a:ext uri="{FF2B5EF4-FFF2-40B4-BE49-F238E27FC236}">
+                <a16:creationId xmlns:a16="http://schemas.microsoft.com/office/drawing/2014/main" id="{F7CEAC92-DA6A-AA9D-E699-706CE6D9DA83}"/>
+              </a:ext>
+            </a:extLst>
+          </p:cNvPr>
+          <p:cNvPicPr>
+            <a:picLocks noChangeAspect="1" noChangeArrowheads="1"/>
+          </p:cNvPicPr>
+          <p:nvPr/>
+        </p:nvPicPr>
+        <p:blipFill>
+          <a:blip r:embed="rId8">
+            <a:extLst>
+              <a:ext uri="{28A0092B-C50C-407E-A947-70E740481C1C}">
+                <a14:useLocalDpi xmlns:a14="http://schemas.microsoft.com/office/drawing/2010/main" val="0"/>
+              </a:ext>
+            </a:extLst>
+          </a:blip>
+          <a:srcRect/>
+          <a:stretch>
+            <a:fillRect/>
+          </a:stretch>
+        </p:blipFill>
+        <p:spPr bwMode="auto">
+          <a:xfrm>
+            <a:off x="971967" y="2502080"/>
+            <a:ext cx="503904" cy="352339"/>
+          </a:xfrm>
+          <a:prstGeom prst="rect">
+            <a:avLst/>
+          </a:prstGeom>
+          <a:noFill/>
+          <a:extLst>
+            <a:ext uri="{909E8E84-426E-40DD-AFC4-6F175D3DCCD1}">
+              <a14:hiddenFill xmlns:a14="http://schemas.microsoft.com/office/drawing/2010/main">
+                <a:solidFill>
+                  <a:srgbClr val="FFFFFF"/>
+                </a:solidFill>
+              </a14:hiddenFill>
+            </a:ext>
+          </a:extLst>
+        </p:spPr>
+      </p:pic>
+      <p:pic>
+        <p:nvPicPr>
+          <p:cNvPr id="1028" name="Picture 4" descr="Screenshot of Salesforce Data Loader interface">
+            <a:extLst>
+              <a:ext uri="{FF2B5EF4-FFF2-40B4-BE49-F238E27FC236}">
+                <a16:creationId xmlns:a16="http://schemas.microsoft.com/office/drawing/2014/main" id="{7DABCD90-00BE-DE12-1278-8E8C8D2CA1BA}"/>
+              </a:ext>
+            </a:extLst>
+          </p:cNvPr>
+          <p:cNvPicPr>
+            <a:picLocks noChangeAspect="1" noChangeArrowheads="1"/>
+          </p:cNvPicPr>
+          <p:nvPr/>
+        </p:nvPicPr>
+        <p:blipFill>
+          <a:blip r:embed="rId9">
+            <a:extLst>
+              <a:ext uri="{28A0092B-C50C-407E-A947-70E740481C1C}">
+                <a14:useLocalDpi xmlns:a14="http://schemas.microsoft.com/office/drawing/2010/main" val="0"/>
+              </a:ext>
+            </a:extLst>
+          </a:blip>
+          <a:srcRect/>
+          <a:stretch>
+            <a:fillRect/>
+          </a:stretch>
+        </p:blipFill>
+        <p:spPr bwMode="auto">
+          <a:xfrm>
+            <a:off x="862590" y="2917792"/>
+            <a:ext cx="752554" cy="220397"/>
+          </a:xfrm>
+          <a:prstGeom prst="rect">
+            <a:avLst/>
+          </a:prstGeom>
+          <a:noFill/>
+          <a:extLst>
+            <a:ext uri="{909E8E84-426E-40DD-AFC4-6F175D3DCCD1}">
+              <a14:hiddenFill xmlns:a14="http://schemas.microsoft.com/office/drawing/2010/main">
+                <a:solidFill>
+                  <a:srgbClr val="FFFFFF"/>
+                </a:solidFill>
+              </a14:hiddenFill>
+            </a:ext>
+          </a:extLst>
+        </p:spPr>
+      </p:pic>
+      <p:sp>
+        <p:nvSpPr>
+          <p:cNvPr id="3" name="TextBox 2">
+            <a:extLst>
+              <a:ext uri="{FF2B5EF4-FFF2-40B4-BE49-F238E27FC236}">
+                <a16:creationId xmlns:a16="http://schemas.microsoft.com/office/drawing/2014/main" id="{CB2D6568-68B6-B3A5-BFC8-2AE2494E0527}"/>
+              </a:ext>
+            </a:extLst>
+          </p:cNvPr>
+          <p:cNvSpPr txBox="1"/>
+          <p:nvPr/>
+        </p:nvSpPr>
+        <p:spPr>
+          <a:xfrm>
+            <a:off x="6614558" y="2411381"/>
+            <a:ext cx="4301156" cy="2993408"/>
+          </a:xfrm>
+          <a:prstGeom prst="rect">
+            <a:avLst/>
+          </a:prstGeom>
+          <a:noFill/>
+          <a:effectLst/>
+        </p:spPr>
+        <p:txBody>
+          <a:bodyPr wrap="square">
+            <a:noAutofit/>
+          </a:bodyPr>
+          <a:lstStyle/>
+          <a:p>
+            <a:pPr defTabSz="457200"/>
+            <a:r>
+              <a:rPr lang="en-US" sz="900" dirty="0">
+                <a:solidFill>
+                  <a:prstClr val="black">
+                    <a:lumMod val="85000"/>
+                    <a:lumOff val="15000"/>
+                  </a:prstClr>
+                </a:solidFill>
+                <a:latin typeface="Work Sans Medium" pitchFamily="2" charset="0"/>
+              </a:rPr>
+              <a:t>Query examples:</a:t>
+            </a:r>
+          </a:p>
+          <a:p>
+            <a:pPr defTabSz="457200"/>
+            <a:endParaRPr lang="en-US" sz="900" dirty="0">
+              <a:solidFill>
+                <a:prstClr val="black">
+                  <a:lumMod val="85000"/>
+                  <a:lumOff val="15000"/>
+                </a:prstClr>
+              </a:solidFill>
+              <a:latin typeface="Work Sans Medium" pitchFamily="2" charset="0"/>
+            </a:endParaRPr>
+          </a:p>
+          <a:p>
+            <a:pPr defTabSz="457200"/>
+            <a:r>
+              <a:rPr lang="en-US" sz="900" dirty="0">
+                <a:solidFill>
+                  <a:prstClr val="black">
+                    <a:lumMod val="85000"/>
+                    <a:lumOff val="15000"/>
+                  </a:prstClr>
+                </a:solidFill>
+                <a:highlight>
+                  <a:srgbClr val="C0C0C0"/>
+                </a:highlight>
+                <a:latin typeface="Work Sans Medium" pitchFamily="2" charset="0"/>
+              </a:rPr>
+              <a:t>You are a sales strategist. For the opportunity "{opportunityName}" with {accountName}:</a:t>
+            </a:r>
+          </a:p>
+          <a:p>
+            <a:pPr defTabSz="457200"/>
+            <a:endParaRPr lang="en-US" sz="900" dirty="0">
+              <a:solidFill>
+                <a:prstClr val="black">
+                  <a:lumMod val="85000"/>
+                  <a:lumOff val="15000"/>
+                </a:prstClr>
+              </a:solidFill>
+              <a:highlight>
+                <a:srgbClr val="C0C0C0"/>
+              </a:highlight>
+              <a:latin typeface="Work Sans Medium" pitchFamily="2" charset="0"/>
+            </a:endParaRPr>
+          </a:p>
+          <a:p>
+            <a:pPr defTabSz="457200"/>
+            <a:r>
+              <a:rPr lang="en-US" sz="900" dirty="0">
+                <a:solidFill>
+                  <a:prstClr val="black">
+                    <a:lumMod val="85000"/>
+                    <a:lumOff val="15000"/>
+                  </a:prstClr>
+                </a:solidFill>
+                <a:highlight>
+                  <a:srgbClr val="C0C0C0"/>
+                </a:highlight>
+                <a:latin typeface="Work Sans Medium" pitchFamily="2" charset="0"/>
+              </a:rPr>
+              <a:t>opportunity Context:</a:t>
+            </a:r>
+          </a:p>
+          <a:p>
+            <a:pPr defTabSz="457200"/>
+            <a:r>
+              <a:rPr lang="en-US" sz="900" dirty="0">
+                <a:solidFill>
+                  <a:prstClr val="black">
+                    <a:lumMod val="85000"/>
+                    <a:lumOff val="15000"/>
+                  </a:prstClr>
+                </a:solidFill>
+                <a:highlight>
+                  <a:srgbClr val="C0C0C0"/>
+                </a:highlight>
+                <a:latin typeface="Work Sans Medium" pitchFamily="2" charset="0"/>
+              </a:rPr>
+              <a:t>- Value: {amount}</a:t>
+            </a:r>
+          </a:p>
+          <a:p>
+            <a:pPr defTabSz="457200"/>
+            <a:r>
+              <a:rPr lang="en-US" sz="900" dirty="0">
+                <a:solidFill>
+                  <a:prstClr val="black">
+                    <a:lumMod val="85000"/>
+                    <a:lumOff val="15000"/>
+                  </a:prstClr>
+                </a:solidFill>
+                <a:highlight>
+                  <a:srgbClr val="C0C0C0"/>
+                </a:highlight>
+                <a:latin typeface="Work Sans Medium" pitchFamily="2" charset="0"/>
+              </a:rPr>
+              <a:t>- Stage: {stage}</a:t>
+            </a:r>
+          </a:p>
+          <a:p>
+            <a:pPr defTabSz="457200"/>
+            <a:r>
+              <a:rPr lang="en-US" sz="900" dirty="0">
+                <a:solidFill>
+                  <a:prstClr val="black">
+                    <a:lumMod val="85000"/>
+                    <a:lumOff val="15000"/>
+                  </a:prstClr>
+                </a:solidFill>
+                <a:highlight>
+                  <a:srgbClr val="C0C0C0"/>
+                </a:highlight>
+                <a:latin typeface="Work Sans Medium" pitchFamily="2" charset="0"/>
+              </a:rPr>
+              <a:t>- Industry: {industry}</a:t>
+            </a:r>
+          </a:p>
+          <a:p>
+            <a:pPr defTabSz="457200"/>
+            <a:r>
+              <a:rPr lang="en-US" sz="900" dirty="0">
+                <a:solidFill>
+                  <a:prstClr val="black">
+                    <a:lumMod val="85000"/>
+                    <a:lumOff val="15000"/>
+                  </a:prstClr>
+                </a:solidFill>
+                <a:highlight>
+                  <a:srgbClr val="C0C0C0"/>
+                </a:highlight>
+                <a:latin typeface="Work Sans Medium" pitchFamily="2" charset="0"/>
+              </a:rPr>
+              <a:t>- Pain Points: {painPoints}</a:t>
+            </a:r>
+          </a:p>
+          <a:p>
+            <a:pPr defTabSz="457200"/>
+            <a:endParaRPr lang="en-US" sz="900" dirty="0">
+              <a:solidFill>
+                <a:prstClr val="black">
+                  <a:lumMod val="85000"/>
+                  <a:lumOff val="15000"/>
+                </a:prstClr>
+              </a:solidFill>
+              <a:highlight>
+                <a:srgbClr val="C0C0C0"/>
+              </a:highlight>
+              <a:latin typeface="Work Sans Medium" pitchFamily="2" charset="0"/>
+            </a:endParaRPr>
+          </a:p>
+          <a:p>
+            <a:pPr defTabSz="457200"/>
+            <a:r>
+              <a:rPr lang="en-US" sz="900" dirty="0">
+                <a:solidFill>
+                  <a:prstClr val="black">
+                    <a:lumMod val="85000"/>
+                    <a:lumOff val="15000"/>
+                  </a:prstClr>
+                </a:solidFill>
+                <a:highlight>
+                  <a:srgbClr val="C0C0C0"/>
+                </a:highlight>
+                <a:latin typeface="Work Sans Medium" pitchFamily="2" charset="0"/>
+              </a:rPr>
+              <a:t>Create an action plan for moving this opportunity to the next stage. Format as:</a:t>
+            </a:r>
+          </a:p>
+          <a:p>
+            <a:pPr defTabSz="457200"/>
+            <a:r>
+              <a:rPr lang="en-US" sz="900" dirty="0">
+                <a:solidFill>
+                  <a:prstClr val="black">
+                    <a:lumMod val="85000"/>
+                    <a:lumOff val="15000"/>
+                  </a:prstClr>
+                </a:solidFill>
+                <a:highlight>
+                  <a:srgbClr val="C0C0C0"/>
+                </a:highlight>
+                <a:latin typeface="Work Sans Medium" pitchFamily="2" charset="0"/>
+              </a:rPr>
+              <a:t>1. [Immediate Action] - What to do this week</a:t>
+            </a:r>
+          </a:p>
+          <a:p>
+            <a:pPr defTabSz="457200"/>
+            <a:r>
+              <a:rPr lang="en-US" sz="900" dirty="0">
+                <a:solidFill>
+                  <a:prstClr val="black">
+                    <a:lumMod val="85000"/>
+                    <a:lumOff val="15000"/>
+                  </a:prstClr>
+                </a:solidFill>
+                <a:highlight>
+                  <a:srgbClr val="C0C0C0"/>
+                </a:highlight>
+                <a:latin typeface="Work Sans Medium" pitchFamily="2" charset="0"/>
+              </a:rPr>
+              <a:t>2. [Key Stakeholder Move] - Who to engage next</a:t>
+            </a:r>
+          </a:p>
+          <a:p>
+            <a:pPr defTabSz="457200"/>
+            <a:r>
+              <a:rPr lang="en-US" sz="900" dirty="0">
+                <a:solidFill>
+                  <a:prstClr val="black">
+                    <a:lumMod val="85000"/>
+                    <a:lumOff val="15000"/>
+                  </a:prstClr>
+                </a:solidFill>
+                <a:highlight>
+                  <a:srgbClr val="C0C0C0"/>
+                </a:highlight>
+                <a:latin typeface="Work Sans Medium" pitchFamily="2" charset="0"/>
+              </a:rPr>
+              <a:t>3. [Content to Share] - Specific asset types to share to customer</a:t>
+            </a:r>
+          </a:p>
+          <a:p>
+            <a:pPr defTabSz="457200"/>
+            <a:r>
+              <a:rPr lang="en-US" sz="900" dirty="0">
+                <a:solidFill>
+                  <a:prstClr val="black">
+                    <a:lumMod val="85000"/>
+                    <a:lumOff val="15000"/>
+                  </a:prstClr>
+                </a:solidFill>
+                <a:highlight>
+                  <a:srgbClr val="C0C0C0"/>
+                </a:highlight>
+                <a:latin typeface="Work Sans Medium" pitchFamily="2" charset="0"/>
+              </a:rPr>
+              <a:t>4. [Email to write] – Email text to send</a:t>
+            </a:r>
+          </a:p>
+          <a:p>
+            <a:pPr defTabSz="457200"/>
+            <a:r>
+              <a:rPr lang="en-US" sz="900" dirty="0">
+                <a:solidFill>
+                  <a:prstClr val="black">
+                    <a:lumMod val="85000"/>
+                    <a:lumOff val="15000"/>
+                  </a:prstClr>
+                </a:solidFill>
+                <a:highlight>
+                  <a:srgbClr val="C0C0C0"/>
+                </a:highlight>
+                <a:latin typeface="Work Sans Medium" pitchFamily="2" charset="0"/>
+              </a:rPr>
+              <a:t>5. [Objection Handling] – Counter strategy to handle the customer objections</a:t>
+            </a:r>
+          </a:p>
+          <a:p>
+            <a:pPr defTabSz="457200"/>
+            <a:endParaRPr lang="en-US" sz="900" dirty="0">
+              <a:solidFill>
+                <a:prstClr val="black">
+                  <a:lumMod val="85000"/>
+                  <a:lumOff val="15000"/>
+                </a:prstClr>
+              </a:solidFill>
+              <a:highlight>
+                <a:srgbClr val="C0C0C0"/>
+              </a:highlight>
+              <a:latin typeface="Work Sans Medium" pitchFamily="2" charset="0"/>
+            </a:endParaRPr>
+          </a:p>
+          <a:p>
+            <a:pPr defTabSz="457200"/>
+            <a:r>
+              <a:rPr lang="en-US" sz="900" dirty="0">
+                <a:solidFill>
+                  <a:prstClr val="black">
+                    <a:lumMod val="85000"/>
+                    <a:lumOff val="15000"/>
+                  </a:prstClr>
+                </a:solidFill>
+                <a:highlight>
+                  <a:srgbClr val="C0C0C0"/>
+                </a:highlight>
+                <a:latin typeface="Work Sans Medium" pitchFamily="2" charset="0"/>
+              </a:rPr>
+              <a:t>Keep each point to 2 sentences max.</a:t>
+            </a:r>
+          </a:p>
+        </p:txBody>
+      </p:sp>
+    </p:spTree>
+    <p:extLst>
+      <p:ext uri="{BB962C8B-B14F-4D97-AF65-F5344CB8AC3E}">
+        <p14:creationId xmlns:p14="http://schemas.microsoft.com/office/powerpoint/2010/main" val="6830995"/>
       </p:ext>
     </p:extLst>
   </p:cSld>

--- a/images/diagrams.pptx
+++ b/images/diagrams.pptx
@@ -149,7 +149,7 @@
           </a:ln>
           <a:extLst>
             <a:ext uri="{C572A759-6A51-4108-AA02-DFA0A04FC94B}">
-              <ma14:wrappingTextBoxFlag xmlns="" xmlns:ma14="http://schemas.microsoft.com/office/mac/drawingml/2011/main" xmlns:a14="http://schemas.microsoft.com/office/drawing/2010/main" xmlns:m="http://schemas.openxmlformats.org/officeDocument/2006/math" val="1"/>
+              <ma14:wrappingTextBoxFlag xmlns:m="http://schemas.openxmlformats.org/officeDocument/2006/math" xmlns:a14="http://schemas.microsoft.com/office/drawing/2010/main" xmlns:ma14="http://schemas.microsoft.com/office/mac/drawingml/2011/main" xmlns="" val="1"/>
             </a:ext>
           </a:extLst>
         </p:spPr>
@@ -5534,7 +5534,7 @@
           </a:ln>
           <a:extLst>
             <a:ext uri="{C572A759-6A51-4108-AA02-DFA0A04FC94B}">
-              <ma14:wrappingTextBoxFlag xmlns="" xmlns:m="http://schemas.openxmlformats.org/officeDocument/2006/math" xmlns:a14="http://schemas.microsoft.com/office/drawing/2010/main" xmlns:ma14="http://schemas.microsoft.com/office/mac/drawingml/2011/main" val="1"/>
+              <ma14:wrappingTextBoxFlag xmlns:ma14="http://schemas.microsoft.com/office/mac/drawingml/2011/main" xmlns:a14="http://schemas.microsoft.com/office/drawing/2010/main" xmlns:m="http://schemas.openxmlformats.org/officeDocument/2006/math" xmlns="" val="1"/>
             </a:ext>
           </a:extLst>
         </p:spPr>
